--- a/misc/vign/PackageSchematic.pptx
+++ b/misc/vign/PackageSchematic.pptx
@@ -2,12 +2,12 @@
 <file path=ppt/presentation.xml><?xml version="1.0" encoding="utf-8"?>
 <p:presentation xmlns:a="http://schemas.openxmlformats.org/drawingml/2006/main" xmlns:r="http://schemas.openxmlformats.org/officeDocument/2006/relationships" xmlns:p="http://schemas.openxmlformats.org/presentationml/2006/main" saveSubsetFonts="1">
   <p:sldMasterIdLst>
-    <p:sldMasterId id="2147483720" r:id="rId1"/>
+    <p:sldMasterId id="2147483792" r:id="rId1"/>
   </p:sldMasterIdLst>
   <p:sldIdLst>
     <p:sldId id="256" r:id="rId2"/>
   </p:sldIdLst>
-  <p:sldSz cx="9001125" cy="5580063"/>
+  <p:sldSz cx="10080625" cy="8640763"/>
   <p:notesSz cx="6858000" cy="9144000"/>
   <p:defaultTextStyle>
     <a:defPPr>
@@ -107,22 +107,22 @@
   <p:extLst>
     <p:ext uri="{EFAFB233-063F-42B5-8137-9DF3F51BA10A}">
       <p15:sldGuideLst xmlns:p15="http://schemas.microsoft.com/office/powerpoint/2012/main">
-        <p15:guide id="1" orient="horz" pos="2095" userDrawn="1">
+        <p15:guide id="1" orient="horz" pos="3244" userDrawn="1">
           <p15:clr>
             <a:srgbClr val="A4A3A4"/>
           </p15:clr>
         </p15:guide>
-        <p15:guide id="2" pos="2880" userDrawn="1">
+        <p15:guide id="2" pos="3225" userDrawn="1">
           <p15:clr>
             <a:srgbClr val="A4A3A4"/>
           </p15:clr>
         </p15:guide>
-        <p15:guide id="3" orient="horz" pos="1759" userDrawn="1">
+        <p15:guide id="3" orient="horz" pos="2724" userDrawn="1">
           <p15:clr>
             <a:srgbClr val="A4A3A4"/>
           </p15:clr>
         </p15:guide>
-        <p15:guide id="4" pos="2835" userDrawn="1">
+        <p15:guide id="4" pos="3175" userDrawn="1">
           <p15:clr>
             <a:srgbClr val="A4A3A4"/>
           </p15:clr>
@@ -162,15 +162,15 @@
         </p:nvSpPr>
         <p:spPr>
           <a:xfrm>
-            <a:off x="1125141" y="913219"/>
-            <a:ext cx="6750844" cy="1942689"/>
+            <a:off x="756047" y="1414125"/>
+            <a:ext cx="8568531" cy="3008266"/>
           </a:xfrm>
         </p:spPr>
         <p:txBody>
           <a:bodyPr anchor="b"/>
           <a:lstStyle>
             <a:lvl1pPr algn="ctr">
-              <a:defRPr sz="4430"/>
+              <a:defRPr sz="6614"/>
             </a:lvl1pPr>
           </a:lstStyle>
           <a:p>
@@ -194,8 +194,8 @@
         </p:nvSpPr>
         <p:spPr>
           <a:xfrm>
-            <a:off x="1125141" y="2930825"/>
-            <a:ext cx="6750844" cy="1347223"/>
+            <a:off x="1260078" y="4538401"/>
+            <a:ext cx="7560469" cy="2086184"/>
           </a:xfrm>
         </p:spPr>
         <p:txBody>
@@ -203,39 +203,39 @@
           <a:lstStyle>
             <a:lvl1pPr marL="0" indent="0" algn="ctr">
               <a:buNone/>
-              <a:defRPr sz="1772"/>
+              <a:defRPr sz="2646"/>
             </a:lvl1pPr>
-            <a:lvl2pPr marL="337551" indent="0" algn="ctr">
+            <a:lvl2pPr marL="504017" indent="0" algn="ctr">
               <a:buNone/>
-              <a:defRPr sz="1477"/>
+              <a:defRPr sz="2205"/>
             </a:lvl2pPr>
-            <a:lvl3pPr marL="675102" indent="0" algn="ctr">
+            <a:lvl3pPr marL="1008035" indent="0" algn="ctr">
               <a:buNone/>
-              <a:defRPr sz="1329"/>
+              <a:defRPr sz="1984"/>
             </a:lvl3pPr>
-            <a:lvl4pPr marL="1012652" indent="0" algn="ctr">
+            <a:lvl4pPr marL="1512052" indent="0" algn="ctr">
               <a:buNone/>
-              <a:defRPr sz="1181"/>
+              <a:defRPr sz="1764"/>
             </a:lvl4pPr>
-            <a:lvl5pPr marL="1350203" indent="0" algn="ctr">
+            <a:lvl5pPr marL="2016069" indent="0" algn="ctr">
               <a:buNone/>
-              <a:defRPr sz="1181"/>
+              <a:defRPr sz="1764"/>
             </a:lvl5pPr>
-            <a:lvl6pPr marL="1687754" indent="0" algn="ctr">
+            <a:lvl6pPr marL="2520086" indent="0" algn="ctr">
               <a:buNone/>
-              <a:defRPr sz="1181"/>
+              <a:defRPr sz="1764"/>
             </a:lvl6pPr>
-            <a:lvl7pPr marL="2025305" indent="0" algn="ctr">
+            <a:lvl7pPr marL="3024104" indent="0" algn="ctr">
               <a:buNone/>
-              <a:defRPr sz="1181"/>
+              <a:defRPr sz="1764"/>
             </a:lvl7pPr>
-            <a:lvl8pPr marL="2362855" indent="0" algn="ctr">
+            <a:lvl8pPr marL="3528121" indent="0" algn="ctr">
               <a:buNone/>
-              <a:defRPr sz="1181"/>
+              <a:defRPr sz="1764"/>
             </a:lvl8pPr>
-            <a:lvl9pPr marL="2700406" indent="0" algn="ctr">
+            <a:lvl9pPr marL="4032138" indent="0" algn="ctr">
               <a:buNone/>
-              <a:defRPr sz="1181"/>
+              <a:defRPr sz="1764"/>
             </a:lvl9pPr>
           </a:lstStyle>
           <a:p>
@@ -264,7 +264,7 @@
           <a:p>
             <a:fld id="{300DB245-849F-4AAA-AD3E-676A6FA9CB3B}" type="datetimeFigureOut">
               <a:rPr lang="de-DE" smtClean="0"/>
-              <a:t>07.04.2019</a:t>
+              <a:t>28.07.2020</a:t>
             </a:fld>
             <a:endParaRPr lang="de-DE"/>
           </a:p>
@@ -315,7 +315,7 @@
     </p:spTree>
     <p:extLst>
       <p:ext uri="{BB962C8B-B14F-4D97-AF65-F5344CB8AC3E}">
-        <p14:creationId xmlns:p14="http://schemas.microsoft.com/office/powerpoint/2010/main" val="2262439369"/>
+        <p14:creationId xmlns:p14="http://schemas.microsoft.com/office/powerpoint/2010/main" val="1007621049"/>
       </p:ext>
     </p:extLst>
   </p:cSld>
@@ -434,7 +434,7 @@
           <a:p>
             <a:fld id="{300DB245-849F-4AAA-AD3E-676A6FA9CB3B}" type="datetimeFigureOut">
               <a:rPr lang="de-DE" smtClean="0"/>
-              <a:t>07.04.2019</a:t>
+              <a:t>28.07.2020</a:t>
             </a:fld>
             <a:endParaRPr lang="de-DE"/>
           </a:p>
@@ -485,7 +485,7 @@
     </p:spTree>
     <p:extLst>
       <p:ext uri="{BB962C8B-B14F-4D97-AF65-F5344CB8AC3E}">
-        <p14:creationId xmlns:p14="http://schemas.microsoft.com/office/powerpoint/2010/main" val="1943505614"/>
+        <p14:creationId xmlns:p14="http://schemas.microsoft.com/office/powerpoint/2010/main" val="114509196"/>
       </p:ext>
     </p:extLst>
   </p:cSld>
@@ -524,8 +524,8 @@
         </p:nvSpPr>
         <p:spPr>
           <a:xfrm>
-            <a:off x="6441430" y="297087"/>
-            <a:ext cx="1940868" cy="4728845"/>
+            <a:off x="7213948" y="460041"/>
+            <a:ext cx="2173635" cy="7322647"/>
           </a:xfrm>
         </p:spPr>
         <p:txBody>
@@ -552,8 +552,8 @@
         </p:nvSpPr>
         <p:spPr>
           <a:xfrm>
-            <a:off x="618827" y="297087"/>
-            <a:ext cx="5710089" cy="4728845"/>
+            <a:off x="693044" y="460041"/>
+            <a:ext cx="6394896" cy="7322647"/>
           </a:xfrm>
         </p:spPr>
         <p:txBody>
@@ -614,7 +614,7 @@
           <a:p>
             <a:fld id="{300DB245-849F-4AAA-AD3E-676A6FA9CB3B}" type="datetimeFigureOut">
               <a:rPr lang="de-DE" smtClean="0"/>
-              <a:t>07.04.2019</a:t>
+              <a:t>28.07.2020</a:t>
             </a:fld>
             <a:endParaRPr lang="de-DE"/>
           </a:p>
@@ -665,7 +665,7 @@
     </p:spTree>
     <p:extLst>
       <p:ext uri="{BB962C8B-B14F-4D97-AF65-F5344CB8AC3E}">
-        <p14:creationId xmlns:p14="http://schemas.microsoft.com/office/powerpoint/2010/main" val="1469270086"/>
+        <p14:creationId xmlns:p14="http://schemas.microsoft.com/office/powerpoint/2010/main" val="1754636760"/>
       </p:ext>
     </p:extLst>
   </p:cSld>
@@ -784,7 +784,7 @@
           <a:p>
             <a:fld id="{300DB245-849F-4AAA-AD3E-676A6FA9CB3B}" type="datetimeFigureOut">
               <a:rPr lang="de-DE" smtClean="0"/>
-              <a:t>07.04.2019</a:t>
+              <a:t>28.07.2020</a:t>
             </a:fld>
             <a:endParaRPr lang="de-DE"/>
           </a:p>
@@ -835,7 +835,7 @@
     </p:spTree>
     <p:extLst>
       <p:ext uri="{BB962C8B-B14F-4D97-AF65-F5344CB8AC3E}">
-        <p14:creationId xmlns:p14="http://schemas.microsoft.com/office/powerpoint/2010/main" val="152203214"/>
+        <p14:creationId xmlns:p14="http://schemas.microsoft.com/office/powerpoint/2010/main" val="2919266085"/>
       </p:ext>
     </p:extLst>
   </p:cSld>
@@ -874,15 +874,15 @@
         </p:nvSpPr>
         <p:spPr>
           <a:xfrm>
-            <a:off x="614139" y="1391141"/>
-            <a:ext cx="7763470" cy="2321151"/>
+            <a:off x="687793" y="2154193"/>
+            <a:ext cx="8694539" cy="3594317"/>
           </a:xfrm>
         </p:spPr>
         <p:txBody>
           <a:bodyPr anchor="b"/>
           <a:lstStyle>
             <a:lvl1pPr>
-              <a:defRPr sz="4430"/>
+              <a:defRPr sz="6614"/>
             </a:lvl1pPr>
           </a:lstStyle>
           <a:p>
@@ -906,8 +906,8 @@
         </p:nvSpPr>
         <p:spPr>
           <a:xfrm>
-            <a:off x="614139" y="3734251"/>
-            <a:ext cx="7763470" cy="1220638"/>
+            <a:off x="687793" y="5782513"/>
+            <a:ext cx="8694539" cy="1890166"/>
           </a:xfrm>
         </p:spPr>
         <p:txBody>
@@ -915,17 +915,15 @@
           <a:lstStyle>
             <a:lvl1pPr marL="0" indent="0">
               <a:buNone/>
-              <a:defRPr sz="1772">
+              <a:defRPr sz="2646">
                 <a:solidFill>
-                  <a:schemeClr val="tx1">
-                    <a:tint val="75000"/>
-                  </a:schemeClr>
+                  <a:schemeClr val="tx1"/>
                 </a:solidFill>
               </a:defRPr>
             </a:lvl1pPr>
-            <a:lvl2pPr marL="337551" indent="0">
+            <a:lvl2pPr marL="504017" indent="0">
               <a:buNone/>
-              <a:defRPr sz="1477">
+              <a:defRPr sz="2205">
                 <a:solidFill>
                   <a:schemeClr val="tx1">
                     <a:tint val="75000"/>
@@ -933,9 +931,9 @@
                 </a:solidFill>
               </a:defRPr>
             </a:lvl2pPr>
-            <a:lvl3pPr marL="675102" indent="0">
+            <a:lvl3pPr marL="1008035" indent="0">
               <a:buNone/>
-              <a:defRPr sz="1329">
+              <a:defRPr sz="1984">
                 <a:solidFill>
                   <a:schemeClr val="tx1">
                     <a:tint val="75000"/>
@@ -943,9 +941,9 @@
                 </a:solidFill>
               </a:defRPr>
             </a:lvl3pPr>
-            <a:lvl4pPr marL="1012652" indent="0">
+            <a:lvl4pPr marL="1512052" indent="0">
               <a:buNone/>
-              <a:defRPr sz="1181">
+              <a:defRPr sz="1764">
                 <a:solidFill>
                   <a:schemeClr val="tx1">
                     <a:tint val="75000"/>
@@ -953,9 +951,9 @@
                 </a:solidFill>
               </a:defRPr>
             </a:lvl4pPr>
-            <a:lvl5pPr marL="1350203" indent="0">
+            <a:lvl5pPr marL="2016069" indent="0">
               <a:buNone/>
-              <a:defRPr sz="1181">
+              <a:defRPr sz="1764">
                 <a:solidFill>
                   <a:schemeClr val="tx1">
                     <a:tint val="75000"/>
@@ -963,9 +961,9 @@
                 </a:solidFill>
               </a:defRPr>
             </a:lvl5pPr>
-            <a:lvl6pPr marL="1687754" indent="0">
+            <a:lvl6pPr marL="2520086" indent="0">
               <a:buNone/>
-              <a:defRPr sz="1181">
+              <a:defRPr sz="1764">
                 <a:solidFill>
                   <a:schemeClr val="tx1">
                     <a:tint val="75000"/>
@@ -973,9 +971,9 @@
                 </a:solidFill>
               </a:defRPr>
             </a:lvl6pPr>
-            <a:lvl7pPr marL="2025305" indent="0">
+            <a:lvl7pPr marL="3024104" indent="0">
               <a:buNone/>
-              <a:defRPr sz="1181">
+              <a:defRPr sz="1764">
                 <a:solidFill>
                   <a:schemeClr val="tx1">
                     <a:tint val="75000"/>
@@ -983,9 +981,9 @@
                 </a:solidFill>
               </a:defRPr>
             </a:lvl7pPr>
-            <a:lvl8pPr marL="2362855" indent="0">
+            <a:lvl8pPr marL="3528121" indent="0">
               <a:buNone/>
-              <a:defRPr sz="1181">
+              <a:defRPr sz="1764">
                 <a:solidFill>
                   <a:schemeClr val="tx1">
                     <a:tint val="75000"/>
@@ -993,9 +991,9 @@
                 </a:solidFill>
               </a:defRPr>
             </a:lvl8pPr>
-            <a:lvl9pPr marL="2700406" indent="0">
+            <a:lvl9pPr marL="4032138" indent="0">
               <a:buNone/>
-              <a:defRPr sz="1181">
+              <a:defRPr sz="1764">
                 <a:solidFill>
                   <a:schemeClr val="tx1">
                     <a:tint val="75000"/>
@@ -1030,7 +1028,7 @@
           <a:p>
             <a:fld id="{300DB245-849F-4AAA-AD3E-676A6FA9CB3B}" type="datetimeFigureOut">
               <a:rPr lang="de-DE" smtClean="0"/>
-              <a:t>07.04.2019</a:t>
+              <a:t>28.07.2020</a:t>
             </a:fld>
             <a:endParaRPr lang="de-DE"/>
           </a:p>
@@ -1081,7 +1079,7 @@
     </p:spTree>
     <p:extLst>
       <p:ext uri="{BB962C8B-B14F-4D97-AF65-F5344CB8AC3E}">
-        <p14:creationId xmlns:p14="http://schemas.microsoft.com/office/powerpoint/2010/main" val="646759953"/>
+        <p14:creationId xmlns:p14="http://schemas.microsoft.com/office/powerpoint/2010/main" val="3434577643"/>
       </p:ext>
     </p:extLst>
   </p:cSld>
@@ -1143,8 +1141,8 @@
         </p:nvSpPr>
         <p:spPr>
           <a:xfrm>
-            <a:off x="618827" y="1485433"/>
-            <a:ext cx="3825478" cy="3540499"/>
+            <a:off x="693043" y="2300203"/>
+            <a:ext cx="4284266" cy="5482485"/>
           </a:xfrm>
         </p:spPr>
         <p:txBody>
@@ -1200,8 +1198,8 @@
         </p:nvSpPr>
         <p:spPr>
           <a:xfrm>
-            <a:off x="4556820" y="1485433"/>
-            <a:ext cx="3825478" cy="3540499"/>
+            <a:off x="5103316" y="2300203"/>
+            <a:ext cx="4284266" cy="5482485"/>
           </a:xfrm>
         </p:spPr>
         <p:txBody>
@@ -1262,7 +1260,7 @@
           <a:p>
             <a:fld id="{300DB245-849F-4AAA-AD3E-676A6FA9CB3B}" type="datetimeFigureOut">
               <a:rPr lang="de-DE" smtClean="0"/>
-              <a:t>07.04.2019</a:t>
+              <a:t>28.07.2020</a:t>
             </a:fld>
             <a:endParaRPr lang="de-DE"/>
           </a:p>
@@ -1313,7 +1311,7 @@
     </p:spTree>
     <p:extLst>
       <p:ext uri="{BB962C8B-B14F-4D97-AF65-F5344CB8AC3E}">
-        <p14:creationId xmlns:p14="http://schemas.microsoft.com/office/powerpoint/2010/main" val="2883158856"/>
+        <p14:creationId xmlns:p14="http://schemas.microsoft.com/office/powerpoint/2010/main" val="2069110039"/>
       </p:ext>
     </p:extLst>
   </p:cSld>
@@ -1352,8 +1350,8 @@
         </p:nvSpPr>
         <p:spPr>
           <a:xfrm>
-            <a:off x="620000" y="297087"/>
-            <a:ext cx="7763470" cy="1078554"/>
+            <a:off x="694356" y="460043"/>
+            <a:ext cx="8694539" cy="1670148"/>
           </a:xfrm>
         </p:spPr>
         <p:txBody>
@@ -1380,8 +1378,8 @@
         </p:nvSpPr>
         <p:spPr>
           <a:xfrm>
-            <a:off x="620000" y="1367891"/>
-            <a:ext cx="3807897" cy="670382"/>
+            <a:off x="694357" y="2118188"/>
+            <a:ext cx="4264576" cy="1038091"/>
           </a:xfrm>
         </p:spPr>
         <p:txBody>
@@ -1389,39 +1387,39 @@
           <a:lstStyle>
             <a:lvl1pPr marL="0" indent="0">
               <a:buNone/>
-              <a:defRPr sz="1772" b="1"/>
+              <a:defRPr sz="2646" b="1"/>
             </a:lvl1pPr>
-            <a:lvl2pPr marL="337551" indent="0">
+            <a:lvl2pPr marL="504017" indent="0">
               <a:buNone/>
-              <a:defRPr sz="1477" b="1"/>
+              <a:defRPr sz="2205" b="1"/>
             </a:lvl2pPr>
-            <a:lvl3pPr marL="675102" indent="0">
+            <a:lvl3pPr marL="1008035" indent="0">
               <a:buNone/>
-              <a:defRPr sz="1329" b="1"/>
+              <a:defRPr sz="1984" b="1"/>
             </a:lvl3pPr>
-            <a:lvl4pPr marL="1012652" indent="0">
+            <a:lvl4pPr marL="1512052" indent="0">
               <a:buNone/>
-              <a:defRPr sz="1181" b="1"/>
+              <a:defRPr sz="1764" b="1"/>
             </a:lvl4pPr>
-            <a:lvl5pPr marL="1350203" indent="0">
+            <a:lvl5pPr marL="2016069" indent="0">
               <a:buNone/>
-              <a:defRPr sz="1181" b="1"/>
+              <a:defRPr sz="1764" b="1"/>
             </a:lvl5pPr>
-            <a:lvl6pPr marL="1687754" indent="0">
+            <a:lvl6pPr marL="2520086" indent="0">
               <a:buNone/>
-              <a:defRPr sz="1181" b="1"/>
+              <a:defRPr sz="1764" b="1"/>
             </a:lvl6pPr>
-            <a:lvl7pPr marL="2025305" indent="0">
+            <a:lvl7pPr marL="3024104" indent="0">
               <a:buNone/>
-              <a:defRPr sz="1181" b="1"/>
+              <a:defRPr sz="1764" b="1"/>
             </a:lvl7pPr>
-            <a:lvl8pPr marL="2362855" indent="0">
+            <a:lvl8pPr marL="3528121" indent="0">
               <a:buNone/>
-              <a:defRPr sz="1181" b="1"/>
+              <a:defRPr sz="1764" b="1"/>
             </a:lvl8pPr>
-            <a:lvl9pPr marL="2700406" indent="0">
+            <a:lvl9pPr marL="4032138" indent="0">
               <a:buNone/>
-              <a:defRPr sz="1181" b="1"/>
+              <a:defRPr sz="1764" b="1"/>
             </a:lvl9pPr>
           </a:lstStyle>
           <a:p>
@@ -1445,8 +1443,8 @@
         </p:nvSpPr>
         <p:spPr>
           <a:xfrm>
-            <a:off x="620000" y="2038273"/>
-            <a:ext cx="3807897" cy="2997993"/>
+            <a:off x="694357" y="3156278"/>
+            <a:ext cx="4264576" cy="4642411"/>
           </a:xfrm>
         </p:spPr>
         <p:txBody>
@@ -1502,8 +1500,8 @@
         </p:nvSpPr>
         <p:spPr>
           <a:xfrm>
-            <a:off x="4556819" y="1367891"/>
-            <a:ext cx="3826651" cy="670382"/>
+            <a:off x="5103317" y="2118188"/>
+            <a:ext cx="4285579" cy="1038091"/>
           </a:xfrm>
         </p:spPr>
         <p:txBody>
@@ -1511,39 +1509,39 @@
           <a:lstStyle>
             <a:lvl1pPr marL="0" indent="0">
               <a:buNone/>
-              <a:defRPr sz="1772" b="1"/>
+              <a:defRPr sz="2646" b="1"/>
             </a:lvl1pPr>
-            <a:lvl2pPr marL="337551" indent="0">
+            <a:lvl2pPr marL="504017" indent="0">
               <a:buNone/>
-              <a:defRPr sz="1477" b="1"/>
+              <a:defRPr sz="2205" b="1"/>
             </a:lvl2pPr>
-            <a:lvl3pPr marL="675102" indent="0">
+            <a:lvl3pPr marL="1008035" indent="0">
               <a:buNone/>
-              <a:defRPr sz="1329" b="1"/>
+              <a:defRPr sz="1984" b="1"/>
             </a:lvl3pPr>
-            <a:lvl4pPr marL="1012652" indent="0">
+            <a:lvl4pPr marL="1512052" indent="0">
               <a:buNone/>
-              <a:defRPr sz="1181" b="1"/>
+              <a:defRPr sz="1764" b="1"/>
             </a:lvl4pPr>
-            <a:lvl5pPr marL="1350203" indent="0">
+            <a:lvl5pPr marL="2016069" indent="0">
               <a:buNone/>
-              <a:defRPr sz="1181" b="1"/>
+              <a:defRPr sz="1764" b="1"/>
             </a:lvl5pPr>
-            <a:lvl6pPr marL="1687754" indent="0">
+            <a:lvl6pPr marL="2520086" indent="0">
               <a:buNone/>
-              <a:defRPr sz="1181" b="1"/>
+              <a:defRPr sz="1764" b="1"/>
             </a:lvl6pPr>
-            <a:lvl7pPr marL="2025305" indent="0">
+            <a:lvl7pPr marL="3024104" indent="0">
               <a:buNone/>
-              <a:defRPr sz="1181" b="1"/>
+              <a:defRPr sz="1764" b="1"/>
             </a:lvl7pPr>
-            <a:lvl8pPr marL="2362855" indent="0">
+            <a:lvl8pPr marL="3528121" indent="0">
               <a:buNone/>
-              <a:defRPr sz="1181" b="1"/>
+              <a:defRPr sz="1764" b="1"/>
             </a:lvl8pPr>
-            <a:lvl9pPr marL="2700406" indent="0">
+            <a:lvl9pPr marL="4032138" indent="0">
               <a:buNone/>
-              <a:defRPr sz="1181" b="1"/>
+              <a:defRPr sz="1764" b="1"/>
             </a:lvl9pPr>
           </a:lstStyle>
           <a:p>
@@ -1567,8 +1565,8 @@
         </p:nvSpPr>
         <p:spPr>
           <a:xfrm>
-            <a:off x="4556819" y="2038273"/>
-            <a:ext cx="3826651" cy="2997993"/>
+            <a:off x="5103317" y="3156278"/>
+            <a:ext cx="4285579" cy="4642411"/>
           </a:xfrm>
         </p:spPr>
         <p:txBody>
@@ -1629,7 +1627,7 @@
           <a:p>
             <a:fld id="{300DB245-849F-4AAA-AD3E-676A6FA9CB3B}" type="datetimeFigureOut">
               <a:rPr lang="de-DE" smtClean="0"/>
-              <a:t>07.04.2019</a:t>
+              <a:t>28.07.2020</a:t>
             </a:fld>
             <a:endParaRPr lang="de-DE"/>
           </a:p>
@@ -1680,7 +1678,7 @@
     </p:spTree>
     <p:extLst>
       <p:ext uri="{BB962C8B-B14F-4D97-AF65-F5344CB8AC3E}">
-        <p14:creationId xmlns:p14="http://schemas.microsoft.com/office/powerpoint/2010/main" val="3794144586"/>
+        <p14:creationId xmlns:p14="http://schemas.microsoft.com/office/powerpoint/2010/main" val="1024595780"/>
       </p:ext>
     </p:extLst>
   </p:cSld>
@@ -1747,7 +1745,7 @@
           <a:p>
             <a:fld id="{300DB245-849F-4AAA-AD3E-676A6FA9CB3B}" type="datetimeFigureOut">
               <a:rPr lang="de-DE" smtClean="0"/>
-              <a:t>07.04.2019</a:t>
+              <a:t>28.07.2020</a:t>
             </a:fld>
             <a:endParaRPr lang="de-DE"/>
           </a:p>
@@ -1798,7 +1796,7 @@
     </p:spTree>
     <p:extLst>
       <p:ext uri="{BB962C8B-B14F-4D97-AF65-F5344CB8AC3E}">
-        <p14:creationId xmlns:p14="http://schemas.microsoft.com/office/powerpoint/2010/main" val="2571751969"/>
+        <p14:creationId xmlns:p14="http://schemas.microsoft.com/office/powerpoint/2010/main" val="2193358557"/>
       </p:ext>
     </p:extLst>
   </p:cSld>
@@ -1842,7 +1840,7 @@
           <a:p>
             <a:fld id="{300DB245-849F-4AAA-AD3E-676A6FA9CB3B}" type="datetimeFigureOut">
               <a:rPr lang="de-DE" smtClean="0"/>
-              <a:t>07.04.2019</a:t>
+              <a:t>28.07.2020</a:t>
             </a:fld>
             <a:endParaRPr lang="de-DE"/>
           </a:p>
@@ -1893,7 +1891,7 @@
     </p:spTree>
     <p:extLst>
       <p:ext uri="{BB962C8B-B14F-4D97-AF65-F5344CB8AC3E}">
-        <p14:creationId xmlns:p14="http://schemas.microsoft.com/office/powerpoint/2010/main" val="2461501354"/>
+        <p14:creationId xmlns:p14="http://schemas.microsoft.com/office/powerpoint/2010/main" val="3102776125"/>
       </p:ext>
     </p:extLst>
   </p:cSld>
@@ -1932,15 +1930,15 @@
         </p:nvSpPr>
         <p:spPr>
           <a:xfrm>
-            <a:off x="620000" y="372004"/>
-            <a:ext cx="2903097" cy="1302015"/>
+            <a:off x="694356" y="576051"/>
+            <a:ext cx="3251264" cy="2016178"/>
           </a:xfrm>
         </p:spPr>
         <p:txBody>
           <a:bodyPr anchor="b"/>
           <a:lstStyle>
             <a:lvl1pPr>
-              <a:defRPr sz="2363"/>
+              <a:defRPr sz="3528"/>
             </a:lvl1pPr>
           </a:lstStyle>
           <a:p>
@@ -1964,39 +1962,39 @@
         </p:nvSpPr>
         <p:spPr>
           <a:xfrm>
-            <a:off x="3826650" y="803426"/>
-            <a:ext cx="4556820" cy="3965461"/>
+            <a:off x="4285579" y="1244112"/>
+            <a:ext cx="5103316" cy="6140542"/>
           </a:xfrm>
         </p:spPr>
         <p:txBody>
           <a:bodyPr/>
           <a:lstStyle>
             <a:lvl1pPr>
-              <a:defRPr sz="2363"/>
+              <a:defRPr sz="3528"/>
             </a:lvl1pPr>
             <a:lvl2pPr>
-              <a:defRPr sz="2067"/>
+              <a:defRPr sz="3087"/>
             </a:lvl2pPr>
             <a:lvl3pPr>
-              <a:defRPr sz="1772"/>
+              <a:defRPr sz="2646"/>
             </a:lvl3pPr>
             <a:lvl4pPr>
-              <a:defRPr sz="1477"/>
+              <a:defRPr sz="2205"/>
             </a:lvl4pPr>
             <a:lvl5pPr>
-              <a:defRPr sz="1477"/>
+              <a:defRPr sz="2205"/>
             </a:lvl5pPr>
             <a:lvl6pPr>
-              <a:defRPr sz="1477"/>
+              <a:defRPr sz="2205"/>
             </a:lvl6pPr>
             <a:lvl7pPr>
-              <a:defRPr sz="1477"/>
+              <a:defRPr sz="2205"/>
             </a:lvl7pPr>
             <a:lvl8pPr>
-              <a:defRPr sz="1477"/>
+              <a:defRPr sz="2205"/>
             </a:lvl8pPr>
             <a:lvl9pPr>
-              <a:defRPr sz="1477"/>
+              <a:defRPr sz="2205"/>
             </a:lvl9pPr>
           </a:lstStyle>
           <a:p>
@@ -2049,8 +2047,8 @@
         </p:nvSpPr>
         <p:spPr>
           <a:xfrm>
-            <a:off x="620000" y="1674019"/>
-            <a:ext cx="2903097" cy="3101327"/>
+            <a:off x="694356" y="2592229"/>
+            <a:ext cx="3251264" cy="4802425"/>
           </a:xfrm>
         </p:spPr>
         <p:txBody>
@@ -2058,39 +2056,39 @@
           <a:lstStyle>
             <a:lvl1pPr marL="0" indent="0">
               <a:buNone/>
-              <a:defRPr sz="1181"/>
+              <a:defRPr sz="1764"/>
             </a:lvl1pPr>
-            <a:lvl2pPr marL="337551" indent="0">
+            <a:lvl2pPr marL="504017" indent="0">
               <a:buNone/>
-              <a:defRPr sz="1034"/>
+              <a:defRPr sz="1543"/>
             </a:lvl2pPr>
-            <a:lvl3pPr marL="675102" indent="0">
+            <a:lvl3pPr marL="1008035" indent="0">
               <a:buNone/>
-              <a:defRPr sz="886"/>
+              <a:defRPr sz="1323"/>
             </a:lvl3pPr>
-            <a:lvl4pPr marL="1012652" indent="0">
+            <a:lvl4pPr marL="1512052" indent="0">
               <a:buNone/>
-              <a:defRPr sz="738"/>
+              <a:defRPr sz="1102"/>
             </a:lvl4pPr>
-            <a:lvl5pPr marL="1350203" indent="0">
+            <a:lvl5pPr marL="2016069" indent="0">
               <a:buNone/>
-              <a:defRPr sz="738"/>
+              <a:defRPr sz="1102"/>
             </a:lvl5pPr>
-            <a:lvl6pPr marL="1687754" indent="0">
+            <a:lvl6pPr marL="2520086" indent="0">
               <a:buNone/>
-              <a:defRPr sz="738"/>
+              <a:defRPr sz="1102"/>
             </a:lvl6pPr>
-            <a:lvl7pPr marL="2025305" indent="0">
+            <a:lvl7pPr marL="3024104" indent="0">
               <a:buNone/>
-              <a:defRPr sz="738"/>
+              <a:defRPr sz="1102"/>
             </a:lvl7pPr>
-            <a:lvl8pPr marL="2362855" indent="0">
+            <a:lvl8pPr marL="3528121" indent="0">
               <a:buNone/>
-              <a:defRPr sz="738"/>
+              <a:defRPr sz="1102"/>
             </a:lvl8pPr>
-            <a:lvl9pPr marL="2700406" indent="0">
+            <a:lvl9pPr marL="4032138" indent="0">
               <a:buNone/>
-              <a:defRPr sz="738"/>
+              <a:defRPr sz="1102"/>
             </a:lvl9pPr>
           </a:lstStyle>
           <a:p>
@@ -2119,7 +2117,7 @@
           <a:p>
             <a:fld id="{300DB245-849F-4AAA-AD3E-676A6FA9CB3B}" type="datetimeFigureOut">
               <a:rPr lang="de-DE" smtClean="0"/>
-              <a:t>07.04.2019</a:t>
+              <a:t>28.07.2020</a:t>
             </a:fld>
             <a:endParaRPr lang="de-DE"/>
           </a:p>
@@ -2170,7 +2168,7 @@
     </p:spTree>
     <p:extLst>
       <p:ext uri="{BB962C8B-B14F-4D97-AF65-F5344CB8AC3E}">
-        <p14:creationId xmlns:p14="http://schemas.microsoft.com/office/powerpoint/2010/main" val="3827214540"/>
+        <p14:creationId xmlns:p14="http://schemas.microsoft.com/office/powerpoint/2010/main" val="3241454354"/>
       </p:ext>
     </p:extLst>
   </p:cSld>
@@ -2209,15 +2207,15 @@
         </p:nvSpPr>
         <p:spPr>
           <a:xfrm>
-            <a:off x="620000" y="372004"/>
-            <a:ext cx="2903097" cy="1302015"/>
+            <a:off x="694356" y="576051"/>
+            <a:ext cx="3251264" cy="2016178"/>
           </a:xfrm>
         </p:spPr>
         <p:txBody>
           <a:bodyPr anchor="b"/>
           <a:lstStyle>
             <a:lvl1pPr>
-              <a:defRPr sz="2363"/>
+              <a:defRPr sz="3528"/>
             </a:lvl1pPr>
           </a:lstStyle>
           <a:p>
@@ -2241,8 +2239,8 @@
         </p:nvSpPr>
         <p:spPr>
           <a:xfrm>
-            <a:off x="3826650" y="803426"/>
-            <a:ext cx="4556820" cy="3965461"/>
+            <a:off x="4285579" y="1244112"/>
+            <a:ext cx="5103316" cy="6140542"/>
           </a:xfrm>
         </p:spPr>
         <p:txBody>
@@ -2250,39 +2248,39 @@
           <a:lstStyle>
             <a:lvl1pPr marL="0" indent="0">
               <a:buNone/>
-              <a:defRPr sz="2363"/>
+              <a:defRPr sz="3528"/>
             </a:lvl1pPr>
-            <a:lvl2pPr marL="337551" indent="0">
+            <a:lvl2pPr marL="504017" indent="0">
               <a:buNone/>
-              <a:defRPr sz="2067"/>
+              <a:defRPr sz="3087"/>
             </a:lvl2pPr>
-            <a:lvl3pPr marL="675102" indent="0">
+            <a:lvl3pPr marL="1008035" indent="0">
               <a:buNone/>
-              <a:defRPr sz="1772"/>
+              <a:defRPr sz="2646"/>
             </a:lvl3pPr>
-            <a:lvl4pPr marL="1012652" indent="0">
+            <a:lvl4pPr marL="1512052" indent="0">
               <a:buNone/>
-              <a:defRPr sz="1477"/>
+              <a:defRPr sz="2205"/>
             </a:lvl4pPr>
-            <a:lvl5pPr marL="1350203" indent="0">
+            <a:lvl5pPr marL="2016069" indent="0">
               <a:buNone/>
-              <a:defRPr sz="1477"/>
+              <a:defRPr sz="2205"/>
             </a:lvl5pPr>
-            <a:lvl6pPr marL="1687754" indent="0">
+            <a:lvl6pPr marL="2520086" indent="0">
               <a:buNone/>
-              <a:defRPr sz="1477"/>
+              <a:defRPr sz="2205"/>
             </a:lvl6pPr>
-            <a:lvl7pPr marL="2025305" indent="0">
+            <a:lvl7pPr marL="3024104" indent="0">
               <a:buNone/>
-              <a:defRPr sz="1477"/>
+              <a:defRPr sz="2205"/>
             </a:lvl7pPr>
-            <a:lvl8pPr marL="2362855" indent="0">
+            <a:lvl8pPr marL="3528121" indent="0">
               <a:buNone/>
-              <a:defRPr sz="1477"/>
+              <a:defRPr sz="2205"/>
             </a:lvl8pPr>
-            <a:lvl9pPr marL="2700406" indent="0">
+            <a:lvl9pPr marL="4032138" indent="0">
               <a:buNone/>
-              <a:defRPr sz="1477"/>
+              <a:defRPr sz="2205"/>
             </a:lvl9pPr>
           </a:lstStyle>
           <a:p>
@@ -2290,6 +2288,7 @@
               <a:rPr lang="en-US"/>
               <a:t>Click icon to add picture</a:t>
             </a:r>
+            <a:endParaRPr lang="en-US" dirty="0"/>
           </a:p>
         </p:txBody>
       </p:sp>
@@ -2305,8 +2304,8 @@
         </p:nvSpPr>
         <p:spPr>
           <a:xfrm>
-            <a:off x="620000" y="1674019"/>
-            <a:ext cx="2903097" cy="3101327"/>
+            <a:off x="694356" y="2592229"/>
+            <a:ext cx="3251264" cy="4802425"/>
           </a:xfrm>
         </p:spPr>
         <p:txBody>
@@ -2314,39 +2313,39 @@
           <a:lstStyle>
             <a:lvl1pPr marL="0" indent="0">
               <a:buNone/>
-              <a:defRPr sz="1181"/>
+              <a:defRPr sz="1764"/>
             </a:lvl1pPr>
-            <a:lvl2pPr marL="337551" indent="0">
+            <a:lvl2pPr marL="504017" indent="0">
               <a:buNone/>
-              <a:defRPr sz="1034"/>
+              <a:defRPr sz="1543"/>
             </a:lvl2pPr>
-            <a:lvl3pPr marL="675102" indent="0">
+            <a:lvl3pPr marL="1008035" indent="0">
               <a:buNone/>
-              <a:defRPr sz="886"/>
+              <a:defRPr sz="1323"/>
             </a:lvl3pPr>
-            <a:lvl4pPr marL="1012652" indent="0">
+            <a:lvl4pPr marL="1512052" indent="0">
               <a:buNone/>
-              <a:defRPr sz="738"/>
+              <a:defRPr sz="1102"/>
             </a:lvl4pPr>
-            <a:lvl5pPr marL="1350203" indent="0">
+            <a:lvl5pPr marL="2016069" indent="0">
               <a:buNone/>
-              <a:defRPr sz="738"/>
+              <a:defRPr sz="1102"/>
             </a:lvl5pPr>
-            <a:lvl6pPr marL="1687754" indent="0">
+            <a:lvl6pPr marL="2520086" indent="0">
               <a:buNone/>
-              <a:defRPr sz="738"/>
+              <a:defRPr sz="1102"/>
             </a:lvl6pPr>
-            <a:lvl7pPr marL="2025305" indent="0">
+            <a:lvl7pPr marL="3024104" indent="0">
               <a:buNone/>
-              <a:defRPr sz="738"/>
+              <a:defRPr sz="1102"/>
             </a:lvl7pPr>
-            <a:lvl8pPr marL="2362855" indent="0">
+            <a:lvl8pPr marL="3528121" indent="0">
               <a:buNone/>
-              <a:defRPr sz="738"/>
+              <a:defRPr sz="1102"/>
             </a:lvl8pPr>
-            <a:lvl9pPr marL="2700406" indent="0">
+            <a:lvl9pPr marL="4032138" indent="0">
               <a:buNone/>
-              <a:defRPr sz="738"/>
+              <a:defRPr sz="1102"/>
             </a:lvl9pPr>
           </a:lstStyle>
           <a:p>
@@ -2375,7 +2374,7 @@
           <a:p>
             <a:fld id="{300DB245-849F-4AAA-AD3E-676A6FA9CB3B}" type="datetimeFigureOut">
               <a:rPr lang="de-DE" smtClean="0"/>
-              <a:t>07.04.2019</a:t>
+              <a:t>28.07.2020</a:t>
             </a:fld>
             <a:endParaRPr lang="de-DE"/>
           </a:p>
@@ -2426,7 +2425,7 @@
     </p:spTree>
     <p:extLst>
       <p:ext uri="{BB962C8B-B14F-4D97-AF65-F5344CB8AC3E}">
-        <p14:creationId xmlns:p14="http://schemas.microsoft.com/office/powerpoint/2010/main" val="3146129798"/>
+        <p14:creationId xmlns:p14="http://schemas.microsoft.com/office/powerpoint/2010/main" val="3031690400"/>
       </p:ext>
     </p:extLst>
   </p:cSld>
@@ -2470,8 +2469,8 @@
         </p:nvSpPr>
         <p:spPr>
           <a:xfrm>
-            <a:off x="618828" y="297087"/>
-            <a:ext cx="7763470" cy="1078554"/>
+            <a:off x="693043" y="460043"/>
+            <a:ext cx="8694539" cy="1670148"/>
           </a:xfrm>
           <a:prstGeom prst="rect">
             <a:avLst/>
@@ -2503,8 +2502,8 @@
         </p:nvSpPr>
         <p:spPr>
           <a:xfrm>
-            <a:off x="618828" y="1485433"/>
-            <a:ext cx="7763470" cy="3540499"/>
+            <a:off x="693043" y="2300203"/>
+            <a:ext cx="8694539" cy="5482485"/>
           </a:xfrm>
           <a:prstGeom prst="rect">
             <a:avLst/>
@@ -2565,8 +2564,8 @@
         </p:nvSpPr>
         <p:spPr>
           <a:xfrm>
-            <a:off x="618827" y="5171892"/>
-            <a:ext cx="2025253" cy="297087"/>
+            <a:off x="693043" y="8008709"/>
+            <a:ext cx="2268141" cy="460041"/>
           </a:xfrm>
           <a:prstGeom prst="rect">
             <a:avLst/>
@@ -2576,7 +2575,7 @@
           <a:bodyPr vert="horz" lIns="91440" tIns="45720" rIns="91440" bIns="45720" rtlCol="0" anchor="ctr"/>
           <a:lstStyle>
             <a:lvl1pPr algn="l">
-              <a:defRPr sz="886">
+              <a:defRPr sz="1323">
                 <a:solidFill>
                   <a:schemeClr val="tx1">
                     <a:tint val="75000"/>
@@ -2588,7 +2587,7 @@
           <a:p>
             <a:fld id="{300DB245-849F-4AAA-AD3E-676A6FA9CB3B}" type="datetimeFigureOut">
               <a:rPr lang="de-DE" smtClean="0"/>
-              <a:t>07.04.2019</a:t>
+              <a:t>28.07.2020</a:t>
             </a:fld>
             <a:endParaRPr lang="de-DE"/>
           </a:p>
@@ -2606,8 +2605,8 @@
         </p:nvSpPr>
         <p:spPr>
           <a:xfrm>
-            <a:off x="2981623" y="5171892"/>
-            <a:ext cx="3037880" cy="297087"/>
+            <a:off x="3339207" y="8008709"/>
+            <a:ext cx="3402211" cy="460041"/>
           </a:xfrm>
           <a:prstGeom prst="rect">
             <a:avLst/>
@@ -2617,7 +2616,7 @@
           <a:bodyPr vert="horz" lIns="91440" tIns="45720" rIns="91440" bIns="45720" rtlCol="0" anchor="ctr"/>
           <a:lstStyle>
             <a:lvl1pPr algn="ctr">
-              <a:defRPr sz="886">
+              <a:defRPr sz="1323">
                 <a:solidFill>
                   <a:schemeClr val="tx1">
                     <a:tint val="75000"/>
@@ -2643,8 +2642,8 @@
         </p:nvSpPr>
         <p:spPr>
           <a:xfrm>
-            <a:off x="6357045" y="5171892"/>
-            <a:ext cx="2025253" cy="297087"/>
+            <a:off x="7119441" y="8008709"/>
+            <a:ext cx="2268141" cy="460041"/>
           </a:xfrm>
           <a:prstGeom prst="rect">
             <a:avLst/>
@@ -2654,7 +2653,7 @@
           <a:bodyPr vert="horz" lIns="91440" tIns="45720" rIns="91440" bIns="45720" rtlCol="0" anchor="ctr"/>
           <a:lstStyle>
             <a:lvl1pPr algn="r">
-              <a:defRPr sz="886">
+              <a:defRPr sz="1323">
                 <a:solidFill>
                   <a:schemeClr val="tx1">
                     <a:tint val="75000"/>
@@ -2675,27 +2674,27 @@
     </p:spTree>
     <p:extLst>
       <p:ext uri="{BB962C8B-B14F-4D97-AF65-F5344CB8AC3E}">
-        <p14:creationId xmlns:p14="http://schemas.microsoft.com/office/powerpoint/2010/main" val="2942902905"/>
+        <p14:creationId xmlns:p14="http://schemas.microsoft.com/office/powerpoint/2010/main" val="3330191713"/>
       </p:ext>
     </p:extLst>
   </p:cSld>
   <p:clrMap bg1="lt1" tx1="dk1" bg2="lt2" tx2="dk2" accent1="accent1" accent2="accent2" accent3="accent3" accent4="accent4" accent5="accent5" accent6="accent6" hlink="hlink" folHlink="folHlink"/>
   <p:sldLayoutIdLst>
-    <p:sldLayoutId id="2147483721" r:id="rId1"/>
-    <p:sldLayoutId id="2147483722" r:id="rId2"/>
-    <p:sldLayoutId id="2147483723" r:id="rId3"/>
-    <p:sldLayoutId id="2147483724" r:id="rId4"/>
-    <p:sldLayoutId id="2147483725" r:id="rId5"/>
-    <p:sldLayoutId id="2147483726" r:id="rId6"/>
-    <p:sldLayoutId id="2147483727" r:id="rId7"/>
-    <p:sldLayoutId id="2147483728" r:id="rId8"/>
-    <p:sldLayoutId id="2147483729" r:id="rId9"/>
-    <p:sldLayoutId id="2147483730" r:id="rId10"/>
-    <p:sldLayoutId id="2147483731" r:id="rId11"/>
+    <p:sldLayoutId id="2147483793" r:id="rId1"/>
+    <p:sldLayoutId id="2147483794" r:id="rId2"/>
+    <p:sldLayoutId id="2147483795" r:id="rId3"/>
+    <p:sldLayoutId id="2147483796" r:id="rId4"/>
+    <p:sldLayoutId id="2147483797" r:id="rId5"/>
+    <p:sldLayoutId id="2147483798" r:id="rId6"/>
+    <p:sldLayoutId id="2147483799" r:id="rId7"/>
+    <p:sldLayoutId id="2147483800" r:id="rId8"/>
+    <p:sldLayoutId id="2147483801" r:id="rId9"/>
+    <p:sldLayoutId id="2147483802" r:id="rId10"/>
+    <p:sldLayoutId id="2147483803" r:id="rId11"/>
   </p:sldLayoutIdLst>
   <p:txStyles>
     <p:titleStyle>
-      <a:lvl1pPr algn="l" defTabSz="675102" rtl="0" eaLnBrk="1" latinLnBrk="0" hangingPunct="1">
+      <a:lvl1pPr algn="l" defTabSz="1008035" rtl="0" eaLnBrk="1" latinLnBrk="0" hangingPunct="1">
         <a:lnSpc>
           <a:spcPct val="90000"/>
         </a:lnSpc>
@@ -2703,7 +2702,7 @@
           <a:spcPct val="0"/>
         </a:spcBef>
         <a:buNone/>
-        <a:defRPr sz="3249" kern="1200">
+        <a:defRPr sz="4851" kern="1200">
           <a:solidFill>
             <a:schemeClr val="tx1"/>
           </a:solidFill>
@@ -2714,16 +2713,16 @@
       </a:lvl1pPr>
     </p:titleStyle>
     <p:bodyStyle>
-      <a:lvl1pPr marL="168775" indent="-168775" algn="l" defTabSz="675102" rtl="0" eaLnBrk="1" latinLnBrk="0" hangingPunct="1">
+      <a:lvl1pPr marL="252009" indent="-252009" algn="l" defTabSz="1008035" rtl="0" eaLnBrk="1" latinLnBrk="0" hangingPunct="1">
         <a:lnSpc>
           <a:spcPct val="90000"/>
         </a:lnSpc>
         <a:spcBef>
-          <a:spcPts val="738"/>
+          <a:spcPts val="1102"/>
         </a:spcBef>
         <a:buFont typeface="Arial" panose="020B0604020202020204" pitchFamily="34" charset="0"/>
         <a:buChar char="•"/>
-        <a:defRPr sz="2067" kern="1200">
+        <a:defRPr sz="3087" kern="1200">
           <a:solidFill>
             <a:schemeClr val="tx1"/>
           </a:solidFill>
@@ -2732,16 +2731,16 @@
           <a:cs typeface="+mn-cs"/>
         </a:defRPr>
       </a:lvl1pPr>
-      <a:lvl2pPr marL="506326" indent="-168775" algn="l" defTabSz="675102" rtl="0" eaLnBrk="1" latinLnBrk="0" hangingPunct="1">
+      <a:lvl2pPr marL="756026" indent="-252009" algn="l" defTabSz="1008035" rtl="0" eaLnBrk="1" latinLnBrk="0" hangingPunct="1">
         <a:lnSpc>
           <a:spcPct val="90000"/>
         </a:lnSpc>
         <a:spcBef>
-          <a:spcPts val="369"/>
+          <a:spcPts val="551"/>
         </a:spcBef>
         <a:buFont typeface="Arial" panose="020B0604020202020204" pitchFamily="34" charset="0"/>
         <a:buChar char="•"/>
-        <a:defRPr sz="1772" kern="1200">
+        <a:defRPr sz="2646" kern="1200">
           <a:solidFill>
             <a:schemeClr val="tx1"/>
           </a:solidFill>
@@ -2750,16 +2749,16 @@
           <a:cs typeface="+mn-cs"/>
         </a:defRPr>
       </a:lvl2pPr>
-      <a:lvl3pPr marL="843877" indent="-168775" algn="l" defTabSz="675102" rtl="0" eaLnBrk="1" latinLnBrk="0" hangingPunct="1">
+      <a:lvl3pPr marL="1260043" indent="-252009" algn="l" defTabSz="1008035" rtl="0" eaLnBrk="1" latinLnBrk="0" hangingPunct="1">
         <a:lnSpc>
           <a:spcPct val="90000"/>
         </a:lnSpc>
         <a:spcBef>
-          <a:spcPts val="369"/>
+          <a:spcPts val="551"/>
         </a:spcBef>
         <a:buFont typeface="Arial" panose="020B0604020202020204" pitchFamily="34" charset="0"/>
         <a:buChar char="•"/>
-        <a:defRPr sz="1477" kern="1200">
+        <a:defRPr sz="2205" kern="1200">
           <a:solidFill>
             <a:schemeClr val="tx1"/>
           </a:solidFill>
@@ -2768,16 +2767,16 @@
           <a:cs typeface="+mn-cs"/>
         </a:defRPr>
       </a:lvl3pPr>
-      <a:lvl4pPr marL="1181428" indent="-168775" algn="l" defTabSz="675102" rtl="0" eaLnBrk="1" latinLnBrk="0" hangingPunct="1">
+      <a:lvl4pPr marL="1764060" indent="-252009" algn="l" defTabSz="1008035" rtl="0" eaLnBrk="1" latinLnBrk="0" hangingPunct="1">
         <a:lnSpc>
           <a:spcPct val="90000"/>
         </a:lnSpc>
         <a:spcBef>
-          <a:spcPts val="369"/>
+          <a:spcPts val="551"/>
         </a:spcBef>
         <a:buFont typeface="Arial" panose="020B0604020202020204" pitchFamily="34" charset="0"/>
         <a:buChar char="•"/>
-        <a:defRPr sz="1329" kern="1200">
+        <a:defRPr sz="1984" kern="1200">
           <a:solidFill>
             <a:schemeClr val="tx1"/>
           </a:solidFill>
@@ -2786,16 +2785,16 @@
           <a:cs typeface="+mn-cs"/>
         </a:defRPr>
       </a:lvl4pPr>
-      <a:lvl5pPr marL="1518978" indent="-168775" algn="l" defTabSz="675102" rtl="0" eaLnBrk="1" latinLnBrk="0" hangingPunct="1">
+      <a:lvl5pPr marL="2268078" indent="-252009" algn="l" defTabSz="1008035" rtl="0" eaLnBrk="1" latinLnBrk="0" hangingPunct="1">
         <a:lnSpc>
           <a:spcPct val="90000"/>
         </a:lnSpc>
         <a:spcBef>
-          <a:spcPts val="369"/>
+          <a:spcPts val="551"/>
         </a:spcBef>
         <a:buFont typeface="Arial" panose="020B0604020202020204" pitchFamily="34" charset="0"/>
         <a:buChar char="•"/>
-        <a:defRPr sz="1329" kern="1200">
+        <a:defRPr sz="1984" kern="1200">
           <a:solidFill>
             <a:schemeClr val="tx1"/>
           </a:solidFill>
@@ -2804,16 +2803,16 @@
           <a:cs typeface="+mn-cs"/>
         </a:defRPr>
       </a:lvl5pPr>
-      <a:lvl6pPr marL="1856529" indent="-168775" algn="l" defTabSz="675102" rtl="0" eaLnBrk="1" latinLnBrk="0" hangingPunct="1">
+      <a:lvl6pPr marL="2772095" indent="-252009" algn="l" defTabSz="1008035" rtl="0" eaLnBrk="1" latinLnBrk="0" hangingPunct="1">
         <a:lnSpc>
           <a:spcPct val="90000"/>
         </a:lnSpc>
         <a:spcBef>
-          <a:spcPts val="369"/>
+          <a:spcPts val="551"/>
         </a:spcBef>
         <a:buFont typeface="Arial" panose="020B0604020202020204" pitchFamily="34" charset="0"/>
         <a:buChar char="•"/>
-        <a:defRPr sz="1329" kern="1200">
+        <a:defRPr sz="1984" kern="1200">
           <a:solidFill>
             <a:schemeClr val="tx1"/>
           </a:solidFill>
@@ -2822,16 +2821,16 @@
           <a:cs typeface="+mn-cs"/>
         </a:defRPr>
       </a:lvl6pPr>
-      <a:lvl7pPr marL="2194080" indent="-168775" algn="l" defTabSz="675102" rtl="0" eaLnBrk="1" latinLnBrk="0" hangingPunct="1">
+      <a:lvl7pPr marL="3276112" indent="-252009" algn="l" defTabSz="1008035" rtl="0" eaLnBrk="1" latinLnBrk="0" hangingPunct="1">
         <a:lnSpc>
           <a:spcPct val="90000"/>
         </a:lnSpc>
         <a:spcBef>
-          <a:spcPts val="369"/>
+          <a:spcPts val="551"/>
         </a:spcBef>
         <a:buFont typeface="Arial" panose="020B0604020202020204" pitchFamily="34" charset="0"/>
         <a:buChar char="•"/>
-        <a:defRPr sz="1329" kern="1200">
+        <a:defRPr sz="1984" kern="1200">
           <a:solidFill>
             <a:schemeClr val="tx1"/>
           </a:solidFill>
@@ -2840,16 +2839,16 @@
           <a:cs typeface="+mn-cs"/>
         </a:defRPr>
       </a:lvl7pPr>
-      <a:lvl8pPr marL="2531631" indent="-168775" algn="l" defTabSz="675102" rtl="0" eaLnBrk="1" latinLnBrk="0" hangingPunct="1">
+      <a:lvl8pPr marL="3780130" indent="-252009" algn="l" defTabSz="1008035" rtl="0" eaLnBrk="1" latinLnBrk="0" hangingPunct="1">
         <a:lnSpc>
           <a:spcPct val="90000"/>
         </a:lnSpc>
         <a:spcBef>
-          <a:spcPts val="369"/>
+          <a:spcPts val="551"/>
         </a:spcBef>
         <a:buFont typeface="Arial" panose="020B0604020202020204" pitchFamily="34" charset="0"/>
         <a:buChar char="•"/>
-        <a:defRPr sz="1329" kern="1200">
+        <a:defRPr sz="1984" kern="1200">
           <a:solidFill>
             <a:schemeClr val="tx1"/>
           </a:solidFill>
@@ -2858,16 +2857,16 @@
           <a:cs typeface="+mn-cs"/>
         </a:defRPr>
       </a:lvl8pPr>
-      <a:lvl9pPr marL="2869181" indent="-168775" algn="l" defTabSz="675102" rtl="0" eaLnBrk="1" latinLnBrk="0" hangingPunct="1">
+      <a:lvl9pPr marL="4284147" indent="-252009" algn="l" defTabSz="1008035" rtl="0" eaLnBrk="1" latinLnBrk="0" hangingPunct="1">
         <a:lnSpc>
           <a:spcPct val="90000"/>
         </a:lnSpc>
         <a:spcBef>
-          <a:spcPts val="369"/>
+          <a:spcPts val="551"/>
         </a:spcBef>
         <a:buFont typeface="Arial" panose="020B0604020202020204" pitchFamily="34" charset="0"/>
         <a:buChar char="•"/>
-        <a:defRPr sz="1329" kern="1200">
+        <a:defRPr sz="1984" kern="1200">
           <a:solidFill>
             <a:schemeClr val="tx1"/>
           </a:solidFill>
@@ -2881,8 +2880,8 @@
       <a:defPPr>
         <a:defRPr lang="en-US"/>
       </a:defPPr>
-      <a:lvl1pPr marL="0" algn="l" defTabSz="675102" rtl="0" eaLnBrk="1" latinLnBrk="0" hangingPunct="1">
-        <a:defRPr sz="1329" kern="1200">
+      <a:lvl1pPr marL="0" algn="l" defTabSz="1008035" rtl="0" eaLnBrk="1" latinLnBrk="0" hangingPunct="1">
+        <a:defRPr sz="1984" kern="1200">
           <a:solidFill>
             <a:schemeClr val="tx1"/>
           </a:solidFill>
@@ -2891,8 +2890,8 @@
           <a:cs typeface="+mn-cs"/>
         </a:defRPr>
       </a:lvl1pPr>
-      <a:lvl2pPr marL="337551" algn="l" defTabSz="675102" rtl="0" eaLnBrk="1" latinLnBrk="0" hangingPunct="1">
-        <a:defRPr sz="1329" kern="1200">
+      <a:lvl2pPr marL="504017" algn="l" defTabSz="1008035" rtl="0" eaLnBrk="1" latinLnBrk="0" hangingPunct="1">
+        <a:defRPr sz="1984" kern="1200">
           <a:solidFill>
             <a:schemeClr val="tx1"/>
           </a:solidFill>
@@ -2901,8 +2900,8 @@
           <a:cs typeface="+mn-cs"/>
         </a:defRPr>
       </a:lvl2pPr>
-      <a:lvl3pPr marL="675102" algn="l" defTabSz="675102" rtl="0" eaLnBrk="1" latinLnBrk="0" hangingPunct="1">
-        <a:defRPr sz="1329" kern="1200">
+      <a:lvl3pPr marL="1008035" algn="l" defTabSz="1008035" rtl="0" eaLnBrk="1" latinLnBrk="0" hangingPunct="1">
+        <a:defRPr sz="1984" kern="1200">
           <a:solidFill>
             <a:schemeClr val="tx1"/>
           </a:solidFill>
@@ -2911,8 +2910,8 @@
           <a:cs typeface="+mn-cs"/>
         </a:defRPr>
       </a:lvl3pPr>
-      <a:lvl4pPr marL="1012652" algn="l" defTabSz="675102" rtl="0" eaLnBrk="1" latinLnBrk="0" hangingPunct="1">
-        <a:defRPr sz="1329" kern="1200">
+      <a:lvl4pPr marL="1512052" algn="l" defTabSz="1008035" rtl="0" eaLnBrk="1" latinLnBrk="0" hangingPunct="1">
+        <a:defRPr sz="1984" kern="1200">
           <a:solidFill>
             <a:schemeClr val="tx1"/>
           </a:solidFill>
@@ -2921,8 +2920,8 @@
           <a:cs typeface="+mn-cs"/>
         </a:defRPr>
       </a:lvl4pPr>
-      <a:lvl5pPr marL="1350203" algn="l" defTabSz="675102" rtl="0" eaLnBrk="1" latinLnBrk="0" hangingPunct="1">
-        <a:defRPr sz="1329" kern="1200">
+      <a:lvl5pPr marL="2016069" algn="l" defTabSz="1008035" rtl="0" eaLnBrk="1" latinLnBrk="0" hangingPunct="1">
+        <a:defRPr sz="1984" kern="1200">
           <a:solidFill>
             <a:schemeClr val="tx1"/>
           </a:solidFill>
@@ -2931,8 +2930,8 @@
           <a:cs typeface="+mn-cs"/>
         </a:defRPr>
       </a:lvl5pPr>
-      <a:lvl6pPr marL="1687754" algn="l" defTabSz="675102" rtl="0" eaLnBrk="1" latinLnBrk="0" hangingPunct="1">
-        <a:defRPr sz="1329" kern="1200">
+      <a:lvl6pPr marL="2520086" algn="l" defTabSz="1008035" rtl="0" eaLnBrk="1" latinLnBrk="0" hangingPunct="1">
+        <a:defRPr sz="1984" kern="1200">
           <a:solidFill>
             <a:schemeClr val="tx1"/>
           </a:solidFill>
@@ -2941,8 +2940,8 @@
           <a:cs typeface="+mn-cs"/>
         </a:defRPr>
       </a:lvl6pPr>
-      <a:lvl7pPr marL="2025305" algn="l" defTabSz="675102" rtl="0" eaLnBrk="1" latinLnBrk="0" hangingPunct="1">
-        <a:defRPr sz="1329" kern="1200">
+      <a:lvl7pPr marL="3024104" algn="l" defTabSz="1008035" rtl="0" eaLnBrk="1" latinLnBrk="0" hangingPunct="1">
+        <a:defRPr sz="1984" kern="1200">
           <a:solidFill>
             <a:schemeClr val="tx1"/>
           </a:solidFill>
@@ -2951,8 +2950,8 @@
           <a:cs typeface="+mn-cs"/>
         </a:defRPr>
       </a:lvl7pPr>
-      <a:lvl8pPr marL="2362855" algn="l" defTabSz="675102" rtl="0" eaLnBrk="1" latinLnBrk="0" hangingPunct="1">
-        <a:defRPr sz="1329" kern="1200">
+      <a:lvl8pPr marL="3528121" algn="l" defTabSz="1008035" rtl="0" eaLnBrk="1" latinLnBrk="0" hangingPunct="1">
+        <a:defRPr sz="1984" kern="1200">
           <a:solidFill>
             <a:schemeClr val="tx1"/>
           </a:solidFill>
@@ -2961,8 +2960,8 @@
           <a:cs typeface="+mn-cs"/>
         </a:defRPr>
       </a:lvl8pPr>
-      <a:lvl9pPr marL="2700406" algn="l" defTabSz="675102" rtl="0" eaLnBrk="1" latinLnBrk="0" hangingPunct="1">
-        <a:defRPr sz="1329" kern="1200">
+      <a:lvl9pPr marL="4032138" algn="l" defTabSz="1008035" rtl="0" eaLnBrk="1" latinLnBrk="0" hangingPunct="1">
+        <a:defRPr sz="1984" kern="1200">
           <a:solidFill>
             <a:schemeClr val="tx1"/>
           </a:solidFill>
@@ -2995,14 +2994,237 @@
       </p:grpSpPr>
       <p:sp>
         <p:nvSpPr>
-          <p:cNvPr id="202" name="Abgerundetes Rechteck 201"/>
+          <p:cNvPr id="396" name="Rectangle 395">
+            <a:extLst>
+              <a:ext uri="{FF2B5EF4-FFF2-40B4-BE49-F238E27FC236}">
+                <a16:creationId xmlns:a16="http://schemas.microsoft.com/office/drawing/2014/main" id="{3C6ABB28-1588-427A-874D-7C3C0C1EECC3}"/>
+              </a:ext>
+            </a:extLst>
+          </p:cNvPr>
           <p:cNvSpPr/>
           <p:nvPr/>
         </p:nvSpPr>
         <p:spPr>
           <a:xfrm>
-            <a:off x="99746" y="2840714"/>
-            <a:ext cx="2088000" cy="396000"/>
+            <a:off x="-2" y="7113181"/>
+            <a:ext cx="10080627" cy="1527581"/>
+          </a:xfrm>
+          <a:prstGeom prst="rect">
+            <a:avLst/>
+          </a:prstGeom>
+          <a:solidFill>
+            <a:srgbClr val="FBE4D5"/>
+          </a:solidFill>
+          <a:ln>
+            <a:noFill/>
+          </a:ln>
+        </p:spPr>
+        <p:style>
+          <a:lnRef idx="2">
+            <a:schemeClr val="accent1">
+              <a:shade val="50000"/>
+            </a:schemeClr>
+          </a:lnRef>
+          <a:fillRef idx="1">
+            <a:schemeClr val="accent1"/>
+          </a:fillRef>
+          <a:effectRef idx="0">
+            <a:schemeClr val="accent1"/>
+          </a:effectRef>
+          <a:fontRef idx="minor">
+            <a:schemeClr val="lt1"/>
+          </a:fontRef>
+        </p:style>
+        <p:txBody>
+          <a:bodyPr rtlCol="0" anchor="ctr"/>
+          <a:lstStyle/>
+          <a:p>
+            <a:pPr algn="ctr"/>
+            <a:endParaRPr lang="de-DE"/>
+          </a:p>
+        </p:txBody>
+      </p:sp>
+      <p:sp>
+        <p:nvSpPr>
+          <p:cNvPr id="397" name="Rectangle 396">
+            <a:extLst>
+              <a:ext uri="{FF2B5EF4-FFF2-40B4-BE49-F238E27FC236}">
+                <a16:creationId xmlns:a16="http://schemas.microsoft.com/office/drawing/2014/main" id="{03491785-A067-4DD3-A38D-3930015F8F6C}"/>
+              </a:ext>
+            </a:extLst>
+          </p:cNvPr>
+          <p:cNvSpPr/>
+          <p:nvPr/>
+        </p:nvSpPr>
+        <p:spPr>
+          <a:xfrm>
+            <a:off x="0" y="5039961"/>
+            <a:ext cx="10080625" cy="2073220"/>
+          </a:xfrm>
+          <a:prstGeom prst="rect">
+            <a:avLst/>
+          </a:prstGeom>
+          <a:solidFill>
+            <a:srgbClr val="DDEDD3"/>
+          </a:solidFill>
+          <a:ln>
+            <a:noFill/>
+          </a:ln>
+        </p:spPr>
+        <p:style>
+          <a:lnRef idx="2">
+            <a:schemeClr val="accent1">
+              <a:shade val="50000"/>
+            </a:schemeClr>
+          </a:lnRef>
+          <a:fillRef idx="1">
+            <a:schemeClr val="accent1"/>
+          </a:fillRef>
+          <a:effectRef idx="0">
+            <a:schemeClr val="accent1"/>
+          </a:effectRef>
+          <a:fontRef idx="minor">
+            <a:schemeClr val="lt1"/>
+          </a:fontRef>
+        </p:style>
+        <p:txBody>
+          <a:bodyPr rtlCol="0" anchor="ctr"/>
+          <a:lstStyle/>
+          <a:p>
+            <a:pPr algn="ctr"/>
+            <a:endParaRPr lang="de-DE"/>
+          </a:p>
+        </p:txBody>
+      </p:sp>
+      <p:sp>
+        <p:nvSpPr>
+          <p:cNvPr id="398" name="Rectangle 397">
+            <a:extLst>
+              <a:ext uri="{FF2B5EF4-FFF2-40B4-BE49-F238E27FC236}">
+                <a16:creationId xmlns:a16="http://schemas.microsoft.com/office/drawing/2014/main" id="{7DE8D9E0-AD9D-4158-BAEF-E90747A0BE75}"/>
+              </a:ext>
+            </a:extLst>
+          </p:cNvPr>
+          <p:cNvSpPr/>
+          <p:nvPr/>
+        </p:nvSpPr>
+        <p:spPr>
+          <a:xfrm>
+            <a:off x="0" y="1176431"/>
+            <a:ext cx="10080625" cy="3882213"/>
+          </a:xfrm>
+          <a:prstGeom prst="rect">
+            <a:avLst/>
+          </a:prstGeom>
+          <a:solidFill>
+            <a:srgbClr val="D0DCF0"/>
+          </a:solidFill>
+          <a:ln>
+            <a:noFill/>
+          </a:ln>
+        </p:spPr>
+        <p:style>
+          <a:lnRef idx="2">
+            <a:schemeClr val="accent1">
+              <a:shade val="50000"/>
+            </a:schemeClr>
+          </a:lnRef>
+          <a:fillRef idx="1">
+            <a:schemeClr val="accent1"/>
+          </a:fillRef>
+          <a:effectRef idx="0">
+            <a:schemeClr val="accent1"/>
+          </a:effectRef>
+          <a:fontRef idx="minor">
+            <a:schemeClr val="lt1"/>
+          </a:fontRef>
+        </p:style>
+        <p:txBody>
+          <a:bodyPr rtlCol="0" anchor="ctr"/>
+          <a:lstStyle/>
+          <a:p>
+            <a:pPr algn="ctr"/>
+            <a:endParaRPr lang="de-DE"/>
+          </a:p>
+        </p:txBody>
+      </p:sp>
+      <p:sp>
+        <p:nvSpPr>
+          <p:cNvPr id="399" name="Rechteck 215">
+            <a:extLst>
+              <a:ext uri="{FF2B5EF4-FFF2-40B4-BE49-F238E27FC236}">
+                <a16:creationId xmlns:a16="http://schemas.microsoft.com/office/drawing/2014/main" id="{81CA1EFE-E656-4A75-9775-C28A9BAB83EC}"/>
+              </a:ext>
+            </a:extLst>
+          </p:cNvPr>
+          <p:cNvSpPr/>
+          <p:nvPr/>
+        </p:nvSpPr>
+        <p:spPr>
+          <a:xfrm>
+            <a:off x="2342547" y="1269566"/>
+            <a:ext cx="7505646" cy="369332"/>
+          </a:xfrm>
+          <a:prstGeom prst="rect">
+            <a:avLst/>
+          </a:prstGeom>
+          <a:solidFill>
+            <a:schemeClr val="bg1"/>
+          </a:solidFill>
+          <a:ln>
+            <a:solidFill>
+              <a:schemeClr val="bg1">
+                <a:lumMod val="50000"/>
+              </a:schemeClr>
+            </a:solidFill>
+          </a:ln>
+        </p:spPr>
+        <p:txBody>
+          <a:bodyPr wrap="square">
+            <a:spAutoFit/>
+          </a:bodyPr>
+          <a:lstStyle/>
+          <a:p>
+            <a:pPr algn="ctr"/>
+            <a:r>
+              <a:rPr lang="de-DE" b="1"/>
+              <a:t>id</a:t>
+            </a:r>
+            <a:r>
+              <a:rPr lang="de-DE"/>
+              <a:t> / name, </a:t>
+            </a:r>
+            <a:r>
+              <a:rPr lang="de-DE" b="1"/>
+              <a:t>res, var, per</a:t>
+            </a:r>
+            <a:r>
+              <a:rPr lang="de-DE"/>
+              <a:t>, base, outvec?, findex, remove_dupli?, current?, </a:t>
+            </a:r>
+            <a:r>
+              <a:rPr lang="de-DE" b="1"/>
+              <a:t>meta?</a:t>
+            </a:r>
+          </a:p>
+        </p:txBody>
+      </p:sp>
+      <p:sp>
+        <p:nvSpPr>
+          <p:cNvPr id="400" name="Abgerundetes Rechteck 201">
+            <a:extLst>
+              <a:ext uri="{FF2B5EF4-FFF2-40B4-BE49-F238E27FC236}">
+                <a16:creationId xmlns:a16="http://schemas.microsoft.com/office/drawing/2014/main" id="{FB237428-D860-4F57-8C36-796B3685C097}"/>
+              </a:ext>
+            </a:extLst>
+          </p:cNvPr>
+          <p:cNvSpPr/>
+          <p:nvPr/>
+        </p:nvSpPr>
+        <p:spPr>
+          <a:xfrm>
+            <a:off x="8121710" y="2430979"/>
+            <a:ext cx="1406704" cy="396000"/>
           </a:xfrm>
           <a:prstGeom prst="roundRect">
             <a:avLst/>
@@ -3038,14 +3260,14 @@
           <a:p>
             <a:pPr algn="ctr"/>
             <a:r>
-              <a:rPr lang="de-DE" sz="3200" err="1">
+              <a:rPr lang="de-DE" err="1">
                 <a:solidFill>
                   <a:schemeClr val="accent2"/>
                 </a:solidFill>
               </a:rPr>
               <a:t>createIndex</a:t>
             </a:r>
-            <a:endParaRPr lang="de-DE" sz="3200">
+            <a:endParaRPr lang="de-DE">
               <a:solidFill>
                 <a:schemeClr val="accent2"/>
               </a:solidFill>
@@ -3055,14 +3277,20 @@
       </p:sp>
       <p:sp>
         <p:nvSpPr>
-          <p:cNvPr id="203" name="Abgerundetes Rechteck 202"/>
+          <p:cNvPr id="401" name="Abgerundetes Rechteck 202">
+            <a:extLst>
+              <a:ext uri="{FF2B5EF4-FFF2-40B4-BE49-F238E27FC236}">
+                <a16:creationId xmlns:a16="http://schemas.microsoft.com/office/drawing/2014/main" id="{6DB9F62C-2DA6-4DA0-88E6-34EA8CAF20F1}"/>
+              </a:ext>
+            </a:extLst>
+          </p:cNvPr>
           <p:cNvSpPr/>
           <p:nvPr/>
         </p:nvSpPr>
         <p:spPr>
           <a:xfrm>
-            <a:off x="99746" y="2328045"/>
-            <a:ext cx="2088000" cy="396000"/>
+            <a:off x="8121713" y="3063813"/>
+            <a:ext cx="1406703" cy="396000"/>
           </a:xfrm>
           <a:prstGeom prst="roundRect">
             <a:avLst/>
@@ -3098,7 +3326,7 @@
           <a:p>
             <a:pPr algn="ctr"/>
             <a:r>
-              <a:rPr lang="de-DE" sz="3200">
+              <a:rPr lang="de-DE">
                 <a:solidFill>
                   <a:schemeClr val="accent2"/>
                 </a:solidFill>
@@ -3110,14 +3338,20 @@
       </p:sp>
       <p:sp>
         <p:nvSpPr>
-          <p:cNvPr id="204" name="Abgerundetes Rechteck 203"/>
+          <p:cNvPr id="402" name="Abgerundetes Rechteck 203">
+            <a:extLst>
+              <a:ext uri="{FF2B5EF4-FFF2-40B4-BE49-F238E27FC236}">
+                <a16:creationId xmlns:a16="http://schemas.microsoft.com/office/drawing/2014/main" id="{6C0CDFFE-0570-43CB-A94E-91AD21BF3ABA}"/>
+              </a:ext>
+            </a:extLst>
+          </p:cNvPr>
           <p:cNvSpPr/>
           <p:nvPr/>
         </p:nvSpPr>
         <p:spPr>
           <a:xfrm>
-            <a:off x="4881766" y="4496689"/>
-            <a:ext cx="1829166" cy="396000"/>
+            <a:off x="68108" y="6435341"/>
+            <a:ext cx="2087999" cy="396000"/>
           </a:xfrm>
           <a:prstGeom prst="roundRect">
             <a:avLst/>
@@ -3165,76 +3399,20 @@
       </p:sp>
       <p:sp>
         <p:nvSpPr>
-          <p:cNvPr id="205" name="Abgerundetes Rechteck 204"/>
+          <p:cNvPr id="403" name="Abgerundetes Rechteck 205">
+            <a:extLst>
+              <a:ext uri="{FF2B5EF4-FFF2-40B4-BE49-F238E27FC236}">
+                <a16:creationId xmlns:a16="http://schemas.microsoft.com/office/drawing/2014/main" id="{6E9F237C-6DCC-4673-88D6-4ECBE93AD256}"/>
+              </a:ext>
+            </a:extLst>
+          </p:cNvPr>
           <p:cNvSpPr/>
           <p:nvPr/>
         </p:nvSpPr>
         <p:spPr>
           <a:xfrm>
-            <a:off x="2768110" y="128263"/>
-            <a:ext cx="2900018" cy="511746"/>
-          </a:xfrm>
-          <a:prstGeom prst="roundRect">
-            <a:avLst/>
-          </a:prstGeom>
-          <a:solidFill>
-            <a:schemeClr val="accent4">
-              <a:lumMod val="20000"/>
-              <a:lumOff val="80000"/>
-              <a:alpha val="91000"/>
-            </a:schemeClr>
-          </a:solidFill>
-          <a:ln>
-            <a:noFill/>
-          </a:ln>
-        </p:spPr>
-        <p:style>
-          <a:lnRef idx="2">
-            <a:schemeClr val="accent1">
-              <a:shade val="50000"/>
-            </a:schemeClr>
-          </a:lnRef>
-          <a:fillRef idx="1">
-            <a:schemeClr val="accent1"/>
-          </a:fillRef>
-          <a:effectRef idx="0">
-            <a:schemeClr val="accent1"/>
-          </a:effectRef>
-          <a:fontRef idx="minor">
-            <a:schemeClr val="lt1"/>
-          </a:fontRef>
-        </p:style>
-        <p:txBody>
-          <a:bodyPr lIns="36000" tIns="36000" rIns="36000" bIns="36000" rtlCol="0" anchor="ctr"/>
-          <a:lstStyle/>
-          <a:p>
-            <a:pPr algn="ctr"/>
-            <a:r>
-              <a:rPr lang="de-DE" sz="3200">
-                <a:solidFill>
-                  <a:schemeClr val="tx1"/>
-                </a:solidFill>
-              </a:rPr>
-              <a:t>rdwd structure </a:t>
-            </a:r>
-            <a:endParaRPr lang="de-DE" sz="1400">
-              <a:solidFill>
-                <a:schemeClr val="tx1"/>
-              </a:solidFill>
-            </a:endParaRPr>
-          </a:p>
-        </p:txBody>
-      </p:sp>
-      <p:sp>
-        <p:nvSpPr>
-          <p:cNvPr id="206" name="Abgerundetes Rechteck 205"/>
-          <p:cNvSpPr/>
-          <p:nvPr/>
-        </p:nvSpPr>
-        <p:spPr>
-          <a:xfrm>
-            <a:off x="4881766" y="3505381"/>
-            <a:ext cx="1829166" cy="396000"/>
+            <a:off x="62274" y="5248474"/>
+            <a:ext cx="2088000" cy="396000"/>
           </a:xfrm>
           <a:prstGeom prst="roundRect">
             <a:avLst/>
@@ -3282,14 +3460,20 @@
       </p:sp>
       <p:sp>
         <p:nvSpPr>
-          <p:cNvPr id="207" name="Abgerundetes Rechteck 206"/>
+          <p:cNvPr id="404" name="Abgerundetes Rechteck 206">
+            <a:extLst>
+              <a:ext uri="{FF2B5EF4-FFF2-40B4-BE49-F238E27FC236}">
+                <a16:creationId xmlns:a16="http://schemas.microsoft.com/office/drawing/2014/main" id="{A27C0B4F-282D-4DC7-88B7-4E46DF0CB043}"/>
+              </a:ext>
+            </a:extLst>
+          </p:cNvPr>
           <p:cNvSpPr/>
           <p:nvPr/>
         </p:nvSpPr>
         <p:spPr>
           <a:xfrm>
-            <a:off x="2455364" y="2332936"/>
-            <a:ext cx="2088000" cy="396000"/>
+            <a:off x="6125778" y="1970046"/>
+            <a:ext cx="1337521" cy="396000"/>
           </a:xfrm>
           <a:prstGeom prst="roundRect">
             <a:avLst/>
@@ -3325,7 +3509,7 @@
           <a:p>
             <a:pPr algn="ctr"/>
             <a:r>
-              <a:rPr lang="de-DE" sz="3200">
+              <a:rPr lang="de-DE">
                 <a:solidFill>
                   <a:schemeClr val="accent6">
                     <a:lumMod val="60000"/>
@@ -3340,14 +3524,20 @@
       </p:sp>
       <p:sp>
         <p:nvSpPr>
-          <p:cNvPr id="208" name="Abgerundetes Rechteck 207"/>
+          <p:cNvPr id="405" name="Abgerundetes Rechteck 207">
+            <a:extLst>
+              <a:ext uri="{FF2B5EF4-FFF2-40B4-BE49-F238E27FC236}">
+                <a16:creationId xmlns:a16="http://schemas.microsoft.com/office/drawing/2014/main" id="{798AFFB8-63DF-4A0F-AADD-9FEF1780E1E0}"/>
+              </a:ext>
+            </a:extLst>
+          </p:cNvPr>
           <p:cNvSpPr/>
           <p:nvPr/>
         </p:nvSpPr>
         <p:spPr>
           <a:xfrm>
-            <a:off x="2455364" y="2840822"/>
-            <a:ext cx="2088000" cy="396000"/>
+            <a:off x="6125778" y="2894783"/>
+            <a:ext cx="1337521" cy="396000"/>
           </a:xfrm>
           <a:prstGeom prst="roundRect">
             <a:avLst/>
@@ -3383,7 +3573,7 @@
           <a:p>
             <a:pPr algn="ctr"/>
             <a:r>
-              <a:rPr lang="de-DE" sz="3200">
+              <a:rPr lang="de-DE">
                 <a:solidFill>
                   <a:schemeClr val="accent6">
                     <a:lumMod val="60000"/>
@@ -3398,17 +3588,24 @@
       </p:sp>
       <p:cxnSp>
         <p:nvCxnSpPr>
-          <p:cNvPr id="209" name="Gerade Verbindung mit Pfeil 208"/>
+          <p:cNvPr id="406" name="Gerade Verbindung mit Pfeil 208">
+            <a:extLst>
+              <a:ext uri="{FF2B5EF4-FFF2-40B4-BE49-F238E27FC236}">
+                <a16:creationId xmlns:a16="http://schemas.microsoft.com/office/drawing/2014/main" id="{75E11A3D-E9B5-42B2-B48A-76F342A050A3}"/>
+              </a:ext>
+            </a:extLst>
+          </p:cNvPr>
           <p:cNvCxnSpPr>
-            <a:stCxn id="202" idx="3"/>
-            <a:endCxn id="208" idx="1"/>
+            <a:cxnSpLocks/>
+            <a:stCxn id="400" idx="1"/>
+            <a:endCxn id="405" idx="3"/>
           </p:cNvCxnSpPr>
           <p:nvPr/>
         </p:nvCxnSpPr>
         <p:spPr>
-          <a:xfrm>
-            <a:off x="2187746" y="3038716"/>
-            <a:ext cx="267618" cy="107"/>
+          <a:xfrm flipH="1">
+            <a:off x="7463299" y="2628979"/>
+            <a:ext cx="658411" cy="463804"/>
           </a:xfrm>
           <a:prstGeom prst="straightConnector1">
             <a:avLst/>
@@ -3439,17 +3636,24 @@
       </p:cxnSp>
       <p:cxnSp>
         <p:nvCxnSpPr>
-          <p:cNvPr id="210" name="Gerade Verbindung mit Pfeil 209"/>
+          <p:cNvPr id="407" name="Gerade Verbindung mit Pfeil 209">
+            <a:extLst>
+              <a:ext uri="{FF2B5EF4-FFF2-40B4-BE49-F238E27FC236}">
+                <a16:creationId xmlns:a16="http://schemas.microsoft.com/office/drawing/2014/main" id="{5040291B-AD56-40E6-87C5-39B8772FA2A5}"/>
+              </a:ext>
+            </a:extLst>
+          </p:cNvPr>
           <p:cNvCxnSpPr>
-            <a:stCxn id="202" idx="3"/>
-            <a:endCxn id="207" idx="1"/>
+            <a:cxnSpLocks/>
+            <a:stCxn id="400" idx="1"/>
+            <a:endCxn id="404" idx="3"/>
           </p:cNvCxnSpPr>
           <p:nvPr/>
         </p:nvCxnSpPr>
         <p:spPr>
-          <a:xfrm flipV="1">
-            <a:off x="2187746" y="2530937"/>
-            <a:ext cx="267618" cy="507778"/>
+          <a:xfrm flipH="1" flipV="1">
+            <a:off x="7463299" y="2168046"/>
+            <a:ext cx="658411" cy="460933"/>
           </a:xfrm>
           <a:prstGeom prst="straightConnector1">
             <a:avLst/>
@@ -3480,13 +3684,19 @@
       </p:cxnSp>
       <p:sp>
         <p:nvSpPr>
-          <p:cNvPr id="211" name="Abgerundetes Rechteck 210"/>
+          <p:cNvPr id="408" name="Abgerundetes Rechteck 210">
+            <a:extLst>
+              <a:ext uri="{FF2B5EF4-FFF2-40B4-BE49-F238E27FC236}">
+                <a16:creationId xmlns:a16="http://schemas.microsoft.com/office/drawing/2014/main" id="{6718CD19-F4E2-4B7D-9359-E3443CEDF3B3}"/>
+              </a:ext>
+            </a:extLst>
+          </p:cNvPr>
           <p:cNvSpPr/>
           <p:nvPr/>
         </p:nvSpPr>
         <p:spPr>
           <a:xfrm>
-            <a:off x="4747279" y="2561315"/>
+            <a:off x="69713" y="1259614"/>
             <a:ext cx="2088000" cy="396000"/>
           </a:xfrm>
           <a:prstGeom prst="roundRect">
@@ -3535,17 +3745,24 @@
       </p:sp>
       <p:cxnSp>
         <p:nvCxnSpPr>
-          <p:cNvPr id="212" name="Gerade Verbindung mit Pfeil 211"/>
+          <p:cNvPr id="409" name="Gerade Verbindung mit Pfeil 211">
+            <a:extLst>
+              <a:ext uri="{FF2B5EF4-FFF2-40B4-BE49-F238E27FC236}">
+                <a16:creationId xmlns:a16="http://schemas.microsoft.com/office/drawing/2014/main" id="{765F6012-7C9B-4E1B-99F3-9CB173BBE3D5}"/>
+              </a:ext>
+            </a:extLst>
+          </p:cNvPr>
           <p:cNvCxnSpPr>
-            <a:stCxn id="203" idx="2"/>
-            <a:endCxn id="202" idx="0"/>
+            <a:cxnSpLocks/>
+            <a:stCxn id="401" idx="0"/>
+            <a:endCxn id="400" idx="2"/>
           </p:cNvCxnSpPr>
           <p:nvPr/>
         </p:nvCxnSpPr>
         <p:spPr>
-          <a:xfrm>
-            <a:off x="1143746" y="2724045"/>
-            <a:ext cx="0" cy="116671"/>
+          <a:xfrm flipH="1" flipV="1">
+            <a:off x="8825062" y="2826979"/>
+            <a:ext cx="3" cy="236834"/>
           </a:xfrm>
           <a:prstGeom prst="straightConnector1">
             <a:avLst/>
@@ -3576,17 +3793,23 @@
       </p:cxnSp>
       <p:cxnSp>
         <p:nvCxnSpPr>
-          <p:cNvPr id="213" name="Gerade Verbindung mit Pfeil 212"/>
+          <p:cNvPr id="410" name="Gerade Verbindung mit Pfeil 213">
+            <a:extLst>
+              <a:ext uri="{FF2B5EF4-FFF2-40B4-BE49-F238E27FC236}">
+                <a16:creationId xmlns:a16="http://schemas.microsoft.com/office/drawing/2014/main" id="{01E9143E-0836-4E20-9894-1C654ADF1016}"/>
+              </a:ext>
+            </a:extLst>
+          </p:cNvPr>
           <p:cNvCxnSpPr>
-            <a:stCxn id="208" idx="3"/>
-            <a:endCxn id="211" idx="1"/>
+            <a:cxnSpLocks/>
+            <a:stCxn id="404" idx="1"/>
           </p:cNvCxnSpPr>
           <p:nvPr/>
         </p:nvCxnSpPr>
         <p:spPr>
           <a:xfrm flipV="1">
-            <a:off x="4543378" y="2759316"/>
-            <a:ext cx="203915" cy="279508"/>
+            <a:off x="6125778" y="1533898"/>
+            <a:ext cx="0" cy="634148"/>
           </a:xfrm>
           <a:prstGeom prst="straightConnector1">
             <a:avLst/>
@@ -3617,17 +3840,24 @@
       </p:cxnSp>
       <p:cxnSp>
         <p:nvCxnSpPr>
-          <p:cNvPr id="214" name="Gerade Verbindung mit Pfeil 213"/>
+          <p:cNvPr id="411" name="Gerade Verbindung mit Pfeil 214">
+            <a:extLst>
+              <a:ext uri="{FF2B5EF4-FFF2-40B4-BE49-F238E27FC236}">
+                <a16:creationId xmlns:a16="http://schemas.microsoft.com/office/drawing/2014/main" id="{2A444EE7-DD7A-4447-9EC2-D716B66EA1CF}"/>
+              </a:ext>
+            </a:extLst>
+          </p:cNvPr>
           <p:cNvCxnSpPr>
-            <a:stCxn id="207" idx="3"/>
-            <a:endCxn id="211" idx="1"/>
+            <a:cxnSpLocks/>
+            <a:stCxn id="403" idx="2"/>
+            <a:endCxn id="446" idx="0"/>
           </p:cNvCxnSpPr>
           <p:nvPr/>
         </p:nvCxnSpPr>
         <p:spPr>
           <a:xfrm>
-            <a:off x="4543378" y="2530942"/>
-            <a:ext cx="203915" cy="228377"/>
+            <a:off x="1106274" y="5644474"/>
+            <a:ext cx="0" cy="262935"/>
           </a:xfrm>
           <a:prstGeom prst="straightConnector1">
             <a:avLst/>
@@ -3658,18 +3888,420 @@
       </p:cxnSp>
       <p:cxnSp>
         <p:nvCxnSpPr>
-          <p:cNvPr id="215" name="Gerade Verbindung mit Pfeil 214"/>
+          <p:cNvPr id="412" name="Gerade Verbindung mit Pfeil 216">
+            <a:extLst>
+              <a:ext uri="{FF2B5EF4-FFF2-40B4-BE49-F238E27FC236}">
+                <a16:creationId xmlns:a16="http://schemas.microsoft.com/office/drawing/2014/main" id="{0171BB20-E23E-416A-B455-B52DACC30518}"/>
+              </a:ext>
+            </a:extLst>
+          </p:cNvPr>
           <p:cNvCxnSpPr>
             <a:cxnSpLocks/>
-            <a:stCxn id="206" idx="2"/>
-            <a:endCxn id="204" idx="0"/>
+            <a:stCxn id="399" idx="1"/>
+            <a:endCxn id="408" idx="3"/>
           </p:cNvCxnSpPr>
           <p:nvPr/>
         </p:nvCxnSpPr>
         <p:spPr>
+          <a:xfrm flipH="1">
+            <a:off x="2157713" y="1454232"/>
+            <a:ext cx="184834" cy="3382"/>
+          </a:xfrm>
+          <a:prstGeom prst="straightConnector1">
+            <a:avLst/>
+          </a:prstGeom>
+          <a:ln>
+            <a:solidFill>
+              <a:schemeClr val="bg1">
+                <a:lumMod val="50000"/>
+              </a:schemeClr>
+            </a:solidFill>
+            <a:tailEnd type="triangle"/>
+          </a:ln>
+        </p:spPr>
+        <p:style>
+          <a:lnRef idx="1">
+            <a:schemeClr val="accent1"/>
+          </a:lnRef>
+          <a:fillRef idx="0">
+            <a:schemeClr val="accent1"/>
+          </a:fillRef>
+          <a:effectRef idx="0">
+            <a:schemeClr val="accent1"/>
+          </a:effectRef>
+          <a:fontRef idx="minor">
+            <a:schemeClr val="tx1"/>
+          </a:fontRef>
+        </p:style>
+      </p:cxnSp>
+      <p:sp>
+        <p:nvSpPr>
+          <p:cNvPr id="413" name="Rechteck 217">
+            <a:extLst>
+              <a:ext uri="{FF2B5EF4-FFF2-40B4-BE49-F238E27FC236}">
+                <a16:creationId xmlns:a16="http://schemas.microsoft.com/office/drawing/2014/main" id="{D28EA77D-85A7-45B7-86E5-A6480C955460}"/>
+              </a:ext>
+            </a:extLst>
+          </p:cNvPr>
+          <p:cNvSpPr/>
+          <p:nvPr/>
+        </p:nvSpPr>
+        <p:spPr>
           <a:xfrm>
-            <a:off x="5796349" y="3901381"/>
-            <a:ext cx="0" cy="595308"/>
+            <a:off x="2342547" y="5128191"/>
+            <a:ext cx="4644703" cy="646331"/>
+          </a:xfrm>
+          <a:prstGeom prst="rect">
+            <a:avLst/>
+          </a:prstGeom>
+          <a:solidFill>
+            <a:schemeClr val="bg1"/>
+          </a:solidFill>
+          <a:ln>
+            <a:solidFill>
+              <a:schemeClr val="bg1">
+                <a:lumMod val="50000"/>
+              </a:schemeClr>
+            </a:solidFill>
+          </a:ln>
+        </p:spPr>
+        <p:txBody>
+          <a:bodyPr wrap="square">
+            <a:spAutoFit/>
+          </a:bodyPr>
+          <a:lstStyle/>
+          <a:p>
+            <a:r>
+              <a:rPr lang="de-DE" b="1"/>
+              <a:t>url</a:t>
+            </a:r>
+            <a:r>
+              <a:rPr lang="de-DE"/>
+              <a:t>, base, joinbf?, </a:t>
+            </a:r>
+            <a:r>
+              <a:rPr lang="de-DE" b="1"/>
+              <a:t>dir</a:t>
+            </a:r>
+            <a:r>
+              <a:rPr lang="de-DE"/>
+              <a:t>, force?, overwrite?, </a:t>
+            </a:r>
+            <a:r>
+              <a:rPr lang="de-DE" b="1"/>
+              <a:t>read</a:t>
+            </a:r>
+            <a:r>
+              <a:rPr lang="de-DE"/>
+              <a:t>?, </a:t>
+            </a:r>
+          </a:p>
+          <a:p>
+            <a:r>
+              <a:rPr lang="de-DE"/>
+              <a:t>dbin?, dfargs, sleep, progbar?, browse?, ntrunc</a:t>
+            </a:r>
+          </a:p>
+        </p:txBody>
+      </p:sp>
+      <p:sp>
+        <p:nvSpPr>
+          <p:cNvPr id="414" name="Abgerundetes Rechteck 218">
+            <a:extLst>
+              <a:ext uri="{FF2B5EF4-FFF2-40B4-BE49-F238E27FC236}">
+                <a16:creationId xmlns:a16="http://schemas.microsoft.com/office/drawing/2014/main" id="{E9334FCF-934F-4D42-91B0-FEB41825FCD9}"/>
+              </a:ext>
+            </a:extLst>
+          </p:cNvPr>
+          <p:cNvSpPr/>
+          <p:nvPr/>
+        </p:nvSpPr>
+        <p:spPr>
+          <a:xfrm>
+            <a:off x="6125778" y="2404307"/>
+            <a:ext cx="1337521" cy="449351"/>
+          </a:xfrm>
+          <a:prstGeom prst="roundRect">
+            <a:avLst/>
+          </a:prstGeom>
+          <a:solidFill>
+            <a:schemeClr val="bg2">
+              <a:alpha val="91000"/>
+            </a:schemeClr>
+          </a:solidFill>
+          <a:ln>
+            <a:noFill/>
+          </a:ln>
+        </p:spPr>
+        <p:style>
+          <a:lnRef idx="2">
+            <a:schemeClr val="accent1">
+              <a:shade val="50000"/>
+            </a:schemeClr>
+          </a:lnRef>
+          <a:fillRef idx="1">
+            <a:schemeClr val="accent1"/>
+          </a:fillRef>
+          <a:effectRef idx="0">
+            <a:schemeClr val="accent1"/>
+          </a:effectRef>
+          <a:fontRef idx="minor">
+            <a:schemeClr val="lt1"/>
+          </a:fontRef>
+        </p:style>
+        <p:txBody>
+          <a:bodyPr lIns="36000" tIns="0" rIns="36000" bIns="72000" rtlCol="0" anchor="ctr"/>
+          <a:lstStyle/>
+          <a:p>
+            <a:pPr algn="ctr"/>
+            <a:r>
+              <a:rPr lang="de-DE">
+                <a:solidFill>
+                  <a:schemeClr val="accent6">
+                    <a:lumMod val="60000"/>
+                    <a:lumOff val="40000"/>
+                  </a:schemeClr>
+                </a:solidFill>
+              </a:rPr>
+              <a:t>geoIndex</a:t>
+            </a:r>
+          </a:p>
+        </p:txBody>
+      </p:sp>
+      <p:sp>
+        <p:nvSpPr>
+          <p:cNvPr id="415" name="Abgerundetes Rechteck 219">
+            <a:extLst>
+              <a:ext uri="{FF2B5EF4-FFF2-40B4-BE49-F238E27FC236}">
+                <a16:creationId xmlns:a16="http://schemas.microsoft.com/office/drawing/2014/main" id="{7EA01705-EF08-426D-B1C1-A74BEC5C17C4}"/>
+              </a:ext>
+            </a:extLst>
+          </p:cNvPr>
+          <p:cNvSpPr/>
+          <p:nvPr/>
+        </p:nvSpPr>
+        <p:spPr>
+          <a:xfrm>
+            <a:off x="2342548" y="3431305"/>
+            <a:ext cx="868153" cy="396000"/>
+          </a:xfrm>
+          <a:prstGeom prst="roundRect">
+            <a:avLst/>
+          </a:prstGeom>
+          <a:solidFill>
+            <a:schemeClr val="bg2">
+              <a:alpha val="91000"/>
+            </a:schemeClr>
+          </a:solidFill>
+          <a:ln>
+            <a:noFill/>
+          </a:ln>
+        </p:spPr>
+        <p:style>
+          <a:lnRef idx="2">
+            <a:schemeClr val="accent1">
+              <a:shade val="50000"/>
+            </a:schemeClr>
+          </a:lnRef>
+          <a:fillRef idx="1">
+            <a:schemeClr val="accent1"/>
+          </a:fillRef>
+          <a:effectRef idx="0">
+            <a:schemeClr val="accent1"/>
+          </a:effectRef>
+          <a:fontRef idx="minor">
+            <a:schemeClr val="lt1"/>
+          </a:fontRef>
+        </p:style>
+        <p:txBody>
+          <a:bodyPr lIns="36000" tIns="36000" rIns="36000" bIns="36000" rtlCol="0" anchor="ctr"/>
+          <a:lstStyle/>
+          <a:p>
+            <a:pPr algn="ctr"/>
+            <a:r>
+              <a:rPr lang="de-DE">
+                <a:solidFill>
+                  <a:schemeClr val="accent2"/>
+                </a:solidFill>
+              </a:rPr>
+              <a:t>findID</a:t>
+            </a:r>
+          </a:p>
+        </p:txBody>
+      </p:sp>
+      <p:sp>
+        <p:nvSpPr>
+          <p:cNvPr id="416" name="Rechteck 220">
+            <a:extLst>
+              <a:ext uri="{FF2B5EF4-FFF2-40B4-BE49-F238E27FC236}">
+                <a16:creationId xmlns:a16="http://schemas.microsoft.com/office/drawing/2014/main" id="{D67FCB27-01D3-42D2-8B7B-01BE3392AC50}"/>
+              </a:ext>
+            </a:extLst>
+          </p:cNvPr>
+          <p:cNvSpPr/>
+          <p:nvPr/>
+        </p:nvSpPr>
+        <p:spPr>
+          <a:xfrm>
+            <a:off x="3754695" y="3449685"/>
+            <a:ext cx="2896285" cy="369332"/>
+          </a:xfrm>
+          <a:prstGeom prst="rect">
+            <a:avLst/>
+          </a:prstGeom>
+          <a:solidFill>
+            <a:schemeClr val="bg1"/>
+          </a:solidFill>
+          <a:ln>
+            <a:solidFill>
+              <a:schemeClr val="bg1">
+                <a:lumMod val="50000"/>
+              </a:schemeClr>
+            </a:solidFill>
+          </a:ln>
+        </p:spPr>
+        <p:txBody>
+          <a:bodyPr wrap="square">
+            <a:spAutoFit/>
+          </a:bodyPr>
+          <a:lstStyle/>
+          <a:p>
+            <a:pPr algn="ctr"/>
+            <a:r>
+              <a:rPr lang="de-DE" b="1"/>
+              <a:t>name</a:t>
+            </a:r>
+            <a:r>
+              <a:rPr lang="de-DE"/>
+              <a:t>, exactmatch?, mindex</a:t>
+            </a:r>
+          </a:p>
+        </p:txBody>
+      </p:sp>
+      <p:cxnSp>
+        <p:nvCxnSpPr>
+          <p:cNvPr id="417" name="Gerade Verbindung mit Pfeil 221">
+            <a:extLst>
+              <a:ext uri="{FF2B5EF4-FFF2-40B4-BE49-F238E27FC236}">
+                <a16:creationId xmlns:a16="http://schemas.microsoft.com/office/drawing/2014/main" id="{F1E9B0B4-0F99-48B5-AE13-7D8DFA1881CC}"/>
+              </a:ext>
+            </a:extLst>
+          </p:cNvPr>
+          <p:cNvCxnSpPr>
+            <a:cxnSpLocks/>
+            <a:stCxn id="416" idx="1"/>
+            <a:endCxn id="415" idx="3"/>
+          </p:cNvCxnSpPr>
+          <p:nvPr/>
+        </p:nvCxnSpPr>
+        <p:spPr>
+          <a:xfrm flipH="1" flipV="1">
+            <a:off x="3210701" y="3629305"/>
+            <a:ext cx="543994" cy="5046"/>
+          </a:xfrm>
+          <a:prstGeom prst="straightConnector1">
+            <a:avLst/>
+          </a:prstGeom>
+          <a:ln>
+            <a:solidFill>
+              <a:schemeClr val="bg1">
+                <a:lumMod val="50000"/>
+              </a:schemeClr>
+            </a:solidFill>
+            <a:tailEnd type="triangle"/>
+          </a:ln>
+        </p:spPr>
+        <p:style>
+          <a:lnRef idx="1">
+            <a:schemeClr val="accent1"/>
+          </a:lnRef>
+          <a:fillRef idx="0">
+            <a:schemeClr val="accent1"/>
+          </a:fillRef>
+          <a:effectRef idx="0">
+            <a:schemeClr val="accent1"/>
+          </a:effectRef>
+          <a:fontRef idx="minor">
+            <a:schemeClr val="tx1"/>
+          </a:fontRef>
+        </p:style>
+      </p:cxnSp>
+      <p:sp>
+        <p:nvSpPr>
+          <p:cNvPr id="418" name="Rechteck 222">
+            <a:extLst>
+              <a:ext uri="{FF2B5EF4-FFF2-40B4-BE49-F238E27FC236}">
+                <a16:creationId xmlns:a16="http://schemas.microsoft.com/office/drawing/2014/main" id="{AFB2AE93-0C87-41AB-9C07-C784CBDEA08C}"/>
+              </a:ext>
+            </a:extLst>
+          </p:cNvPr>
+          <p:cNvSpPr/>
+          <p:nvPr/>
+        </p:nvSpPr>
+        <p:spPr>
+          <a:xfrm>
+            <a:off x="2343108" y="6450375"/>
+            <a:ext cx="6711855" cy="369332"/>
+          </a:xfrm>
+          <a:prstGeom prst="rect">
+            <a:avLst/>
+          </a:prstGeom>
+          <a:solidFill>
+            <a:schemeClr val="bg1"/>
+          </a:solidFill>
+          <a:ln>
+            <a:solidFill>
+              <a:schemeClr val="bg1">
+                <a:lumMod val="50000"/>
+              </a:schemeClr>
+            </a:solidFill>
+          </a:ln>
+        </p:spPr>
+        <p:txBody>
+          <a:bodyPr wrap="square">
+            <a:spAutoFit/>
+          </a:bodyPr>
+          <a:lstStyle/>
+          <a:p>
+            <a:r>
+              <a:rPr lang="de-DE" b="1"/>
+              <a:t>file</a:t>
+            </a:r>
+            <a:r>
+              <a:rPr lang="de-DE"/>
+              <a:t>, </a:t>
+            </a:r>
+            <a:r>
+              <a:rPr lang="de-DE" b="1"/>
+              <a:t>type</a:t>
+            </a:r>
+            <a:r>
+              <a:rPr lang="de-DE"/>
+              <a:t>, progbar?, varnames?, fread?, format, tz, dividebyten?, var</a:t>
+            </a:r>
+          </a:p>
+        </p:txBody>
+      </p:sp>
+      <p:cxnSp>
+        <p:nvCxnSpPr>
+          <p:cNvPr id="419" name="Gerade Verbindung mit Pfeil 223">
+            <a:extLst>
+              <a:ext uri="{FF2B5EF4-FFF2-40B4-BE49-F238E27FC236}">
+                <a16:creationId xmlns:a16="http://schemas.microsoft.com/office/drawing/2014/main" id="{D4A3FF87-6FA9-4C29-8BD0-D750D3F7DFB3}"/>
+              </a:ext>
+            </a:extLst>
+          </p:cNvPr>
+          <p:cNvCxnSpPr>
+            <a:cxnSpLocks/>
+            <a:stCxn id="400" idx="1"/>
+            <a:endCxn id="414" idx="3"/>
+          </p:cNvCxnSpPr>
+          <p:nvPr/>
+        </p:nvCxnSpPr>
+        <p:spPr>
+          <a:xfrm flipH="1">
+            <a:off x="7463299" y="2628979"/>
+            <a:ext cx="658411" cy="4"/>
           </a:xfrm>
           <a:prstGeom prst="straightConnector1">
             <a:avLst/>
@@ -3700,376 +4332,24 @@
       </p:cxnSp>
       <p:cxnSp>
         <p:nvCxnSpPr>
-          <p:cNvPr id="217" name="Gerade Verbindung mit Pfeil 216"/>
+          <p:cNvPr id="420" name="Gerade Verbindung mit Pfeil 228">
+            <a:extLst>
+              <a:ext uri="{FF2B5EF4-FFF2-40B4-BE49-F238E27FC236}">
+                <a16:creationId xmlns:a16="http://schemas.microsoft.com/office/drawing/2014/main" id="{CAC96C21-F47D-430B-A6AA-C606C069B494}"/>
+              </a:ext>
+            </a:extLst>
+          </p:cNvPr>
           <p:cNvCxnSpPr>
-            <a:endCxn id="211" idx="0"/>
+            <a:cxnSpLocks/>
+            <a:stCxn id="414" idx="1"/>
+            <a:endCxn id="445" idx="3"/>
           </p:cNvCxnSpPr>
           <p:nvPr/>
         </p:nvCxnSpPr>
         <p:spPr>
-          <a:xfrm>
-            <a:off x="5791282" y="2081479"/>
-            <a:ext cx="1" cy="479836"/>
-          </a:xfrm>
-          <a:prstGeom prst="straightConnector1">
-            <a:avLst/>
-          </a:prstGeom>
-          <a:ln>
-            <a:solidFill>
-              <a:schemeClr val="bg1">
-                <a:lumMod val="50000"/>
-              </a:schemeClr>
-            </a:solidFill>
-            <a:tailEnd type="triangle"/>
-          </a:ln>
-        </p:spPr>
-        <p:style>
-          <a:lnRef idx="1">
-            <a:schemeClr val="accent1"/>
-          </a:lnRef>
-          <a:fillRef idx="0">
-            <a:schemeClr val="accent1"/>
-          </a:fillRef>
-          <a:effectRef idx="0">
-            <a:schemeClr val="accent1"/>
-          </a:effectRef>
-          <a:fontRef idx="minor">
-            <a:schemeClr val="tx1"/>
-          </a:fontRef>
-        </p:style>
-      </p:cxnSp>
-      <p:sp>
-        <p:nvSpPr>
-          <p:cNvPr id="218" name="Rechteck 217"/>
-          <p:cNvSpPr/>
-          <p:nvPr/>
-        </p:nvSpPr>
-        <p:spPr>
-          <a:xfrm>
-            <a:off x="7059123" y="2676238"/>
-            <a:ext cx="1829166" cy="1200329"/>
-          </a:xfrm>
-          <a:prstGeom prst="rect">
-            <a:avLst/>
-          </a:prstGeom>
-          <a:ln>
-            <a:solidFill>
-              <a:schemeClr val="bg1">
-                <a:lumMod val="50000"/>
-              </a:schemeClr>
-            </a:solidFill>
-          </a:ln>
-        </p:spPr>
-        <p:txBody>
-          <a:bodyPr wrap="square">
-            <a:spAutoFit/>
-          </a:bodyPr>
-          <a:lstStyle/>
-          <a:p>
-            <a:r>
-              <a:rPr lang="de-DE" b="1"/>
-              <a:t>dir</a:t>
-            </a:r>
-            <a:r>
-              <a:rPr lang="de-DE"/>
-              <a:t>, force?,</a:t>
-            </a:r>
-          </a:p>
-          <a:p>
-            <a:r>
-              <a:rPr lang="de-DE" b="1"/>
-              <a:t>sleep</a:t>
-            </a:r>
-            <a:r>
-              <a:rPr lang="de-DE"/>
-              <a:t>, quiet?,</a:t>
-            </a:r>
-          </a:p>
-          <a:p>
-            <a:r>
-              <a:rPr lang="de-DE"/>
-              <a:t>progbar?, browse?, </a:t>
-            </a:r>
-            <a:r>
-              <a:rPr lang="de-DE" b="1"/>
-              <a:t>read</a:t>
-            </a:r>
-            <a:r>
-              <a:rPr lang="de-DE"/>
-              <a:t>?</a:t>
-            </a:r>
-          </a:p>
-        </p:txBody>
-      </p:sp>
-      <p:sp>
-        <p:nvSpPr>
-          <p:cNvPr id="219" name="Abgerundetes Rechteck 218"/>
-          <p:cNvSpPr/>
-          <p:nvPr/>
-        </p:nvSpPr>
-        <p:spPr>
-          <a:xfrm>
-            <a:off x="2455364" y="3348710"/>
-            <a:ext cx="2088000" cy="449351"/>
-          </a:xfrm>
-          <a:prstGeom prst="roundRect">
-            <a:avLst/>
-          </a:prstGeom>
-          <a:solidFill>
-            <a:schemeClr val="bg2">
-              <a:alpha val="91000"/>
-            </a:schemeClr>
-          </a:solidFill>
-          <a:ln>
-            <a:noFill/>
-          </a:ln>
-        </p:spPr>
-        <p:style>
-          <a:lnRef idx="2">
-            <a:schemeClr val="accent1">
-              <a:shade val="50000"/>
-            </a:schemeClr>
-          </a:lnRef>
-          <a:fillRef idx="1">
-            <a:schemeClr val="accent1"/>
-          </a:fillRef>
-          <a:effectRef idx="0">
-            <a:schemeClr val="accent1"/>
-          </a:effectRef>
-          <a:fontRef idx="minor">
-            <a:schemeClr val="lt1"/>
-          </a:fontRef>
-        </p:style>
-        <p:txBody>
-          <a:bodyPr lIns="36000" tIns="0" rIns="36000" bIns="72000" rtlCol="0" anchor="ctr"/>
-          <a:lstStyle/>
-          <a:p>
-            <a:pPr algn="ctr"/>
-            <a:r>
-              <a:rPr lang="de-DE" sz="3200">
-                <a:solidFill>
-                  <a:schemeClr val="accent6">
-                    <a:lumMod val="60000"/>
-                    <a:lumOff val="40000"/>
-                  </a:schemeClr>
-                </a:solidFill>
-              </a:rPr>
-              <a:t>geoIndex</a:t>
-            </a:r>
-          </a:p>
-        </p:txBody>
-      </p:sp>
-      <p:sp>
-        <p:nvSpPr>
-          <p:cNvPr id="220" name="Abgerundetes Rechteck 219"/>
-          <p:cNvSpPr/>
-          <p:nvPr/>
-        </p:nvSpPr>
-        <p:spPr>
-          <a:xfrm>
-            <a:off x="2578954" y="875506"/>
-            <a:ext cx="1445269" cy="396000"/>
-          </a:xfrm>
-          <a:prstGeom prst="roundRect">
-            <a:avLst/>
-          </a:prstGeom>
-          <a:solidFill>
-            <a:schemeClr val="bg2">
-              <a:alpha val="91000"/>
-            </a:schemeClr>
-          </a:solidFill>
-          <a:ln>
-            <a:noFill/>
-          </a:ln>
-        </p:spPr>
-        <p:style>
-          <a:lnRef idx="2">
-            <a:schemeClr val="accent1">
-              <a:shade val="50000"/>
-            </a:schemeClr>
-          </a:lnRef>
-          <a:fillRef idx="1">
-            <a:schemeClr val="accent1"/>
-          </a:fillRef>
-          <a:effectRef idx="0">
-            <a:schemeClr val="accent1"/>
-          </a:effectRef>
-          <a:fontRef idx="minor">
-            <a:schemeClr val="lt1"/>
-          </a:fontRef>
-        </p:style>
-        <p:txBody>
-          <a:bodyPr lIns="36000" tIns="36000" rIns="36000" bIns="36000" rtlCol="0" anchor="ctr"/>
-          <a:lstStyle/>
-          <a:p>
-            <a:pPr algn="ctr"/>
-            <a:r>
-              <a:rPr lang="de-DE" sz="3200">
-                <a:solidFill>
-                  <a:schemeClr val="accent2"/>
-                </a:solidFill>
-              </a:rPr>
-              <a:t>findID</a:t>
-            </a:r>
-          </a:p>
-        </p:txBody>
-      </p:sp>
-      <p:sp>
-        <p:nvSpPr>
-          <p:cNvPr id="221" name="Rechteck 220"/>
-          <p:cNvSpPr/>
-          <p:nvPr/>
-        </p:nvSpPr>
-        <p:spPr>
-          <a:xfrm>
-            <a:off x="2261896" y="1435152"/>
-            <a:ext cx="2079385" cy="646331"/>
-          </a:xfrm>
-          <a:prstGeom prst="rect">
-            <a:avLst/>
-          </a:prstGeom>
-          <a:ln>
-            <a:solidFill>
-              <a:schemeClr val="bg1">
-                <a:lumMod val="50000"/>
-              </a:schemeClr>
-            </a:solidFill>
-          </a:ln>
-        </p:spPr>
-        <p:txBody>
-          <a:bodyPr wrap="square">
-            <a:spAutoFit/>
-          </a:bodyPr>
-          <a:lstStyle/>
-          <a:p>
-            <a:r>
-              <a:rPr lang="de-DE" b="1"/>
-              <a:t>name</a:t>
-            </a:r>
-            <a:r>
-              <a:rPr lang="de-DE"/>
-              <a:t>, exactmatch?, </a:t>
-            </a:r>
-          </a:p>
-          <a:p>
-            <a:r>
-              <a:rPr lang="de-DE"/>
-              <a:t>mindex</a:t>
-            </a:r>
-          </a:p>
-        </p:txBody>
-      </p:sp>
-      <p:cxnSp>
-        <p:nvCxnSpPr>
-          <p:cNvPr id="222" name="Gerade Verbindung mit Pfeil 221"/>
-          <p:cNvCxnSpPr>
-            <a:stCxn id="221" idx="0"/>
-            <a:endCxn id="220" idx="2"/>
-          </p:cNvCxnSpPr>
-          <p:nvPr/>
-        </p:nvCxnSpPr>
-        <p:spPr>
-          <a:xfrm flipV="1">
-            <a:off x="3301585" y="1271506"/>
-            <a:ext cx="0" cy="163642"/>
-          </a:xfrm>
-          <a:prstGeom prst="straightConnector1">
-            <a:avLst/>
-          </a:prstGeom>
-          <a:ln>
-            <a:solidFill>
-              <a:schemeClr val="bg1">
-                <a:lumMod val="50000"/>
-              </a:schemeClr>
-            </a:solidFill>
-            <a:tailEnd type="triangle"/>
-          </a:ln>
-        </p:spPr>
-        <p:style>
-          <a:lnRef idx="1">
-            <a:schemeClr val="accent1"/>
-          </a:lnRef>
-          <a:fillRef idx="0">
-            <a:schemeClr val="accent1"/>
-          </a:fillRef>
-          <a:effectRef idx="0">
-            <a:schemeClr val="accent1"/>
-          </a:effectRef>
-          <a:fontRef idx="minor">
-            <a:schemeClr val="tx1"/>
-          </a:fontRef>
-        </p:style>
-      </p:cxnSp>
-      <p:sp>
-        <p:nvSpPr>
-          <p:cNvPr id="223" name="Rechteck 222"/>
-          <p:cNvSpPr/>
-          <p:nvPr/>
-        </p:nvSpPr>
-        <p:spPr>
-          <a:xfrm>
-            <a:off x="7059123" y="3984224"/>
-            <a:ext cx="1829166" cy="1169551"/>
-          </a:xfrm>
-          <a:prstGeom prst="rect">
-            <a:avLst/>
-          </a:prstGeom>
-          <a:ln>
-            <a:solidFill>
-              <a:schemeClr val="bg1">
-                <a:lumMod val="50000"/>
-              </a:schemeClr>
-            </a:solidFill>
-          </a:ln>
-        </p:spPr>
-        <p:txBody>
-          <a:bodyPr wrap="square">
-            <a:spAutoFit/>
-          </a:bodyPr>
-          <a:lstStyle/>
-          <a:p>
-            <a:r>
-              <a:rPr lang="de-DE" b="1"/>
-              <a:t>file</a:t>
-            </a:r>
-            <a:r>
-              <a:rPr lang="de-DE"/>
-              <a:t>, </a:t>
-            </a:r>
-            <a:r>
-              <a:rPr lang="de-DE" b="1"/>
-              <a:t>fread</a:t>
-            </a:r>
-            <a:r>
-              <a:rPr lang="de-DE"/>
-              <a:t>?, varnames?,</a:t>
-            </a:r>
-          </a:p>
-          <a:p>
-            <a:r>
-              <a:rPr lang="de-DE" sz="1600"/>
-              <a:t>meta/binary/raster, </a:t>
-            </a:r>
-            <a:r>
-              <a:rPr lang="de-DE"/>
-              <a:t>format, tz</a:t>
-            </a:r>
-          </a:p>
-        </p:txBody>
-      </p:sp>
-      <p:cxnSp>
-        <p:nvCxnSpPr>
-          <p:cNvPr id="224" name="Gerade Verbindung mit Pfeil 223"/>
-          <p:cNvCxnSpPr>
-            <a:stCxn id="202" idx="3"/>
-            <a:endCxn id="219" idx="1"/>
-          </p:cNvCxnSpPr>
-          <p:nvPr/>
-        </p:nvCxnSpPr>
-        <p:spPr>
-          <a:xfrm>
-            <a:off x="2187746" y="3038714"/>
-            <a:ext cx="267618" cy="534668"/>
+          <a:xfrm flipH="1" flipV="1">
+            <a:off x="5789127" y="2627539"/>
+            <a:ext cx="336651" cy="1444"/>
           </a:xfrm>
           <a:prstGeom prst="straightConnector1">
             <a:avLst/>
@@ -4098,18 +4378,87 @@
           </a:fontRef>
         </p:style>
       </p:cxnSp>
+      <p:sp>
+        <p:nvSpPr>
+          <p:cNvPr id="421" name="Abgerundetes Rechteck 229">
+            <a:extLst>
+              <a:ext uri="{FF2B5EF4-FFF2-40B4-BE49-F238E27FC236}">
+                <a16:creationId xmlns:a16="http://schemas.microsoft.com/office/drawing/2014/main" id="{DE576657-934B-41AA-ADAD-1642CEA0521C}"/>
+              </a:ext>
+            </a:extLst>
+          </p:cNvPr>
+          <p:cNvSpPr/>
+          <p:nvPr/>
+        </p:nvSpPr>
+        <p:spPr>
+          <a:xfrm>
+            <a:off x="4605655" y="2897011"/>
+            <a:ext cx="1183472" cy="396000"/>
+          </a:xfrm>
+          <a:prstGeom prst="roundRect">
+            <a:avLst/>
+          </a:prstGeom>
+          <a:solidFill>
+            <a:schemeClr val="bg2">
+              <a:alpha val="91000"/>
+            </a:schemeClr>
+          </a:solidFill>
+          <a:ln>
+            <a:noFill/>
+          </a:ln>
+        </p:spPr>
+        <p:style>
+          <a:lnRef idx="2">
+            <a:schemeClr val="accent1">
+              <a:shade val="50000"/>
+            </a:schemeClr>
+          </a:lnRef>
+          <a:fillRef idx="1">
+            <a:schemeClr val="accent1"/>
+          </a:fillRef>
+          <a:effectRef idx="0">
+            <a:schemeClr val="accent1"/>
+          </a:effectRef>
+          <a:fontRef idx="minor">
+            <a:schemeClr val="lt1"/>
+          </a:fontRef>
+        </p:style>
+        <p:txBody>
+          <a:bodyPr lIns="36000" tIns="36000" rIns="36000" bIns="36000" rtlCol="0" anchor="ctr"/>
+          <a:lstStyle/>
+          <a:p>
+            <a:pPr algn="ctr"/>
+            <a:r>
+              <a:rPr lang="de-DE">
+                <a:solidFill>
+                  <a:schemeClr val="accent2"/>
+                </a:solidFill>
+              </a:rPr>
+              <a:t>metaInfo</a:t>
+            </a:r>
+          </a:p>
+        </p:txBody>
+      </p:sp>
       <p:cxnSp>
         <p:nvCxnSpPr>
-          <p:cNvPr id="229" name="Gerade Verbindung mit Pfeil 228"/>
+          <p:cNvPr id="422" name="Gerade Verbindung mit Pfeil 231">
+            <a:extLst>
+              <a:ext uri="{FF2B5EF4-FFF2-40B4-BE49-F238E27FC236}">
+                <a16:creationId xmlns:a16="http://schemas.microsoft.com/office/drawing/2014/main" id="{BFB0348D-7030-481A-9E78-A2DC6C07A5FD}"/>
+              </a:ext>
+            </a:extLst>
+          </p:cNvPr>
           <p:cNvCxnSpPr>
             <a:cxnSpLocks/>
+            <a:stCxn id="408" idx="2"/>
+            <a:endCxn id="434" idx="0"/>
           </p:cNvCxnSpPr>
           <p:nvPr/>
         </p:nvCxnSpPr>
         <p:spPr>
           <a:xfrm flipH="1">
-            <a:off x="2771254" y="3805908"/>
-            <a:ext cx="942" cy="742821"/>
+            <a:off x="1108489" y="1655614"/>
+            <a:ext cx="5224" cy="2813446"/>
           </a:xfrm>
           <a:prstGeom prst="straightConnector1">
             <a:avLst/>
@@ -4125,103 +4474,6 @@
         </p:spPr>
         <p:style>
           <a:lnRef idx="1">
-            <a:schemeClr val="accent2"/>
-          </a:lnRef>
-          <a:fillRef idx="0">
-            <a:schemeClr val="accent2"/>
-          </a:fillRef>
-          <a:effectRef idx="0">
-            <a:schemeClr val="accent2"/>
-          </a:effectRef>
-          <a:fontRef idx="minor">
-            <a:schemeClr val="tx1"/>
-          </a:fontRef>
-        </p:style>
-      </p:cxnSp>
-      <p:sp>
-        <p:nvSpPr>
-          <p:cNvPr id="230" name="Abgerundetes Rechteck 229"/>
-          <p:cNvSpPr/>
-          <p:nvPr/>
-        </p:nvSpPr>
-        <p:spPr>
-          <a:xfrm>
-            <a:off x="99746" y="3483621"/>
-            <a:ext cx="2088000" cy="396000"/>
-          </a:xfrm>
-          <a:prstGeom prst="roundRect">
-            <a:avLst/>
-          </a:prstGeom>
-          <a:solidFill>
-            <a:schemeClr val="bg2">
-              <a:alpha val="91000"/>
-            </a:schemeClr>
-          </a:solidFill>
-          <a:ln>
-            <a:noFill/>
-          </a:ln>
-        </p:spPr>
-        <p:style>
-          <a:lnRef idx="2">
-            <a:schemeClr val="accent1">
-              <a:shade val="50000"/>
-            </a:schemeClr>
-          </a:lnRef>
-          <a:fillRef idx="1">
-            <a:schemeClr val="accent1"/>
-          </a:fillRef>
-          <a:effectRef idx="0">
-            <a:schemeClr val="accent1"/>
-          </a:effectRef>
-          <a:fontRef idx="minor">
-            <a:schemeClr val="lt1"/>
-          </a:fontRef>
-        </p:style>
-        <p:txBody>
-          <a:bodyPr lIns="36000" tIns="36000" rIns="36000" bIns="36000" rtlCol="0" anchor="ctr"/>
-          <a:lstStyle/>
-          <a:p>
-            <a:pPr algn="ctr"/>
-            <a:r>
-              <a:rPr lang="de-DE" sz="3200">
-                <a:solidFill>
-                  <a:schemeClr val="accent2"/>
-                </a:solidFill>
-              </a:rPr>
-              <a:t>metaInfo</a:t>
-            </a:r>
-          </a:p>
-        </p:txBody>
-      </p:sp>
-      <p:cxnSp>
-        <p:nvCxnSpPr>
-          <p:cNvPr id="232" name="Gerade Verbindung mit Pfeil 231"/>
-          <p:cNvCxnSpPr>
-            <a:cxnSpLocks/>
-            <a:stCxn id="211" idx="2"/>
-            <a:endCxn id="206" idx="0"/>
-          </p:cNvCxnSpPr>
-          <p:nvPr/>
-        </p:nvCxnSpPr>
-        <p:spPr>
-          <a:xfrm>
-            <a:off x="5791279" y="2957315"/>
-            <a:ext cx="5070" cy="548066"/>
-          </a:xfrm>
-          <a:prstGeom prst="straightConnector1">
-            <a:avLst/>
-          </a:prstGeom>
-          <a:ln>
-            <a:solidFill>
-              <a:schemeClr val="bg1">
-                <a:lumMod val="50000"/>
-              </a:schemeClr>
-            </a:solidFill>
-            <a:tailEnd type="triangle"/>
-          </a:ln>
-        </p:spPr>
-        <p:style>
-          <a:lnRef idx="1">
             <a:schemeClr val="accent1"/>
           </a:lnRef>
           <a:fillRef idx="0">
@@ -4237,17 +4489,24 @@
       </p:cxnSp>
       <p:cxnSp>
         <p:nvCxnSpPr>
-          <p:cNvPr id="233" name="Gerade Verbindung mit Pfeil 232"/>
+          <p:cNvPr id="423" name="Gerade Verbindung mit Pfeil 232">
+            <a:extLst>
+              <a:ext uri="{FF2B5EF4-FFF2-40B4-BE49-F238E27FC236}">
+                <a16:creationId xmlns:a16="http://schemas.microsoft.com/office/drawing/2014/main" id="{2B9494A6-9427-4CF6-918D-7FED730EC202}"/>
+              </a:ext>
+            </a:extLst>
+          </p:cNvPr>
           <p:cNvCxnSpPr>
             <a:cxnSpLocks/>
-            <a:endCxn id="204" idx="3"/>
+            <a:stCxn id="418" idx="1"/>
+            <a:endCxn id="402" idx="3"/>
           </p:cNvCxnSpPr>
           <p:nvPr/>
         </p:nvCxnSpPr>
         <p:spPr>
-          <a:xfrm flipH="1">
-            <a:off x="6710932" y="4694689"/>
-            <a:ext cx="348192" cy="0"/>
+          <a:xfrm flipH="1" flipV="1">
+            <a:off x="2156107" y="6633341"/>
+            <a:ext cx="187001" cy="1700"/>
           </a:xfrm>
           <a:prstGeom prst="straightConnector1">
             <a:avLst/>
@@ -4278,28 +4537,40 @@
       </p:cxnSp>
       <p:grpSp>
         <p:nvGrpSpPr>
-          <p:cNvPr id="244" name="Gruppieren 243"/>
+          <p:cNvPr id="424" name="Group 423">
+            <a:extLst>
+              <a:ext uri="{FF2B5EF4-FFF2-40B4-BE49-F238E27FC236}">
+                <a16:creationId xmlns:a16="http://schemas.microsoft.com/office/drawing/2014/main" id="{61F71451-BEE7-4F4A-91AF-9041962FEB40}"/>
+              </a:ext>
+            </a:extLst>
+          </p:cNvPr>
           <p:cNvGrpSpPr/>
           <p:nvPr/>
         </p:nvGrpSpPr>
         <p:grpSpPr>
           <a:xfrm>
-            <a:off x="99746" y="141805"/>
-            <a:ext cx="2088000" cy="1981200"/>
-            <a:chOff x="130226" y="175260"/>
-            <a:chExt cx="2088000" cy="1981200"/>
+            <a:off x="5643098" y="72280"/>
+            <a:ext cx="3981616" cy="1051093"/>
+            <a:chOff x="4153391" y="-2326812"/>
+            <a:chExt cx="3981616" cy="1051093"/>
           </a:xfrm>
         </p:grpSpPr>
         <p:sp>
           <p:nvSpPr>
-            <p:cNvPr id="243" name="Rechteck 242"/>
+            <p:cNvPr id="425" name="Rechteck 242">
+              <a:extLst>
+                <a:ext uri="{FF2B5EF4-FFF2-40B4-BE49-F238E27FC236}">
+                  <a16:creationId xmlns:a16="http://schemas.microsoft.com/office/drawing/2014/main" id="{406777D5-A1D3-4A76-9546-0D2759D4F74D}"/>
+                </a:ext>
+              </a:extLst>
+            </p:cNvPr>
             <p:cNvSpPr/>
             <p:nvPr/>
           </p:nvSpPr>
           <p:spPr>
             <a:xfrm>
-              <a:off x="130226" y="175260"/>
-              <a:ext cx="2088000" cy="1981200"/>
+              <a:off x="4153391" y="-2326812"/>
+              <a:ext cx="3981616" cy="1051093"/>
             </a:xfrm>
             <a:prstGeom prst="rect">
               <a:avLst/>
@@ -4341,13 +4612,19 @@
         </p:sp>
         <p:sp>
           <p:nvSpPr>
-            <p:cNvPr id="236" name="Abgerundetes Rechteck 235"/>
+            <p:cNvPr id="426" name="Abgerundetes Rechteck 235">
+              <a:extLst>
+                <a:ext uri="{FF2B5EF4-FFF2-40B4-BE49-F238E27FC236}">
+                  <a16:creationId xmlns:a16="http://schemas.microsoft.com/office/drawing/2014/main" id="{F9A5FE26-FEAE-4E1F-958C-DEE01BA7AFC4}"/>
+                </a:ext>
+              </a:extLst>
+            </p:cNvPr>
             <p:cNvSpPr/>
             <p:nvPr/>
           </p:nvSpPr>
           <p:spPr>
             <a:xfrm>
-              <a:off x="266557" y="277656"/>
+              <a:off x="4289722" y="-2224416"/>
               <a:ext cx="1823670" cy="396000"/>
             </a:xfrm>
             <a:prstGeom prst="roundRect">
@@ -4396,13 +4673,19 @@
         </p:sp>
         <p:sp>
           <p:nvSpPr>
-            <p:cNvPr id="237" name="Abgerundetes Rechteck 236"/>
+            <p:cNvPr id="427" name="Abgerundetes Rechteck 236">
+              <a:extLst>
+                <a:ext uri="{FF2B5EF4-FFF2-40B4-BE49-F238E27FC236}">
+                  <a16:creationId xmlns:a16="http://schemas.microsoft.com/office/drawing/2014/main" id="{C34544E4-454C-44D5-9480-52A9FF60C1B8}"/>
+                </a:ext>
+              </a:extLst>
+            </p:cNvPr>
             <p:cNvSpPr/>
             <p:nvPr/>
           </p:nvSpPr>
           <p:spPr>
             <a:xfrm>
-              <a:off x="266557" y="738046"/>
+              <a:off x="4289722" y="-1764026"/>
               <a:ext cx="1823670" cy="396000"/>
             </a:xfrm>
             <a:prstGeom prst="roundRect">
@@ -4451,13 +4734,19 @@
         </p:sp>
         <p:sp>
           <p:nvSpPr>
-            <p:cNvPr id="238" name="Abgerundetes Rechteck 237"/>
+            <p:cNvPr id="428" name="Abgerundetes Rechteck 237">
+              <a:extLst>
+                <a:ext uri="{FF2B5EF4-FFF2-40B4-BE49-F238E27FC236}">
+                  <a16:creationId xmlns:a16="http://schemas.microsoft.com/office/drawing/2014/main" id="{C18E8587-61F7-43DF-9DA4-C7BF99F008B1}"/>
+                </a:ext>
+              </a:extLst>
+            </p:cNvPr>
             <p:cNvSpPr/>
             <p:nvPr/>
           </p:nvSpPr>
           <p:spPr>
             <a:xfrm>
-              <a:off x="266557" y="1198436"/>
+              <a:off x="6204573" y="-2220005"/>
               <a:ext cx="1823670" cy="396000"/>
             </a:xfrm>
             <a:prstGeom prst="roundRect">
@@ -4509,13 +4798,19 @@
         </p:sp>
         <p:sp>
           <p:nvSpPr>
-            <p:cNvPr id="239" name="Rechteck 238"/>
+            <p:cNvPr id="429" name="Rechteck 238">
+              <a:extLst>
+                <a:ext uri="{FF2B5EF4-FFF2-40B4-BE49-F238E27FC236}">
+                  <a16:creationId xmlns:a16="http://schemas.microsoft.com/office/drawing/2014/main" id="{3FA36566-AFC9-4F9F-99C8-9C66BBE23CD8}"/>
+                </a:ext>
+              </a:extLst>
+            </p:cNvPr>
             <p:cNvSpPr/>
             <p:nvPr/>
           </p:nvSpPr>
           <p:spPr>
             <a:xfrm>
-              <a:off x="266557" y="1653339"/>
+              <a:off x="6204573" y="-1764026"/>
               <a:ext cx="1823670" cy="369332"/>
             </a:xfrm>
             <a:prstGeom prst="rect">
@@ -4530,7 +4825,7 @@
             </a:ln>
           </p:spPr>
           <p:txBody>
-            <a:bodyPr wrap="square">
+            <a:bodyPr wrap="square" rIns="54000">
               <a:spAutoFit/>
             </a:bodyPr>
             <a:lstStyle/>
@@ -4548,85 +4843,187 @@
           </p:txBody>
         </p:sp>
       </p:grpSp>
-      <p:sp>
-        <p:nvSpPr>
-          <p:cNvPr id="240" name="Abgerundetes Rechteck 239"/>
-          <p:cNvSpPr/>
+      <p:grpSp>
+        <p:nvGrpSpPr>
+          <p:cNvPr id="430" name="Group 429">
+            <a:extLst>
+              <a:ext uri="{FF2B5EF4-FFF2-40B4-BE49-F238E27FC236}">
+                <a16:creationId xmlns:a16="http://schemas.microsoft.com/office/drawing/2014/main" id="{0BE0C69E-0349-4830-B38D-A6FD73E8A92F}"/>
+              </a:ext>
+            </a:extLst>
+          </p:cNvPr>
+          <p:cNvGrpSpPr/>
           <p:nvPr/>
-        </p:nvSpPr>
-        <p:spPr>
+        </p:nvGrpSpPr>
+        <p:grpSpPr>
           <a:xfrm>
-            <a:off x="5450484" y="128263"/>
-            <a:ext cx="2527083" cy="511746"/>
-          </a:xfrm>
-          <a:prstGeom prst="roundRect">
-            <a:avLst/>
-          </a:prstGeom>
-          <a:solidFill>
-            <a:schemeClr val="accent4">
-              <a:lumMod val="20000"/>
-              <a:lumOff val="80000"/>
-              <a:alpha val="91000"/>
-            </a:schemeClr>
-          </a:solidFill>
-          <a:ln>
-            <a:noFill/>
-          </a:ln>
-        </p:spPr>
-        <p:style>
-          <a:lnRef idx="2">
-            <a:schemeClr val="accent1">
-              <a:shade val="50000"/>
-            </a:schemeClr>
-          </a:lnRef>
-          <a:fillRef idx="1">
-            <a:schemeClr val="accent1"/>
-          </a:fillRef>
-          <a:effectRef idx="0">
-            <a:schemeClr val="accent1"/>
-          </a:effectRef>
-          <a:fontRef idx="minor">
-            <a:schemeClr val="lt1"/>
-          </a:fontRef>
-        </p:style>
-        <p:txBody>
-          <a:bodyPr lIns="36000" tIns="36000" rIns="36000" bIns="36000" rtlCol="0" anchor="ctr"/>
-          <a:lstStyle/>
-          <a:p>
-            <a:pPr algn="ctr"/>
-            <a:r>
-              <a:rPr lang="de-DE">
+            <a:off x="264797" y="350717"/>
+            <a:ext cx="5209458" cy="511746"/>
+            <a:chOff x="3307860" y="668013"/>
+            <a:chExt cx="5209458" cy="511746"/>
+          </a:xfrm>
+        </p:grpSpPr>
+        <p:sp>
+          <p:nvSpPr>
+            <p:cNvPr id="431" name="Abgerundetes Rechteck 204">
+              <a:extLst>
+                <a:ext uri="{FF2B5EF4-FFF2-40B4-BE49-F238E27FC236}">
+                  <a16:creationId xmlns:a16="http://schemas.microsoft.com/office/drawing/2014/main" id="{8BD979A4-C138-4162-9C5C-EBAC1E4C1C9A}"/>
+                </a:ext>
+              </a:extLst>
+            </p:cNvPr>
+            <p:cNvSpPr/>
+            <p:nvPr/>
+          </p:nvSpPr>
+          <p:spPr>
+            <a:xfrm>
+              <a:off x="3307860" y="668013"/>
+              <a:ext cx="2900018" cy="511746"/>
+            </a:xfrm>
+            <a:prstGeom prst="roundRect">
+              <a:avLst/>
+            </a:prstGeom>
+            <a:solidFill>
+              <a:schemeClr val="accent4">
+                <a:lumMod val="20000"/>
+                <a:lumOff val="80000"/>
+                <a:alpha val="91000"/>
+              </a:schemeClr>
+            </a:solidFill>
+            <a:ln>
+              <a:noFill/>
+            </a:ln>
+          </p:spPr>
+          <p:style>
+            <a:lnRef idx="2">
+              <a:schemeClr val="accent1">
+                <a:shade val="50000"/>
+              </a:schemeClr>
+            </a:lnRef>
+            <a:fillRef idx="1">
+              <a:schemeClr val="accent1"/>
+            </a:fillRef>
+            <a:effectRef idx="0">
+              <a:schemeClr val="accent1"/>
+            </a:effectRef>
+            <a:fontRef idx="minor">
+              <a:schemeClr val="lt1"/>
+            </a:fontRef>
+          </p:style>
+          <p:txBody>
+            <a:bodyPr lIns="36000" tIns="36000" rIns="36000" bIns="36000" rtlCol="0" anchor="ctr"/>
+            <a:lstStyle/>
+            <a:p>
+              <a:pPr algn="ctr"/>
+              <a:r>
+                <a:rPr lang="de-DE" sz="3200">
+                  <a:solidFill>
+                    <a:schemeClr val="tx1"/>
+                  </a:solidFill>
+                </a:rPr>
+                <a:t>rdwd structure </a:t>
+              </a:r>
+              <a:endParaRPr lang="de-DE" sz="1400">
                 <a:solidFill>
                   <a:schemeClr val="tx1"/>
                 </a:solidFill>
-                <a:hlinkClick r:id="rId2"/>
-              </a:rPr>
-              <a:t>github.com/brry/rdwd</a:t>
-            </a:r>
-            <a:r>
-              <a:rPr lang="de-DE">
-                <a:solidFill>
-                  <a:schemeClr val="tx1"/>
-                </a:solidFill>
-              </a:rPr>
-              <a:t> </a:t>
-            </a:r>
-          </a:p>
-        </p:txBody>
-      </p:sp>
+              </a:endParaRPr>
+            </a:p>
+          </p:txBody>
+        </p:sp>
+        <p:sp>
+          <p:nvSpPr>
+            <p:cNvPr id="432" name="Abgerundetes Rechteck 239">
+              <a:extLst>
+                <a:ext uri="{FF2B5EF4-FFF2-40B4-BE49-F238E27FC236}">
+                  <a16:creationId xmlns:a16="http://schemas.microsoft.com/office/drawing/2014/main" id="{2E2A3005-2EC1-453A-B8AE-9D9039ECD509}"/>
+                </a:ext>
+              </a:extLst>
+            </p:cNvPr>
+            <p:cNvSpPr/>
+            <p:nvPr/>
+          </p:nvSpPr>
+          <p:spPr>
+            <a:xfrm>
+              <a:off x="5990235" y="668013"/>
+              <a:ext cx="2527083" cy="511746"/>
+            </a:xfrm>
+            <a:prstGeom prst="roundRect">
+              <a:avLst/>
+            </a:prstGeom>
+            <a:solidFill>
+              <a:schemeClr val="accent4">
+                <a:lumMod val="20000"/>
+                <a:lumOff val="80000"/>
+                <a:alpha val="91000"/>
+              </a:schemeClr>
+            </a:solidFill>
+            <a:ln>
+              <a:noFill/>
+            </a:ln>
+          </p:spPr>
+          <p:style>
+            <a:lnRef idx="2">
+              <a:schemeClr val="accent1">
+                <a:shade val="50000"/>
+              </a:schemeClr>
+            </a:lnRef>
+            <a:fillRef idx="1">
+              <a:schemeClr val="accent1"/>
+            </a:fillRef>
+            <a:effectRef idx="0">
+              <a:schemeClr val="accent1"/>
+            </a:effectRef>
+            <a:fontRef idx="minor">
+              <a:schemeClr val="lt1"/>
+            </a:fontRef>
+          </p:style>
+          <p:txBody>
+            <a:bodyPr lIns="36000" tIns="36000" rIns="36000" bIns="36000" rtlCol="0" anchor="ctr"/>
+            <a:lstStyle/>
+            <a:p>
+              <a:pPr algn="ctr"/>
+              <a:r>
+                <a:rPr lang="de-DE">
+                  <a:solidFill>
+                    <a:schemeClr val="tx1"/>
+                  </a:solidFill>
+                  <a:hlinkClick r:id="rId2"/>
+                </a:rPr>
+                <a:t>github.com/brry/rdwd</a:t>
+              </a:r>
+              <a:r>
+                <a:rPr lang="de-DE">
+                  <a:solidFill>
+                    <a:schemeClr val="tx1"/>
+                  </a:solidFill>
+                </a:rPr>
+                <a:t> </a:t>
+              </a:r>
+            </a:p>
+          </p:txBody>
+        </p:sp>
+      </p:grpSp>
       <p:cxnSp>
         <p:nvCxnSpPr>
-          <p:cNvPr id="241" name="Gerade Verbindung mit Pfeil 240"/>
+          <p:cNvPr id="433" name="Gerade Verbindung mit Pfeil 240">
+            <a:extLst>
+              <a:ext uri="{FF2B5EF4-FFF2-40B4-BE49-F238E27FC236}">
+                <a16:creationId xmlns:a16="http://schemas.microsoft.com/office/drawing/2014/main" id="{D531C9A5-6FB8-4969-A375-AB5D909F540F}"/>
+              </a:ext>
+            </a:extLst>
+          </p:cNvPr>
           <p:cNvCxnSpPr>
             <a:cxnSpLocks/>
-            <a:endCxn id="206" idx="3"/>
+            <a:stCxn id="413" idx="1"/>
+            <a:endCxn id="403" idx="3"/>
           </p:cNvCxnSpPr>
           <p:nvPr/>
         </p:nvCxnSpPr>
         <p:spPr>
-          <a:xfrm flipH="1">
-            <a:off x="6710932" y="3703379"/>
-            <a:ext cx="323592" cy="2"/>
+          <a:xfrm flipH="1" flipV="1">
+            <a:off x="2150274" y="5446474"/>
+            <a:ext cx="192273" cy="4883"/>
           </a:xfrm>
           <a:prstGeom prst="straightConnector1">
             <a:avLst/>
@@ -4657,13 +5054,19 @@
       </p:cxnSp>
       <p:sp>
         <p:nvSpPr>
-          <p:cNvPr id="242" name="Rechteck 241"/>
+          <p:cNvPr id="434" name="Rechteck 241">
+            <a:extLst>
+              <a:ext uri="{FF2B5EF4-FFF2-40B4-BE49-F238E27FC236}">
+                <a16:creationId xmlns:a16="http://schemas.microsoft.com/office/drawing/2014/main" id="{9E4AAD11-514A-4F27-A254-C54391635280}"/>
+              </a:ext>
+            </a:extLst>
+          </p:cNvPr>
           <p:cNvSpPr/>
           <p:nvPr/>
         </p:nvSpPr>
         <p:spPr>
           <a:xfrm>
-            <a:off x="5450484" y="3026062"/>
+            <a:off x="767690" y="4469060"/>
             <a:ext cx="681597" cy="369332"/>
           </a:xfrm>
           <a:prstGeom prst="rect">
@@ -4686,6 +5089,7 @@
           </a:bodyPr>
           <a:lstStyle/>
           <a:p>
+            <a:pPr algn="ctr"/>
             <a:r>
               <a:rPr lang="de-DE" b="1"/>
               <a:t>url(s)</a:t>
@@ -4695,13 +5099,19 @@
       </p:sp>
       <p:sp>
         <p:nvSpPr>
-          <p:cNvPr id="43" name="Abgerundetes Rechteck 42"/>
+          <p:cNvPr id="435" name="Abgerundetes Rechteck 42">
+            <a:extLst>
+              <a:ext uri="{FF2B5EF4-FFF2-40B4-BE49-F238E27FC236}">
+                <a16:creationId xmlns:a16="http://schemas.microsoft.com/office/drawing/2014/main" id="{8583C422-007D-4DA8-9A66-5CEE8F3158A0}"/>
+              </a:ext>
+            </a:extLst>
+          </p:cNvPr>
           <p:cNvSpPr/>
           <p:nvPr/>
         </p:nvSpPr>
         <p:spPr>
           <a:xfrm>
-            <a:off x="6282264" y="1936936"/>
+            <a:off x="2342550" y="3952905"/>
             <a:ext cx="2606027" cy="396000"/>
           </a:xfrm>
           <a:prstGeom prst="roundRect">
@@ -4750,96 +5160,20 @@
       </p:sp>
       <p:sp>
         <p:nvSpPr>
-          <p:cNvPr id="44" name="Abgerundetes Rechteck 43"/>
+          <p:cNvPr id="436" name="Rechteck 44">
+            <a:extLst>
+              <a:ext uri="{FF2B5EF4-FFF2-40B4-BE49-F238E27FC236}">
+                <a16:creationId xmlns:a16="http://schemas.microsoft.com/office/drawing/2014/main" id="{8706CEA0-5ACA-4173-8813-C5376D15DB6A}"/>
+              </a:ext>
+            </a:extLst>
+          </p:cNvPr>
           <p:cNvSpPr/>
           <p:nvPr/>
         </p:nvSpPr>
         <p:spPr>
           <a:xfrm>
-            <a:off x="1122498" y="4548729"/>
-            <a:ext cx="1932839" cy="899943"/>
-          </a:xfrm>
-          <a:prstGeom prst="roundRect">
-            <a:avLst/>
-          </a:prstGeom>
-          <a:solidFill>
-            <a:schemeClr val="accent4">
-              <a:lumMod val="20000"/>
-              <a:lumOff val="80000"/>
-              <a:alpha val="91000"/>
-            </a:schemeClr>
-          </a:solidFill>
-          <a:ln>
-            <a:noFill/>
-          </a:ln>
-        </p:spPr>
-        <p:style>
-          <a:lnRef idx="2">
-            <a:schemeClr val="accent1">
-              <a:shade val="50000"/>
-            </a:schemeClr>
-          </a:lnRef>
-          <a:fillRef idx="1">
-            <a:schemeClr val="accent1"/>
-          </a:fillRef>
-          <a:effectRef idx="0">
-            <a:schemeClr val="accent1"/>
-          </a:effectRef>
-          <a:fontRef idx="minor">
-            <a:schemeClr val="lt1"/>
-          </a:fontRef>
-        </p:style>
-        <p:txBody>
-          <a:bodyPr lIns="36000" tIns="36000" rIns="36000" bIns="36000" rtlCol="0" anchor="ctr"/>
-          <a:lstStyle/>
-          <a:p>
-            <a:pPr algn="ctr">
-              <a:lnSpc>
-                <a:spcPts val="3200"/>
-              </a:lnSpc>
-            </a:pPr>
-            <a:r>
-              <a:rPr lang="de-DE" sz="3200">
-                <a:solidFill>
-                  <a:schemeClr val="accent6">
-                    <a:lumMod val="60000"/>
-                    <a:lumOff val="40000"/>
-                  </a:schemeClr>
-                </a:solidFill>
-              </a:rPr>
-              <a:t>interactive</a:t>
-            </a:r>
-          </a:p>
-          <a:p>
-            <a:pPr algn="ctr">
-              <a:lnSpc>
-                <a:spcPts val="3200"/>
-              </a:lnSpc>
-            </a:pPr>
-            <a:r>
-              <a:rPr lang="de-DE" sz="3200">
-                <a:solidFill>
-                  <a:schemeClr val="accent6">
-                    <a:lumMod val="60000"/>
-                    <a:lumOff val="40000"/>
-                  </a:schemeClr>
-                </a:solidFill>
-              </a:rPr>
-              <a:t>map</a:t>
-            </a:r>
-          </a:p>
-        </p:txBody>
-      </p:sp>
-      <p:sp>
-        <p:nvSpPr>
-          <p:cNvPr id="216" name="Rechteck 215"/>
-          <p:cNvSpPr/>
-          <p:nvPr/>
-        </p:nvSpPr>
-        <p:spPr>
-          <a:xfrm>
-            <a:off x="4477511" y="881154"/>
-            <a:ext cx="1699452" cy="1200329"/>
+            <a:off x="5461621" y="3970514"/>
+            <a:ext cx="3743890" cy="369332"/>
           </a:xfrm>
           <a:prstGeom prst="rect">
             <a:avLst/>
@@ -4861,93 +5195,14 @@
           </a:bodyPr>
           <a:lstStyle/>
           <a:p>
-            <a:r>
-              <a:rPr lang="de-DE" b="1"/>
-              <a:t>  id</a:t>
-            </a:r>
-            <a:r>
-              <a:rPr lang="de-DE"/>
-              <a:t> / name,</a:t>
-            </a:r>
-          </a:p>
-          <a:p>
-            <a:r>
-              <a:rPr lang="de-DE" b="1"/>
-              <a:t>res, var, per</a:t>
-            </a:r>
-            <a:r>
-              <a:rPr lang="de-DE"/>
-              <a:t>,</a:t>
-            </a:r>
-          </a:p>
-          <a:p>
-            <a:r>
-              <a:rPr lang="de-DE"/>
-              <a:t>base, outvec?,</a:t>
-            </a:r>
-          </a:p>
-          <a:p>
-            <a:r>
-              <a:rPr lang="de-DE"/>
-              <a:t>current?, </a:t>
-            </a:r>
-            <a:r>
-              <a:rPr lang="de-DE" b="1"/>
-              <a:t>meta?</a:t>
-            </a:r>
-          </a:p>
-        </p:txBody>
-      </p:sp>
-      <p:sp>
-        <p:nvSpPr>
-          <p:cNvPr id="45" name="Rechteck 44"/>
-          <p:cNvSpPr/>
-          <p:nvPr/>
-        </p:nvSpPr>
-        <p:spPr>
-          <a:xfrm>
-            <a:off x="6735547" y="881220"/>
-            <a:ext cx="1699452" cy="923330"/>
-          </a:xfrm>
-          <a:prstGeom prst="rect">
-            <a:avLst/>
-          </a:prstGeom>
-          <a:solidFill>
-            <a:schemeClr val="bg1"/>
-          </a:solidFill>
-          <a:ln>
-            <a:solidFill>
-              <a:schemeClr val="bg1">
-                <a:lumMod val="50000"/>
-              </a:schemeClr>
-            </a:solidFill>
-          </a:ln>
-        </p:spPr>
-        <p:txBody>
-          <a:bodyPr wrap="square">
-            <a:spAutoFit/>
-          </a:bodyPr>
-          <a:lstStyle/>
-          <a:p>
+            <a:pPr algn="ctr"/>
             <a:r>
               <a:rPr lang="de-DE" b="1"/>
               <a:t>lat, lon, radius</a:t>
             </a:r>
             <a:r>
               <a:rPr lang="de-DE"/>
-              <a:t>,</a:t>
-            </a:r>
-          </a:p>
-          <a:p>
-            <a:r>
-              <a:rPr lang="de-DE"/>
-              <a:t>res, var, per,</a:t>
-            </a:r>
-          </a:p>
-          <a:p>
-            <a:r>
-              <a:rPr lang="de-DE"/>
-              <a:t>mindate</a:t>
+              <a:t>, res, var, per, mindate</a:t>
             </a:r>
             <a:endParaRPr lang="de-DE" b="1"/>
           </a:p>
@@ -4955,16 +5210,22 @@
       </p:sp>
       <p:cxnSp>
         <p:nvCxnSpPr>
-          <p:cNvPr id="227" name="Gerade Verbindung mit Pfeil 226"/>
+          <p:cNvPr id="437" name="Gerade Verbindung mit Pfeil 226">
+            <a:extLst>
+              <a:ext uri="{FF2B5EF4-FFF2-40B4-BE49-F238E27FC236}">
+                <a16:creationId xmlns:a16="http://schemas.microsoft.com/office/drawing/2014/main" id="{699C565B-0C5A-41B5-BCC1-E7CC544D9C32}"/>
+              </a:ext>
+            </a:extLst>
+          </p:cNvPr>
           <p:cNvCxnSpPr>
-            <a:stCxn id="220" idx="3"/>
+            <a:cxnSpLocks/>
           </p:cNvCxnSpPr>
           <p:nvPr/>
         </p:nvCxnSpPr>
         <p:spPr>
-          <a:xfrm>
-            <a:off x="4024219" y="1073506"/>
-            <a:ext cx="621112" cy="0"/>
+          <a:xfrm flipV="1">
+            <a:off x="2499898" y="1721438"/>
+            <a:ext cx="0" cy="1709868"/>
           </a:xfrm>
           <a:prstGeom prst="straightConnector1">
             <a:avLst/>
@@ -4995,17 +5256,24 @@
       </p:cxnSp>
       <p:cxnSp>
         <p:nvCxnSpPr>
-          <p:cNvPr id="61" name="Gerade Verbindung mit Pfeil 60"/>
+          <p:cNvPr id="438" name="Gerade Verbindung mit Pfeil 60">
+            <a:extLst>
+              <a:ext uri="{FF2B5EF4-FFF2-40B4-BE49-F238E27FC236}">
+                <a16:creationId xmlns:a16="http://schemas.microsoft.com/office/drawing/2014/main" id="{F7901C5A-201C-46CD-A820-9F2E8C780918}"/>
+              </a:ext>
+            </a:extLst>
+          </p:cNvPr>
           <p:cNvCxnSpPr>
-            <a:stCxn id="45" idx="2"/>
-            <a:endCxn id="43" idx="0"/>
+            <a:cxnSpLocks/>
+            <a:stCxn id="436" idx="1"/>
+            <a:endCxn id="435" idx="3"/>
           </p:cNvCxnSpPr>
           <p:nvPr/>
         </p:nvCxnSpPr>
         <p:spPr>
-          <a:xfrm>
-            <a:off x="7585277" y="1804550"/>
-            <a:ext cx="1" cy="132386"/>
+          <a:xfrm flipH="1" flipV="1">
+            <a:off x="4948577" y="4150905"/>
+            <a:ext cx="513044" cy="4275"/>
           </a:xfrm>
           <a:prstGeom prst="straightConnector1">
             <a:avLst/>
@@ -5036,17 +5304,24 @@
       </p:cxnSp>
       <p:cxnSp>
         <p:nvCxnSpPr>
-          <p:cNvPr id="64" name="Gerade Verbindung mit Pfeil 63"/>
+          <p:cNvPr id="439" name="Gerade Verbindung mit Pfeil 63">
+            <a:extLst>
+              <a:ext uri="{FF2B5EF4-FFF2-40B4-BE49-F238E27FC236}">
+                <a16:creationId xmlns:a16="http://schemas.microsoft.com/office/drawing/2014/main" id="{E5CCFEDC-37FD-4D2A-AE18-63C93F945BA3}"/>
+              </a:ext>
+            </a:extLst>
+          </p:cNvPr>
           <p:cNvCxnSpPr>
-            <a:stCxn id="43" idx="2"/>
-            <a:endCxn id="242" idx="3"/>
+            <a:cxnSpLocks/>
+            <a:stCxn id="435" idx="1"/>
+            <a:endCxn id="434" idx="3"/>
           </p:cNvCxnSpPr>
           <p:nvPr/>
         </p:nvCxnSpPr>
         <p:spPr>
           <a:xfrm flipH="1">
-            <a:off x="6132081" y="2332936"/>
-            <a:ext cx="1453197" cy="877792"/>
+            <a:off x="1449287" y="4150905"/>
+            <a:ext cx="893263" cy="502821"/>
           </a:xfrm>
           <a:prstGeom prst="straightConnector1">
             <a:avLst/>
@@ -5077,14 +5352,23 @@
       </p:cxnSp>
       <p:cxnSp>
         <p:nvCxnSpPr>
-          <p:cNvPr id="46" name="Gerade Verbindung mit Pfeil 45"/>
-          <p:cNvCxnSpPr/>
+          <p:cNvPr id="440" name="Gerade Verbindung mit Pfeil 45">
+            <a:extLst>
+              <a:ext uri="{FF2B5EF4-FFF2-40B4-BE49-F238E27FC236}">
+                <a16:creationId xmlns:a16="http://schemas.microsoft.com/office/drawing/2014/main" id="{944F359E-0902-4425-A249-25919BDD998C}"/>
+              </a:ext>
+            </a:extLst>
+          </p:cNvPr>
+          <p:cNvCxnSpPr>
+            <a:cxnSpLocks/>
+            <a:stCxn id="405" idx="1"/>
+          </p:cNvCxnSpPr>
           <p:nvPr/>
         </p:nvCxnSpPr>
         <p:spPr>
-          <a:xfrm flipH="1">
-            <a:off x="2187746" y="3210732"/>
-            <a:ext cx="267618" cy="272893"/>
+          <a:xfrm>
+            <a:off x="6125778" y="3092783"/>
+            <a:ext cx="0" cy="444540"/>
           </a:xfrm>
           <a:prstGeom prst="straightConnector1">
             <a:avLst/>
@@ -5115,10 +5399,10 @@
       </p:cxnSp>
       <p:sp>
         <p:nvSpPr>
-          <p:cNvPr id="47" name="Abgerundetes Rechteck 203">
+          <p:cNvPr id="441" name="Abgerundetes Rechteck 203">
             <a:extLst>
               <a:ext uri="{FF2B5EF4-FFF2-40B4-BE49-F238E27FC236}">
-                <a16:creationId xmlns:a16="http://schemas.microsoft.com/office/drawing/2014/main" id="{2F1CD618-E542-4D27-AE3A-DF2F8A1FB408}"/>
+                <a16:creationId xmlns:a16="http://schemas.microsoft.com/office/drawing/2014/main" id="{13CDBEEA-C650-43BF-B1E9-DBEB6E286F5F}"/>
               </a:ext>
             </a:extLst>
           </p:cNvPr>
@@ -5127,7 +5411,7 @@
         </p:nvSpPr>
         <p:spPr>
           <a:xfrm>
-            <a:off x="3499366" y="3953495"/>
+            <a:off x="2371413" y="5893354"/>
             <a:ext cx="1045479" cy="396000"/>
           </a:xfrm>
           <a:prstGeom prst="roundRect">
@@ -5176,10 +5460,10 @@
       </p:sp>
       <p:sp>
         <p:nvSpPr>
-          <p:cNvPr id="48" name="Abgerundetes Rechteck 203">
+          <p:cNvPr id="442" name="Abgerundetes Rechteck 203">
             <a:extLst>
               <a:ext uri="{FF2B5EF4-FFF2-40B4-BE49-F238E27FC236}">
-                <a16:creationId xmlns:a16="http://schemas.microsoft.com/office/drawing/2014/main" id="{09FF9ADA-D2E2-44DB-ADB0-15744BC13962}"/>
+                <a16:creationId xmlns:a16="http://schemas.microsoft.com/office/drawing/2014/main" id="{BD277AF3-3BEA-466E-8A08-51CD56DFB576}"/>
               </a:ext>
             </a:extLst>
           </p:cNvPr>
@@ -5188,8 +5472,8 @@
         </p:nvSpPr>
         <p:spPr>
           <a:xfrm>
-            <a:off x="3501899" y="4443539"/>
-            <a:ext cx="1040410" cy="396000"/>
+            <a:off x="3764892" y="5883058"/>
+            <a:ext cx="1040411" cy="396000"/>
           </a:xfrm>
           <a:prstGeom prst="roundRect">
             <a:avLst/>
@@ -5237,10 +5521,10 @@
       </p:sp>
       <p:sp>
         <p:nvSpPr>
-          <p:cNvPr id="49" name="Abgerundetes Rechteck 203">
+          <p:cNvPr id="443" name="Abgerundetes Rechteck 203">
             <a:extLst>
               <a:ext uri="{FF2B5EF4-FFF2-40B4-BE49-F238E27FC236}">
-                <a16:creationId xmlns:a16="http://schemas.microsoft.com/office/drawing/2014/main" id="{AB1E6D48-01F3-40D2-9A40-C455B2A2F21B}"/>
+                <a16:creationId xmlns:a16="http://schemas.microsoft.com/office/drawing/2014/main" id="{6D10FE86-CA3A-4D8D-8EA2-A3E43FF8B307}"/>
               </a:ext>
             </a:extLst>
           </p:cNvPr>
@@ -5249,7 +5533,7 @@
         </p:nvSpPr>
         <p:spPr>
           <a:xfrm>
-            <a:off x="4847250" y="5055800"/>
+            <a:off x="6619928" y="5883058"/>
             <a:ext cx="1898198" cy="396000"/>
           </a:xfrm>
           <a:prstGeom prst="roundRect">
@@ -5298,10 +5582,10 @@
       </p:sp>
       <p:sp>
         <p:nvSpPr>
-          <p:cNvPr id="52" name="Abgerundetes Rechteck 237">
+          <p:cNvPr id="444" name="Abgerundetes Rechteck 237">
             <a:extLst>
               <a:ext uri="{FF2B5EF4-FFF2-40B4-BE49-F238E27FC236}">
-                <a16:creationId xmlns:a16="http://schemas.microsoft.com/office/drawing/2014/main" id="{271BBA81-28EA-48A5-A04B-FA404675CC8D}"/>
+                <a16:creationId xmlns:a16="http://schemas.microsoft.com/office/drawing/2014/main" id="{10367C1F-E3BF-4C3F-9D68-421FBD47D781}"/>
               </a:ext>
             </a:extLst>
           </p:cNvPr>
@@ -5310,7 +5594,7 @@
         </p:nvSpPr>
         <p:spPr>
           <a:xfrm>
-            <a:off x="3308449" y="5052936"/>
+            <a:off x="5095687" y="5883058"/>
             <a:ext cx="1233859" cy="396000"/>
           </a:xfrm>
           <a:prstGeom prst="roundRect">
@@ -5362,10 +5646,10 @@
       </p:sp>
       <p:sp>
         <p:nvSpPr>
-          <p:cNvPr id="54" name="Abgerundetes Rechteck 229">
+          <p:cNvPr id="445" name="Abgerundetes Rechteck 229">
             <a:extLst>
               <a:ext uri="{FF2B5EF4-FFF2-40B4-BE49-F238E27FC236}">
-                <a16:creationId xmlns:a16="http://schemas.microsoft.com/office/drawing/2014/main" id="{A8F5462F-81BD-46BA-9C69-EFA257CD3D50}"/>
+                <a16:creationId xmlns:a16="http://schemas.microsoft.com/office/drawing/2014/main" id="{899F5003-CD1A-42AA-B960-7FCF58436DC7}"/>
               </a:ext>
             </a:extLst>
           </p:cNvPr>
@@ -5374,7 +5658,7 @@
         </p:nvSpPr>
         <p:spPr>
           <a:xfrm>
-            <a:off x="1587631" y="4041691"/>
+            <a:off x="4605655" y="2429539"/>
             <a:ext cx="1183472" cy="396000"/>
           </a:xfrm>
           <a:prstGeom prst="roundRect">
@@ -5423,10 +5707,10 @@
       </p:sp>
       <p:sp>
         <p:nvSpPr>
-          <p:cNvPr id="58" name="Rechteck 241">
+          <p:cNvPr id="446" name="Rechteck 241">
             <a:extLst>
               <a:ext uri="{FF2B5EF4-FFF2-40B4-BE49-F238E27FC236}">
-                <a16:creationId xmlns:a16="http://schemas.microsoft.com/office/drawing/2014/main" id="{F5D8A9C9-689C-4F67-9419-6C0DBE1D0C69}"/>
+                <a16:creationId xmlns:a16="http://schemas.microsoft.com/office/drawing/2014/main" id="{FAF2F3C6-0A5F-4A54-8E35-04675E8292EB}"/>
               </a:ext>
             </a:extLst>
           </p:cNvPr>
@@ -5435,7 +5719,7 @@
         </p:nvSpPr>
         <p:spPr>
           <a:xfrm>
-            <a:off x="5268540" y="3982936"/>
+            <a:off x="583534" y="5907409"/>
             <a:ext cx="1045479" cy="369332"/>
           </a:xfrm>
           <a:prstGeom prst="rect">
@@ -5458,6 +5742,7 @@
           </a:bodyPr>
           <a:lstStyle/>
           <a:p>
+            <a:pPr algn="ctr"/>
             <a:r>
               <a:rPr lang="de-DE" b="1"/>
               <a:t>(zip) files</a:t>
@@ -5467,24 +5752,22 @@
       </p:sp>
       <p:cxnSp>
         <p:nvCxnSpPr>
-          <p:cNvPr id="85" name="Gerade Verbindung mit Pfeil 231">
+          <p:cNvPr id="447" name="Gerade Verbindung mit Pfeil 231">
             <a:extLst>
               <a:ext uri="{FF2B5EF4-FFF2-40B4-BE49-F238E27FC236}">
-                <a16:creationId xmlns:a16="http://schemas.microsoft.com/office/drawing/2014/main" id="{7A38B048-AFD4-4F4F-AA11-2AC41CF28C48}"/>
+                <a16:creationId xmlns:a16="http://schemas.microsoft.com/office/drawing/2014/main" id="{84F2512C-752C-48EC-923C-B91D9C8A6705}"/>
               </a:ext>
             </a:extLst>
           </p:cNvPr>
           <p:cNvCxnSpPr>
             <a:cxnSpLocks/>
-            <a:stCxn id="49" idx="0"/>
-            <a:endCxn id="204" idx="2"/>
           </p:cNvCxnSpPr>
           <p:nvPr/>
         </p:nvCxnSpPr>
         <p:spPr>
-          <a:xfrm flipV="1">
-            <a:off x="5796349" y="4892689"/>
-            <a:ext cx="0" cy="163111"/>
+          <a:xfrm flipH="1">
+            <a:off x="5316899" y="6252376"/>
+            <a:ext cx="1303028" cy="285992"/>
           </a:xfrm>
           <a:prstGeom prst="straightConnector1">
             <a:avLst/>
@@ -5515,24 +5798,24 @@
       </p:cxnSp>
       <p:cxnSp>
         <p:nvCxnSpPr>
-          <p:cNvPr id="91" name="Gerade Verbindung mit Pfeil 231">
+          <p:cNvPr id="448" name="Gerade Verbindung mit Pfeil 231">
             <a:extLst>
               <a:ext uri="{FF2B5EF4-FFF2-40B4-BE49-F238E27FC236}">
-                <a16:creationId xmlns:a16="http://schemas.microsoft.com/office/drawing/2014/main" id="{CCD4E548-36D7-4EF0-B5BE-A93853BC20D1}"/>
+                <a16:creationId xmlns:a16="http://schemas.microsoft.com/office/drawing/2014/main" id="{A62C260B-1E9A-4941-882B-29FF2E51A68B}"/>
               </a:ext>
             </a:extLst>
           </p:cNvPr>
           <p:cNvCxnSpPr>
             <a:cxnSpLocks/>
-            <a:stCxn id="52" idx="3"/>
-            <a:endCxn id="49" idx="1"/>
+            <a:stCxn id="444" idx="3"/>
+            <a:endCxn id="443" idx="1"/>
           </p:cNvCxnSpPr>
           <p:nvPr/>
         </p:nvCxnSpPr>
         <p:spPr>
           <a:xfrm>
-            <a:off x="4542308" y="5250936"/>
-            <a:ext cx="304942" cy="2864"/>
+            <a:off x="6329546" y="6081058"/>
+            <a:ext cx="290382" cy="0"/>
           </a:xfrm>
           <a:prstGeom prst="straightConnector1">
             <a:avLst/>
@@ -5563,23 +5846,24 @@
       </p:cxnSp>
       <p:cxnSp>
         <p:nvCxnSpPr>
-          <p:cNvPr id="95" name="Gerade Verbindung mit Pfeil 231">
+          <p:cNvPr id="449" name="Gerade Verbindung mit Pfeil 231">
             <a:extLst>
               <a:ext uri="{FF2B5EF4-FFF2-40B4-BE49-F238E27FC236}">
-                <a16:creationId xmlns:a16="http://schemas.microsoft.com/office/drawing/2014/main" id="{4AB81474-2282-434E-B3EC-524B03561A7C}"/>
+                <a16:creationId xmlns:a16="http://schemas.microsoft.com/office/drawing/2014/main" id="{855B9C50-7275-4F51-88D7-F3F4AB9771FE}"/>
               </a:ext>
             </a:extLst>
           </p:cNvPr>
           <p:cNvCxnSpPr>
             <a:cxnSpLocks/>
-            <a:endCxn id="48" idx="2"/>
+            <a:stCxn id="444" idx="1"/>
+            <a:endCxn id="442" idx="3"/>
           </p:cNvCxnSpPr>
           <p:nvPr/>
         </p:nvCxnSpPr>
         <p:spPr>
-          <a:xfrm flipV="1">
-            <a:off x="4022104" y="4839539"/>
-            <a:ext cx="0" cy="205550"/>
+          <a:xfrm flipH="1">
+            <a:off x="4805303" y="6081058"/>
+            <a:ext cx="290384" cy="0"/>
           </a:xfrm>
           <a:prstGeom prst="straightConnector1">
             <a:avLst/>
@@ -5610,24 +5894,24 @@
       </p:cxnSp>
       <p:cxnSp>
         <p:nvCxnSpPr>
-          <p:cNvPr id="98" name="Gerade Verbindung mit Pfeil 63">
+          <p:cNvPr id="450" name="Gerade Verbindung mit Pfeil 63">
             <a:extLst>
               <a:ext uri="{FF2B5EF4-FFF2-40B4-BE49-F238E27FC236}">
-                <a16:creationId xmlns:a16="http://schemas.microsoft.com/office/drawing/2014/main" id="{FC68DFE9-25F0-41C6-B71F-3ECCFFCB5571}"/>
+                <a16:creationId xmlns:a16="http://schemas.microsoft.com/office/drawing/2014/main" id="{614D4B7F-AAB4-4139-A0BA-111C8BFC2E16}"/>
               </a:ext>
             </a:extLst>
           </p:cNvPr>
           <p:cNvCxnSpPr>
             <a:cxnSpLocks/>
-            <a:stCxn id="58" idx="1"/>
-            <a:endCxn id="47" idx="3"/>
+            <a:stCxn id="446" idx="3"/>
+            <a:endCxn id="441" idx="1"/>
           </p:cNvCxnSpPr>
           <p:nvPr/>
         </p:nvCxnSpPr>
         <p:spPr>
-          <a:xfrm flipH="1" flipV="1">
-            <a:off x="4544845" y="4151495"/>
-            <a:ext cx="723695" cy="16107"/>
+          <a:xfrm flipV="1">
+            <a:off x="1629013" y="6091354"/>
+            <a:ext cx="742400" cy="721"/>
           </a:xfrm>
           <a:prstGeom prst="straightConnector1">
             <a:avLst/>
@@ -5656,26 +5940,89 @@
           </a:fontRef>
         </p:style>
       </p:cxnSp>
+      <p:sp>
+        <p:nvSpPr>
+          <p:cNvPr id="451" name="Abgerundetes Rechteck 237">
+            <a:extLst>
+              <a:ext uri="{FF2B5EF4-FFF2-40B4-BE49-F238E27FC236}">
+                <a16:creationId xmlns:a16="http://schemas.microsoft.com/office/drawing/2014/main" id="{B1E0BA30-F177-4DF5-9DBB-DFD7A5DCADBC}"/>
+              </a:ext>
+            </a:extLst>
+          </p:cNvPr>
+          <p:cNvSpPr/>
+          <p:nvPr/>
+        </p:nvSpPr>
+        <p:spPr>
+          <a:xfrm>
+            <a:off x="4441128" y="1707824"/>
+            <a:ext cx="1233859" cy="396000"/>
+          </a:xfrm>
+          <a:prstGeom prst="roundRect">
+            <a:avLst/>
+          </a:prstGeom>
+          <a:solidFill>
+            <a:schemeClr val="bg2">
+              <a:alpha val="91000"/>
+            </a:schemeClr>
+          </a:solidFill>
+          <a:ln>
+            <a:noFill/>
+          </a:ln>
+        </p:spPr>
+        <p:style>
+          <a:lnRef idx="2">
+            <a:schemeClr val="accent1">
+              <a:shade val="50000"/>
+            </a:schemeClr>
+          </a:lnRef>
+          <a:fillRef idx="1">
+            <a:schemeClr val="accent1"/>
+          </a:fillRef>
+          <a:effectRef idx="0">
+            <a:schemeClr val="accent1"/>
+          </a:effectRef>
+          <a:fontRef idx="minor">
+            <a:schemeClr val="lt1"/>
+          </a:fontRef>
+        </p:style>
+        <p:txBody>
+          <a:bodyPr lIns="36000" tIns="36000" rIns="36000" bIns="36000" rtlCol="0" anchor="ctr"/>
+          <a:lstStyle/>
+          <a:p>
+            <a:pPr algn="ctr"/>
+            <a:r>
+              <a:rPr lang="de-DE">
+                <a:solidFill>
+                  <a:schemeClr val="accent6">
+                    <a:lumMod val="60000"/>
+                    <a:lumOff val="40000"/>
+                  </a:schemeClr>
+                </a:solidFill>
+              </a:rPr>
+              <a:t>dwdbase</a:t>
+            </a:r>
+          </a:p>
+        </p:txBody>
+      </p:sp>
       <p:cxnSp>
         <p:nvCxnSpPr>
-          <p:cNvPr id="101" name="Gerade Verbindung mit Pfeil 63">
+          <p:cNvPr id="452" name="Gerade Verbindung mit Pfeil 231">
             <a:extLst>
               <a:ext uri="{FF2B5EF4-FFF2-40B4-BE49-F238E27FC236}">
-                <a16:creationId xmlns:a16="http://schemas.microsoft.com/office/drawing/2014/main" id="{7B7C728D-183B-4D53-950B-9FA218010A3D}"/>
+                <a16:creationId xmlns:a16="http://schemas.microsoft.com/office/drawing/2014/main" id="{490A0395-6E68-4685-A534-1C95C752B24E}"/>
               </a:ext>
             </a:extLst>
           </p:cNvPr>
           <p:cNvCxnSpPr>
             <a:cxnSpLocks/>
-            <a:stCxn id="58" idx="1"/>
-            <a:endCxn id="48" idx="3"/>
+            <a:stCxn id="451" idx="0"/>
           </p:cNvCxnSpPr>
           <p:nvPr/>
         </p:nvCxnSpPr>
         <p:spPr>
-          <a:xfrm flipH="1">
-            <a:off x="4542309" y="4167602"/>
-            <a:ext cx="726231" cy="473937"/>
+          <a:xfrm flipV="1">
+            <a:off x="5058056" y="1533898"/>
+            <a:ext cx="0" cy="173926"/>
           </a:xfrm>
           <a:prstGeom prst="straightConnector1">
             <a:avLst/>
@@ -5704,6 +6051,1353 @@
           </a:fontRef>
         </p:style>
       </p:cxnSp>
+      <p:sp>
+        <p:nvSpPr>
+          <p:cNvPr id="453" name="Abgerundetes Rechteck 203">
+            <a:extLst>
+              <a:ext uri="{FF2B5EF4-FFF2-40B4-BE49-F238E27FC236}">
+                <a16:creationId xmlns:a16="http://schemas.microsoft.com/office/drawing/2014/main" id="{2790918A-C0A9-4DB6-80F1-81390F7DD952}"/>
+              </a:ext>
+            </a:extLst>
+          </p:cNvPr>
+          <p:cNvSpPr/>
+          <p:nvPr/>
+        </p:nvSpPr>
+        <p:spPr>
+          <a:xfrm>
+            <a:off x="711953" y="7574538"/>
+            <a:ext cx="1829166" cy="396000"/>
+          </a:xfrm>
+          <a:prstGeom prst="roundRect">
+            <a:avLst/>
+          </a:prstGeom>
+          <a:solidFill>
+            <a:schemeClr val="bg2">
+              <a:alpha val="91000"/>
+            </a:schemeClr>
+          </a:solidFill>
+          <a:ln>
+            <a:noFill/>
+          </a:ln>
+        </p:spPr>
+        <p:style>
+          <a:lnRef idx="2">
+            <a:schemeClr val="accent1">
+              <a:shade val="50000"/>
+            </a:schemeClr>
+          </a:lnRef>
+          <a:fillRef idx="1">
+            <a:schemeClr val="accent1"/>
+          </a:fillRef>
+          <a:effectRef idx="0">
+            <a:schemeClr val="accent1"/>
+          </a:effectRef>
+          <a:fontRef idx="minor">
+            <a:schemeClr val="lt1"/>
+          </a:fontRef>
+        </p:style>
+        <p:txBody>
+          <a:bodyPr lIns="36000" tIns="36000" rIns="36000" bIns="36000" rtlCol="0" anchor="ctr"/>
+          <a:lstStyle/>
+          <a:p>
+            <a:pPr algn="ctr"/>
+            <a:r>
+              <a:rPr lang="de-DE" sz="3200">
+                <a:solidFill>
+                  <a:schemeClr val="accent5"/>
+                </a:solidFill>
+              </a:rPr>
+              <a:t>plotRadar</a:t>
+            </a:r>
+          </a:p>
+        </p:txBody>
+      </p:sp>
+      <p:sp>
+        <p:nvSpPr>
+          <p:cNvPr id="454" name="Abgerundetes Rechteck 229">
+            <a:extLst>
+              <a:ext uri="{FF2B5EF4-FFF2-40B4-BE49-F238E27FC236}">
+                <a16:creationId xmlns:a16="http://schemas.microsoft.com/office/drawing/2014/main" id="{884AAA5E-5E8E-4B47-9A20-C189B025D6CC}"/>
+              </a:ext>
+            </a:extLst>
+          </p:cNvPr>
+          <p:cNvSpPr/>
+          <p:nvPr/>
+        </p:nvSpPr>
+        <p:spPr>
+          <a:xfrm>
+            <a:off x="2917240" y="8187469"/>
+            <a:ext cx="2088000" cy="396000"/>
+          </a:xfrm>
+          <a:prstGeom prst="roundRect">
+            <a:avLst/>
+          </a:prstGeom>
+          <a:solidFill>
+            <a:schemeClr val="bg2">
+              <a:alpha val="91000"/>
+            </a:schemeClr>
+          </a:solidFill>
+          <a:ln>
+            <a:noFill/>
+          </a:ln>
+        </p:spPr>
+        <p:style>
+          <a:lnRef idx="2">
+            <a:schemeClr val="accent1">
+              <a:shade val="50000"/>
+            </a:schemeClr>
+          </a:lnRef>
+          <a:fillRef idx="1">
+            <a:schemeClr val="accent1"/>
+          </a:fillRef>
+          <a:effectRef idx="0">
+            <a:schemeClr val="accent1"/>
+          </a:effectRef>
+          <a:fontRef idx="minor">
+            <a:schemeClr val="lt1"/>
+          </a:fontRef>
+        </p:style>
+        <p:txBody>
+          <a:bodyPr lIns="36000" tIns="36000" rIns="36000" bIns="36000" rtlCol="0" anchor="ctr"/>
+          <a:lstStyle/>
+          <a:p>
+            <a:pPr algn="ctr"/>
+            <a:r>
+              <a:rPr lang="de-DE">
+                <a:solidFill>
+                  <a:schemeClr val="accent2"/>
+                </a:solidFill>
+              </a:rPr>
+              <a:t>projectRasterDWD</a:t>
+            </a:r>
+          </a:p>
+        </p:txBody>
+      </p:sp>
+      <p:sp>
+        <p:nvSpPr>
+          <p:cNvPr id="455" name="Abgerundetes Rechteck 229">
+            <a:extLst>
+              <a:ext uri="{FF2B5EF4-FFF2-40B4-BE49-F238E27FC236}">
+                <a16:creationId xmlns:a16="http://schemas.microsoft.com/office/drawing/2014/main" id="{51858506-AEDF-4780-992C-99A04369BA7A}"/>
+              </a:ext>
+            </a:extLst>
+          </p:cNvPr>
+          <p:cNvSpPr/>
+          <p:nvPr/>
+        </p:nvSpPr>
+        <p:spPr>
+          <a:xfrm>
+            <a:off x="953980" y="8184506"/>
+            <a:ext cx="1345113" cy="396000"/>
+          </a:xfrm>
+          <a:prstGeom prst="roundRect">
+            <a:avLst/>
+          </a:prstGeom>
+          <a:solidFill>
+            <a:schemeClr val="bg2">
+              <a:alpha val="91000"/>
+            </a:schemeClr>
+          </a:solidFill>
+          <a:ln>
+            <a:noFill/>
+          </a:ln>
+        </p:spPr>
+        <p:style>
+          <a:lnRef idx="2">
+            <a:schemeClr val="accent1">
+              <a:shade val="50000"/>
+            </a:schemeClr>
+          </a:lnRef>
+          <a:fillRef idx="1">
+            <a:schemeClr val="accent1"/>
+          </a:fillRef>
+          <a:effectRef idx="0">
+            <a:schemeClr val="accent1"/>
+          </a:effectRef>
+          <a:fontRef idx="minor">
+            <a:schemeClr val="lt1"/>
+          </a:fontRef>
+        </p:style>
+        <p:txBody>
+          <a:bodyPr lIns="36000" tIns="36000" rIns="36000" bIns="36000" rtlCol="0" anchor="ctr"/>
+          <a:lstStyle/>
+          <a:p>
+            <a:pPr algn="ctr"/>
+            <a:r>
+              <a:rPr lang="de-DE">
+                <a:solidFill>
+                  <a:schemeClr val="accent2"/>
+                </a:solidFill>
+              </a:rPr>
+              <a:t>addBorders</a:t>
+            </a:r>
+          </a:p>
+        </p:txBody>
+      </p:sp>
+      <p:cxnSp>
+        <p:nvCxnSpPr>
+          <p:cNvPr id="456" name="Gerade Verbindung mit Pfeil 223">
+            <a:extLst>
+              <a:ext uri="{FF2B5EF4-FFF2-40B4-BE49-F238E27FC236}">
+                <a16:creationId xmlns:a16="http://schemas.microsoft.com/office/drawing/2014/main" id="{A07E4291-9CB7-45A3-B80C-7EC3BE4B4100}"/>
+              </a:ext>
+            </a:extLst>
+          </p:cNvPr>
+          <p:cNvCxnSpPr>
+            <a:cxnSpLocks/>
+            <a:stCxn id="454" idx="1"/>
+            <a:endCxn id="453" idx="2"/>
+          </p:cNvCxnSpPr>
+          <p:nvPr/>
+        </p:nvCxnSpPr>
+        <p:spPr>
+          <a:xfrm flipH="1" flipV="1">
+            <a:off x="1626536" y="7970538"/>
+            <a:ext cx="1290704" cy="414931"/>
+          </a:xfrm>
+          <a:prstGeom prst="straightConnector1">
+            <a:avLst/>
+          </a:prstGeom>
+          <a:ln>
+            <a:solidFill>
+              <a:schemeClr val="bg1">
+                <a:lumMod val="50000"/>
+              </a:schemeClr>
+            </a:solidFill>
+            <a:tailEnd type="triangle"/>
+          </a:ln>
+        </p:spPr>
+        <p:style>
+          <a:lnRef idx="1">
+            <a:schemeClr val="accent2"/>
+          </a:lnRef>
+          <a:fillRef idx="0">
+            <a:schemeClr val="accent2"/>
+          </a:fillRef>
+          <a:effectRef idx="0">
+            <a:schemeClr val="accent2"/>
+          </a:effectRef>
+          <a:fontRef idx="minor">
+            <a:schemeClr val="tx1"/>
+          </a:fontRef>
+        </p:style>
+      </p:cxnSp>
+      <p:cxnSp>
+        <p:nvCxnSpPr>
+          <p:cNvPr id="457" name="Gerade Verbindung mit Pfeil 223">
+            <a:extLst>
+              <a:ext uri="{FF2B5EF4-FFF2-40B4-BE49-F238E27FC236}">
+                <a16:creationId xmlns:a16="http://schemas.microsoft.com/office/drawing/2014/main" id="{75672D49-D1A9-4816-9CC0-0E30B80E12F6}"/>
+              </a:ext>
+            </a:extLst>
+          </p:cNvPr>
+          <p:cNvCxnSpPr>
+            <a:cxnSpLocks/>
+            <a:stCxn id="455" idx="0"/>
+            <a:endCxn id="453" idx="2"/>
+          </p:cNvCxnSpPr>
+          <p:nvPr/>
+        </p:nvCxnSpPr>
+        <p:spPr>
+          <a:xfrm flipH="1" flipV="1">
+            <a:off x="1626536" y="7970538"/>
+            <a:ext cx="1" cy="213968"/>
+          </a:xfrm>
+          <a:prstGeom prst="straightConnector1">
+            <a:avLst/>
+          </a:prstGeom>
+          <a:ln>
+            <a:solidFill>
+              <a:schemeClr val="bg1">
+                <a:lumMod val="50000"/>
+              </a:schemeClr>
+            </a:solidFill>
+            <a:tailEnd type="triangle"/>
+          </a:ln>
+        </p:spPr>
+        <p:style>
+          <a:lnRef idx="1">
+            <a:schemeClr val="accent2"/>
+          </a:lnRef>
+          <a:fillRef idx="0">
+            <a:schemeClr val="accent2"/>
+          </a:fillRef>
+          <a:effectRef idx="0">
+            <a:schemeClr val="accent2"/>
+          </a:effectRef>
+          <a:fontRef idx="minor">
+            <a:schemeClr val="tx1"/>
+          </a:fontRef>
+        </p:style>
+      </p:cxnSp>
+      <p:sp>
+        <p:nvSpPr>
+          <p:cNvPr id="458" name="Rechteck 215">
+            <a:extLst>
+              <a:ext uri="{FF2B5EF4-FFF2-40B4-BE49-F238E27FC236}">
+                <a16:creationId xmlns:a16="http://schemas.microsoft.com/office/drawing/2014/main" id="{FC682130-B493-4CA3-A677-72F1C5854C75}"/>
+              </a:ext>
+            </a:extLst>
+          </p:cNvPr>
+          <p:cNvSpPr/>
+          <p:nvPr/>
+        </p:nvSpPr>
+        <p:spPr>
+          <a:xfrm>
+            <a:off x="2926133" y="7451306"/>
+            <a:ext cx="4872482" cy="646331"/>
+          </a:xfrm>
+          <a:prstGeom prst="rect">
+            <a:avLst/>
+          </a:prstGeom>
+          <a:solidFill>
+            <a:schemeClr val="bg1"/>
+          </a:solidFill>
+          <a:ln>
+            <a:solidFill>
+              <a:schemeClr val="bg1">
+                <a:lumMod val="50000"/>
+              </a:schemeClr>
+            </a:solidFill>
+          </a:ln>
+        </p:spPr>
+        <p:txBody>
+          <a:bodyPr wrap="square">
+            <a:spAutoFit/>
+          </a:bodyPr>
+          <a:lstStyle/>
+          <a:p>
+            <a:r>
+              <a:rPr lang="de-DE" b="1"/>
+              <a:t>x</a:t>
+            </a:r>
+            <a:r>
+              <a:rPr lang="de-DE"/>
+              <a:t>, </a:t>
+            </a:r>
+            <a:r>
+              <a:rPr lang="de-DE" b="1"/>
+              <a:t>layer</a:t>
+            </a:r>
+            <a:r>
+              <a:rPr lang="de-DE"/>
+              <a:t>, main, land, sea, de, eu, </a:t>
+            </a:r>
+            <a:r>
+              <a:rPr lang="de-DE" b="1"/>
+              <a:t>col</a:t>
+            </a:r>
+            <a:r>
+              <a:rPr lang="de-DE"/>
+              <a:t>, </a:t>
+            </a:r>
+          </a:p>
+          <a:p>
+            <a:r>
+              <a:rPr lang="de-DE"/>
+              <a:t>xlim, ylim, zlim, axes?, las, mar, keeppar?, project?</a:t>
+            </a:r>
+          </a:p>
+        </p:txBody>
+      </p:sp>
+      <p:sp>
+        <p:nvSpPr>
+          <p:cNvPr id="459" name="Rechteck 215">
+            <a:extLst>
+              <a:ext uri="{FF2B5EF4-FFF2-40B4-BE49-F238E27FC236}">
+                <a16:creationId xmlns:a16="http://schemas.microsoft.com/office/drawing/2014/main" id="{10ED2CDB-665E-4AEA-B2DC-46DBDB457DF3}"/>
+              </a:ext>
+            </a:extLst>
+          </p:cNvPr>
+          <p:cNvSpPr/>
+          <p:nvPr/>
+        </p:nvSpPr>
+        <p:spPr>
+          <a:xfrm>
+            <a:off x="5496353" y="8203122"/>
+            <a:ext cx="2309253" cy="369332"/>
+          </a:xfrm>
+          <a:prstGeom prst="rect">
+            <a:avLst/>
+          </a:prstGeom>
+          <a:solidFill>
+            <a:schemeClr val="bg1"/>
+          </a:solidFill>
+          <a:ln>
+            <a:solidFill>
+              <a:schemeClr val="bg1">
+                <a:lumMod val="50000"/>
+              </a:schemeClr>
+            </a:solidFill>
+          </a:ln>
+        </p:spPr>
+        <p:txBody>
+          <a:bodyPr wrap="square">
+            <a:spAutoFit/>
+          </a:bodyPr>
+          <a:lstStyle/>
+          <a:p>
+            <a:r>
+              <a:rPr lang="de-DE"/>
+              <a:t>proj, extent, targetproj</a:t>
+            </a:r>
+          </a:p>
+        </p:txBody>
+      </p:sp>
+      <p:cxnSp>
+        <p:nvCxnSpPr>
+          <p:cNvPr id="460" name="Gerade Verbindung mit Pfeil 228">
+            <a:extLst>
+              <a:ext uri="{FF2B5EF4-FFF2-40B4-BE49-F238E27FC236}">
+                <a16:creationId xmlns:a16="http://schemas.microsoft.com/office/drawing/2014/main" id="{E9153FFC-5E74-4CBA-A52D-5FF75EA38785}"/>
+              </a:ext>
+            </a:extLst>
+          </p:cNvPr>
+          <p:cNvCxnSpPr>
+            <a:cxnSpLocks/>
+            <a:stCxn id="459" idx="1"/>
+            <a:endCxn id="454" idx="3"/>
+          </p:cNvCxnSpPr>
+          <p:nvPr/>
+        </p:nvCxnSpPr>
+        <p:spPr>
+          <a:xfrm flipH="1" flipV="1">
+            <a:off x="5005240" y="8385469"/>
+            <a:ext cx="491113" cy="2319"/>
+          </a:xfrm>
+          <a:prstGeom prst="straightConnector1">
+            <a:avLst/>
+          </a:prstGeom>
+          <a:ln>
+            <a:solidFill>
+              <a:schemeClr val="bg1">
+                <a:lumMod val="50000"/>
+              </a:schemeClr>
+            </a:solidFill>
+            <a:tailEnd type="triangle"/>
+          </a:ln>
+        </p:spPr>
+        <p:style>
+          <a:lnRef idx="1">
+            <a:schemeClr val="accent2"/>
+          </a:lnRef>
+          <a:fillRef idx="0">
+            <a:schemeClr val="accent2"/>
+          </a:fillRef>
+          <a:effectRef idx="0">
+            <a:schemeClr val="accent2"/>
+          </a:effectRef>
+          <a:fontRef idx="minor">
+            <a:schemeClr val="tx1"/>
+          </a:fontRef>
+        </p:style>
+      </p:cxnSp>
+      <p:cxnSp>
+        <p:nvCxnSpPr>
+          <p:cNvPr id="461" name="Gerade Verbindung mit Pfeil 231">
+            <a:extLst>
+              <a:ext uri="{FF2B5EF4-FFF2-40B4-BE49-F238E27FC236}">
+                <a16:creationId xmlns:a16="http://schemas.microsoft.com/office/drawing/2014/main" id="{2D9ACB6F-149A-49B2-9ADA-01D9AF78496A}"/>
+              </a:ext>
+            </a:extLst>
+          </p:cNvPr>
+          <p:cNvCxnSpPr>
+            <a:cxnSpLocks/>
+            <a:stCxn id="458" idx="1"/>
+            <a:endCxn id="453" idx="3"/>
+          </p:cNvCxnSpPr>
+          <p:nvPr/>
+        </p:nvCxnSpPr>
+        <p:spPr>
+          <a:xfrm flipH="1" flipV="1">
+            <a:off x="2541119" y="7772538"/>
+            <a:ext cx="385014" cy="1934"/>
+          </a:xfrm>
+          <a:prstGeom prst="straightConnector1">
+            <a:avLst/>
+          </a:prstGeom>
+          <a:ln>
+            <a:solidFill>
+              <a:schemeClr val="bg1">
+                <a:lumMod val="50000"/>
+              </a:schemeClr>
+            </a:solidFill>
+            <a:tailEnd type="triangle"/>
+          </a:ln>
+        </p:spPr>
+        <p:style>
+          <a:lnRef idx="1">
+            <a:schemeClr val="accent1"/>
+          </a:lnRef>
+          <a:fillRef idx="0">
+            <a:schemeClr val="accent1"/>
+          </a:fillRef>
+          <a:effectRef idx="0">
+            <a:schemeClr val="accent1"/>
+          </a:effectRef>
+          <a:fontRef idx="minor">
+            <a:schemeClr val="tx1"/>
+          </a:fontRef>
+        </p:style>
+      </p:cxnSp>
+      <p:sp>
+        <p:nvSpPr>
+          <p:cNvPr id="462" name="Abgerundetes Rechteck 219">
+            <a:extLst>
+              <a:ext uri="{FF2B5EF4-FFF2-40B4-BE49-F238E27FC236}">
+                <a16:creationId xmlns:a16="http://schemas.microsoft.com/office/drawing/2014/main" id="{D4DB3E51-A4B9-4AE3-B2B3-5EB34F3E20BB}"/>
+              </a:ext>
+            </a:extLst>
+          </p:cNvPr>
+          <p:cNvSpPr/>
+          <p:nvPr/>
+        </p:nvSpPr>
+        <p:spPr>
+          <a:xfrm>
+            <a:off x="2689588" y="6879587"/>
+            <a:ext cx="920311" cy="396000"/>
+          </a:xfrm>
+          <a:prstGeom prst="roundRect">
+            <a:avLst/>
+          </a:prstGeom>
+          <a:solidFill>
+            <a:schemeClr val="bg2">
+              <a:alpha val="91000"/>
+            </a:schemeClr>
+          </a:solidFill>
+          <a:ln>
+            <a:noFill/>
+          </a:ln>
+        </p:spPr>
+        <p:style>
+          <a:lnRef idx="2">
+            <a:schemeClr val="accent1">
+              <a:shade val="50000"/>
+            </a:schemeClr>
+          </a:lnRef>
+          <a:fillRef idx="1">
+            <a:schemeClr val="accent1"/>
+          </a:fillRef>
+          <a:effectRef idx="0">
+            <a:schemeClr val="accent1"/>
+          </a:effectRef>
+          <a:fontRef idx="minor">
+            <a:schemeClr val="lt1"/>
+          </a:fontRef>
+        </p:style>
+        <p:txBody>
+          <a:bodyPr lIns="36000" tIns="36000" rIns="36000" bIns="36000" rtlCol="0" anchor="ctr"/>
+          <a:lstStyle/>
+          <a:p>
+            <a:pPr algn="ctr"/>
+            <a:r>
+              <a:rPr lang="de-DE">
+                <a:solidFill>
+                  <a:schemeClr val="accent2"/>
+                </a:solidFill>
+              </a:rPr>
+              <a:t>fileType</a:t>
+            </a:r>
+          </a:p>
+        </p:txBody>
+      </p:sp>
+      <p:cxnSp>
+        <p:nvCxnSpPr>
+          <p:cNvPr id="463" name="Gerade Verbindung mit Pfeil 60">
+            <a:extLst>
+              <a:ext uri="{FF2B5EF4-FFF2-40B4-BE49-F238E27FC236}">
+                <a16:creationId xmlns:a16="http://schemas.microsoft.com/office/drawing/2014/main" id="{DC8503C8-A14F-408B-808E-E71BB77D81E4}"/>
+              </a:ext>
+            </a:extLst>
+          </p:cNvPr>
+          <p:cNvCxnSpPr>
+            <a:cxnSpLocks/>
+            <a:stCxn id="462" idx="0"/>
+          </p:cNvCxnSpPr>
+          <p:nvPr/>
+        </p:nvCxnSpPr>
+        <p:spPr>
+          <a:xfrm flipV="1">
+            <a:off x="3149744" y="6724706"/>
+            <a:ext cx="0" cy="154882"/>
+          </a:xfrm>
+          <a:prstGeom prst="straightConnector1">
+            <a:avLst/>
+          </a:prstGeom>
+          <a:ln>
+            <a:solidFill>
+              <a:schemeClr val="bg1">
+                <a:lumMod val="50000"/>
+              </a:schemeClr>
+            </a:solidFill>
+            <a:tailEnd type="triangle"/>
+          </a:ln>
+        </p:spPr>
+        <p:style>
+          <a:lnRef idx="1">
+            <a:schemeClr val="accent1"/>
+          </a:lnRef>
+          <a:fillRef idx="0">
+            <a:schemeClr val="accent1"/>
+          </a:fillRef>
+          <a:effectRef idx="0">
+            <a:schemeClr val="accent1"/>
+          </a:effectRef>
+          <a:fontRef idx="minor">
+            <a:schemeClr val="tx1"/>
+          </a:fontRef>
+        </p:style>
+      </p:cxnSp>
+      <p:sp>
+        <p:nvSpPr>
+          <p:cNvPr id="464" name="Abgerundetes Rechteck 237">
+            <a:extLst>
+              <a:ext uri="{FF2B5EF4-FFF2-40B4-BE49-F238E27FC236}">
+                <a16:creationId xmlns:a16="http://schemas.microsoft.com/office/drawing/2014/main" id="{4745DC6C-2E2D-46CB-971C-E0FCB9F0C15E}"/>
+              </a:ext>
+            </a:extLst>
+          </p:cNvPr>
+          <p:cNvSpPr/>
+          <p:nvPr/>
+        </p:nvSpPr>
+        <p:spPr>
+          <a:xfrm>
+            <a:off x="2330243" y="4471088"/>
+            <a:ext cx="1233859" cy="375605"/>
+          </a:xfrm>
+          <a:prstGeom prst="roundRect">
+            <a:avLst/>
+          </a:prstGeom>
+          <a:solidFill>
+            <a:schemeClr val="bg2">
+              <a:alpha val="91000"/>
+            </a:schemeClr>
+          </a:solidFill>
+          <a:ln>
+            <a:noFill/>
+          </a:ln>
+        </p:spPr>
+        <p:style>
+          <a:lnRef idx="2">
+            <a:schemeClr val="accent1">
+              <a:shade val="50000"/>
+            </a:schemeClr>
+          </a:lnRef>
+          <a:fillRef idx="1">
+            <a:schemeClr val="accent1"/>
+          </a:fillRef>
+          <a:effectRef idx="0">
+            <a:schemeClr val="accent1"/>
+          </a:effectRef>
+          <a:fontRef idx="minor">
+            <a:schemeClr val="lt1"/>
+          </a:fontRef>
+        </p:style>
+        <p:txBody>
+          <a:bodyPr lIns="36000" tIns="36000" rIns="36000" bIns="36000" rtlCol="0" anchor="ctr"/>
+          <a:lstStyle/>
+          <a:p>
+            <a:pPr algn="ctr"/>
+            <a:r>
+              <a:rPr lang="de-DE">
+                <a:solidFill>
+                  <a:schemeClr val="accent6">
+                    <a:lumMod val="60000"/>
+                    <a:lumOff val="40000"/>
+                  </a:schemeClr>
+                </a:solidFill>
+              </a:rPr>
+              <a:t>gridbase</a:t>
+            </a:r>
+          </a:p>
+        </p:txBody>
+      </p:sp>
+      <p:sp>
+        <p:nvSpPr>
+          <p:cNvPr id="465" name="Abgerundetes Rechteck 237">
+            <a:extLst>
+              <a:ext uri="{FF2B5EF4-FFF2-40B4-BE49-F238E27FC236}">
+                <a16:creationId xmlns:a16="http://schemas.microsoft.com/office/drawing/2014/main" id="{B4EC7950-F08D-4DDB-8F68-3140DC935835}"/>
+              </a:ext>
+            </a:extLst>
+          </p:cNvPr>
+          <p:cNvSpPr/>
+          <p:nvPr/>
+        </p:nvSpPr>
+        <p:spPr>
+          <a:xfrm>
+            <a:off x="2628151" y="2434162"/>
+            <a:ext cx="1695962" cy="396000"/>
+          </a:xfrm>
+          <a:prstGeom prst="roundRect">
+            <a:avLst/>
+          </a:prstGeom>
+          <a:solidFill>
+            <a:schemeClr val="accent4">
+              <a:lumMod val="20000"/>
+              <a:lumOff val="80000"/>
+              <a:alpha val="91000"/>
+            </a:schemeClr>
+          </a:solidFill>
+          <a:ln>
+            <a:noFill/>
+          </a:ln>
+        </p:spPr>
+        <p:style>
+          <a:lnRef idx="2">
+            <a:schemeClr val="accent1">
+              <a:shade val="50000"/>
+            </a:schemeClr>
+          </a:lnRef>
+          <a:fillRef idx="1">
+            <a:schemeClr val="accent1"/>
+          </a:fillRef>
+          <a:effectRef idx="0">
+            <a:schemeClr val="accent1"/>
+          </a:effectRef>
+          <a:fontRef idx="minor">
+            <a:schemeClr val="lt1"/>
+          </a:fontRef>
+        </p:style>
+        <p:txBody>
+          <a:bodyPr lIns="36000" tIns="36000" rIns="36000" bIns="36000" rtlCol="0" anchor="ctr"/>
+          <a:lstStyle/>
+          <a:p>
+            <a:pPr algn="ctr"/>
+            <a:r>
+              <a:rPr lang="de-DE">
+                <a:solidFill>
+                  <a:schemeClr val="accent6">
+                    <a:lumMod val="60000"/>
+                    <a:lumOff val="40000"/>
+                  </a:schemeClr>
+                </a:solidFill>
+              </a:rPr>
+              <a:t>interactive map</a:t>
+            </a:r>
+          </a:p>
+        </p:txBody>
+      </p:sp>
+      <p:cxnSp>
+        <p:nvCxnSpPr>
+          <p:cNvPr id="466" name="Gerade Verbindung mit Pfeil 213">
+            <a:extLst>
+              <a:ext uri="{FF2B5EF4-FFF2-40B4-BE49-F238E27FC236}">
+                <a16:creationId xmlns:a16="http://schemas.microsoft.com/office/drawing/2014/main" id="{B6962902-FBAD-4057-8635-D1E8113E482F}"/>
+              </a:ext>
+            </a:extLst>
+          </p:cNvPr>
+          <p:cNvCxnSpPr>
+            <a:cxnSpLocks/>
+            <a:stCxn id="405" idx="1"/>
+            <a:endCxn id="421" idx="3"/>
+          </p:cNvCxnSpPr>
+          <p:nvPr/>
+        </p:nvCxnSpPr>
+        <p:spPr>
+          <a:xfrm flipH="1">
+            <a:off x="5789127" y="3092783"/>
+            <a:ext cx="336651" cy="2228"/>
+          </a:xfrm>
+          <a:prstGeom prst="straightConnector1">
+            <a:avLst/>
+          </a:prstGeom>
+          <a:ln>
+            <a:solidFill>
+              <a:schemeClr val="bg1">
+                <a:lumMod val="50000"/>
+              </a:schemeClr>
+            </a:solidFill>
+            <a:tailEnd type="triangle"/>
+          </a:ln>
+        </p:spPr>
+        <p:style>
+          <a:lnRef idx="1">
+            <a:schemeClr val="accent2"/>
+          </a:lnRef>
+          <a:fillRef idx="0">
+            <a:schemeClr val="accent2"/>
+          </a:fillRef>
+          <a:effectRef idx="0">
+            <a:schemeClr val="accent2"/>
+          </a:effectRef>
+          <a:fontRef idx="minor">
+            <a:schemeClr val="tx1"/>
+          </a:fontRef>
+        </p:style>
+      </p:cxnSp>
+      <p:cxnSp>
+        <p:nvCxnSpPr>
+          <p:cNvPr id="467" name="Gerade Verbindung mit Pfeil 228">
+            <a:extLst>
+              <a:ext uri="{FF2B5EF4-FFF2-40B4-BE49-F238E27FC236}">
+                <a16:creationId xmlns:a16="http://schemas.microsoft.com/office/drawing/2014/main" id="{9B1F9639-F5A7-43FA-9C02-CF520A9FA0D8}"/>
+              </a:ext>
+            </a:extLst>
+          </p:cNvPr>
+          <p:cNvCxnSpPr>
+            <a:cxnSpLocks/>
+            <a:stCxn id="445" idx="1"/>
+            <a:endCxn id="465" idx="3"/>
+          </p:cNvCxnSpPr>
+          <p:nvPr/>
+        </p:nvCxnSpPr>
+        <p:spPr>
+          <a:xfrm flipH="1">
+            <a:off x="4324113" y="2627540"/>
+            <a:ext cx="281542" cy="4623"/>
+          </a:xfrm>
+          <a:prstGeom prst="straightConnector1">
+            <a:avLst/>
+          </a:prstGeom>
+          <a:ln>
+            <a:solidFill>
+              <a:schemeClr val="bg1">
+                <a:lumMod val="50000"/>
+              </a:schemeClr>
+            </a:solidFill>
+            <a:tailEnd type="triangle"/>
+          </a:ln>
+        </p:spPr>
+        <p:style>
+          <a:lnRef idx="1">
+            <a:schemeClr val="accent2"/>
+          </a:lnRef>
+          <a:fillRef idx="0">
+            <a:schemeClr val="accent2"/>
+          </a:fillRef>
+          <a:effectRef idx="0">
+            <a:schemeClr val="accent2"/>
+          </a:effectRef>
+          <a:fontRef idx="minor">
+            <a:schemeClr val="tx1"/>
+          </a:fontRef>
+        </p:style>
+      </p:cxnSp>
+      <p:sp>
+        <p:nvSpPr>
+          <p:cNvPr id="468" name="Abgerundetes Rechteck 237">
+            <a:extLst>
+              <a:ext uri="{FF2B5EF4-FFF2-40B4-BE49-F238E27FC236}">
+                <a16:creationId xmlns:a16="http://schemas.microsoft.com/office/drawing/2014/main" id="{C6DBDE38-FBC6-4586-982E-CB22ADC442BB}"/>
+              </a:ext>
+            </a:extLst>
+          </p:cNvPr>
+          <p:cNvSpPr/>
+          <p:nvPr/>
+        </p:nvSpPr>
+        <p:spPr>
+          <a:xfrm>
+            <a:off x="2628149" y="1974319"/>
+            <a:ext cx="1695962" cy="396000"/>
+          </a:xfrm>
+          <a:prstGeom prst="roundRect">
+            <a:avLst/>
+          </a:prstGeom>
+          <a:solidFill>
+            <a:schemeClr val="accent4">
+              <a:lumMod val="20000"/>
+              <a:lumOff val="80000"/>
+              <a:alpha val="91000"/>
+            </a:schemeClr>
+          </a:solidFill>
+          <a:ln>
+            <a:noFill/>
+          </a:ln>
+        </p:spPr>
+        <p:style>
+          <a:lnRef idx="2">
+            <a:schemeClr val="accent1">
+              <a:shade val="50000"/>
+            </a:schemeClr>
+          </a:lnRef>
+          <a:fillRef idx="1">
+            <a:schemeClr val="accent1"/>
+          </a:fillRef>
+          <a:effectRef idx="0">
+            <a:schemeClr val="accent1"/>
+          </a:effectRef>
+          <a:fontRef idx="minor">
+            <a:schemeClr val="lt1"/>
+          </a:fontRef>
+        </p:style>
+        <p:txBody>
+          <a:bodyPr lIns="36000" tIns="36000" rIns="36000" bIns="36000" rtlCol="0" anchor="ctr"/>
+          <a:lstStyle/>
+          <a:p>
+            <a:pPr algn="ctr"/>
+            <a:r>
+              <a:rPr lang="de-DE">
+                <a:solidFill>
+                  <a:schemeClr val="accent6">
+                    <a:lumMod val="60000"/>
+                    <a:lumOff val="40000"/>
+                  </a:schemeClr>
+                </a:solidFill>
+              </a:rPr>
+              <a:t>available files</a:t>
+            </a:r>
+          </a:p>
+        </p:txBody>
+      </p:sp>
+      <p:cxnSp>
+        <p:nvCxnSpPr>
+          <p:cNvPr id="469" name="Gerade Verbindung mit Pfeil 228">
+            <a:extLst>
+              <a:ext uri="{FF2B5EF4-FFF2-40B4-BE49-F238E27FC236}">
+                <a16:creationId xmlns:a16="http://schemas.microsoft.com/office/drawing/2014/main" id="{69D344D6-5DCA-4CC8-BA7B-BC31EC00A41B}"/>
+              </a:ext>
+            </a:extLst>
+          </p:cNvPr>
+          <p:cNvCxnSpPr>
+            <a:cxnSpLocks/>
+            <a:stCxn id="404" idx="1"/>
+            <a:endCxn id="468" idx="3"/>
+          </p:cNvCxnSpPr>
+          <p:nvPr/>
+        </p:nvCxnSpPr>
+        <p:spPr>
+          <a:xfrm flipH="1">
+            <a:off x="4324111" y="2168046"/>
+            <a:ext cx="1801667" cy="4273"/>
+          </a:xfrm>
+          <a:prstGeom prst="straightConnector1">
+            <a:avLst/>
+          </a:prstGeom>
+          <a:ln>
+            <a:solidFill>
+              <a:schemeClr val="bg1">
+                <a:lumMod val="50000"/>
+              </a:schemeClr>
+            </a:solidFill>
+            <a:tailEnd type="triangle"/>
+          </a:ln>
+        </p:spPr>
+        <p:style>
+          <a:lnRef idx="1">
+            <a:schemeClr val="accent2"/>
+          </a:lnRef>
+          <a:fillRef idx="0">
+            <a:schemeClr val="accent2"/>
+          </a:fillRef>
+          <a:effectRef idx="0">
+            <a:schemeClr val="accent2"/>
+          </a:effectRef>
+          <a:fontRef idx="minor">
+            <a:schemeClr val="tx1"/>
+          </a:fontRef>
+        </p:style>
+      </p:cxnSp>
+      <p:cxnSp>
+        <p:nvCxnSpPr>
+          <p:cNvPr id="470" name="Gerade Verbindung mit Pfeil 214">
+            <a:extLst>
+              <a:ext uri="{FF2B5EF4-FFF2-40B4-BE49-F238E27FC236}">
+                <a16:creationId xmlns:a16="http://schemas.microsoft.com/office/drawing/2014/main" id="{9CDC382E-B061-411E-BEE9-CA30EE8B3CBD}"/>
+              </a:ext>
+            </a:extLst>
+          </p:cNvPr>
+          <p:cNvCxnSpPr>
+            <a:cxnSpLocks/>
+            <a:stCxn id="402" idx="2"/>
+          </p:cNvCxnSpPr>
+          <p:nvPr/>
+        </p:nvCxnSpPr>
+        <p:spPr>
+          <a:xfrm flipH="1">
+            <a:off x="1108488" y="6831341"/>
+            <a:ext cx="3618" cy="154882"/>
+          </a:xfrm>
+          <a:prstGeom prst="straightConnector1">
+            <a:avLst/>
+          </a:prstGeom>
+          <a:ln>
+            <a:solidFill>
+              <a:schemeClr val="bg1">
+                <a:lumMod val="50000"/>
+              </a:schemeClr>
+            </a:solidFill>
+            <a:tailEnd type="triangle"/>
+          </a:ln>
+        </p:spPr>
+        <p:style>
+          <a:lnRef idx="1">
+            <a:schemeClr val="accent2"/>
+          </a:lnRef>
+          <a:fillRef idx="0">
+            <a:schemeClr val="accent2"/>
+          </a:fillRef>
+          <a:effectRef idx="0">
+            <a:schemeClr val="accent2"/>
+          </a:effectRef>
+          <a:fontRef idx="minor">
+            <a:schemeClr val="tx1"/>
+          </a:fontRef>
+        </p:style>
+      </p:cxnSp>
+      <p:sp>
+        <p:nvSpPr>
+          <p:cNvPr id="471" name="Rechteck 241">
+            <a:extLst>
+              <a:ext uri="{FF2B5EF4-FFF2-40B4-BE49-F238E27FC236}">
+                <a16:creationId xmlns:a16="http://schemas.microsoft.com/office/drawing/2014/main" id="{C0EE2356-C686-411E-9247-C476F541674F}"/>
+              </a:ext>
+            </a:extLst>
+          </p:cNvPr>
+          <p:cNvSpPr/>
+          <p:nvPr/>
+        </p:nvSpPr>
+        <p:spPr>
+          <a:xfrm>
+            <a:off x="111418" y="7039281"/>
+            <a:ext cx="1948034" cy="369332"/>
+          </a:xfrm>
+          <a:prstGeom prst="rect">
+            <a:avLst/>
+          </a:prstGeom>
+          <a:solidFill>
+            <a:schemeClr val="bg1"/>
+          </a:solidFill>
+          <a:ln>
+            <a:solidFill>
+              <a:schemeClr val="bg1">
+                <a:lumMod val="50000"/>
+              </a:schemeClr>
+            </a:solidFill>
+          </a:ln>
+        </p:spPr>
+        <p:txBody>
+          <a:bodyPr wrap="none">
+            <a:spAutoFit/>
+          </a:bodyPr>
+          <a:lstStyle/>
+          <a:p>
+            <a:r>
+              <a:rPr lang="de-DE"/>
+              <a:t>data.frame / raster</a:t>
+            </a:r>
+          </a:p>
+        </p:txBody>
+      </p:sp>
+      <p:cxnSp>
+        <p:nvCxnSpPr>
+          <p:cNvPr id="472" name="Gerade Verbindung mit Pfeil 231">
+            <a:extLst>
+              <a:ext uri="{FF2B5EF4-FFF2-40B4-BE49-F238E27FC236}">
+                <a16:creationId xmlns:a16="http://schemas.microsoft.com/office/drawing/2014/main" id="{50D4540E-73C5-44DC-A315-DF19F8939EE2}"/>
+              </a:ext>
+            </a:extLst>
+          </p:cNvPr>
+          <p:cNvCxnSpPr>
+            <a:cxnSpLocks/>
+            <a:stCxn id="434" idx="2"/>
+            <a:endCxn id="403" idx="0"/>
+          </p:cNvCxnSpPr>
+          <p:nvPr/>
+        </p:nvCxnSpPr>
+        <p:spPr>
+          <a:xfrm flipH="1">
+            <a:off x="1106274" y="4838392"/>
+            <a:ext cx="2215" cy="410082"/>
+          </a:xfrm>
+          <a:prstGeom prst="straightConnector1">
+            <a:avLst/>
+          </a:prstGeom>
+          <a:ln>
+            <a:solidFill>
+              <a:schemeClr val="bg1">
+                <a:lumMod val="50000"/>
+              </a:schemeClr>
+            </a:solidFill>
+            <a:tailEnd type="triangle"/>
+          </a:ln>
+        </p:spPr>
+        <p:style>
+          <a:lnRef idx="1">
+            <a:schemeClr val="accent1"/>
+          </a:lnRef>
+          <a:fillRef idx="0">
+            <a:schemeClr val="accent1"/>
+          </a:fillRef>
+          <a:effectRef idx="0">
+            <a:schemeClr val="accent1"/>
+          </a:effectRef>
+          <a:fontRef idx="minor">
+            <a:schemeClr val="tx1"/>
+          </a:fontRef>
+        </p:style>
+      </p:cxnSp>
+      <p:cxnSp>
+        <p:nvCxnSpPr>
+          <p:cNvPr id="473" name="Gerade Verbindung mit Pfeil 214">
+            <a:extLst>
+              <a:ext uri="{FF2B5EF4-FFF2-40B4-BE49-F238E27FC236}">
+                <a16:creationId xmlns:a16="http://schemas.microsoft.com/office/drawing/2014/main" id="{1666613D-61FE-47D9-8A7F-E98E97BE853F}"/>
+              </a:ext>
+            </a:extLst>
+          </p:cNvPr>
+          <p:cNvCxnSpPr>
+            <a:cxnSpLocks/>
+            <a:stCxn id="446" idx="2"/>
+            <a:endCxn id="402" idx="0"/>
+          </p:cNvCxnSpPr>
+          <p:nvPr/>
+        </p:nvCxnSpPr>
+        <p:spPr>
+          <a:xfrm>
+            <a:off x="1106274" y="6276741"/>
+            <a:ext cx="5834" cy="158600"/>
+          </a:xfrm>
+          <a:prstGeom prst="straightConnector1">
+            <a:avLst/>
+          </a:prstGeom>
+          <a:ln>
+            <a:solidFill>
+              <a:schemeClr val="bg1">
+                <a:lumMod val="50000"/>
+              </a:schemeClr>
+            </a:solidFill>
+            <a:tailEnd type="triangle"/>
+          </a:ln>
+        </p:spPr>
+        <p:style>
+          <a:lnRef idx="1">
+            <a:schemeClr val="accent2"/>
+          </a:lnRef>
+          <a:fillRef idx="0">
+            <a:schemeClr val="accent2"/>
+          </a:fillRef>
+          <a:effectRef idx="0">
+            <a:schemeClr val="accent2"/>
+          </a:effectRef>
+          <a:fontRef idx="minor">
+            <a:schemeClr val="tx1"/>
+          </a:fontRef>
+        </p:style>
+      </p:cxnSp>
+      <p:cxnSp>
+        <p:nvCxnSpPr>
+          <p:cNvPr id="474" name="Gerade Verbindung mit Pfeil 214">
+            <a:extLst>
+              <a:ext uri="{FF2B5EF4-FFF2-40B4-BE49-F238E27FC236}">
+                <a16:creationId xmlns:a16="http://schemas.microsoft.com/office/drawing/2014/main" id="{2F6231AE-B825-4949-AB86-3FFC22B015A1}"/>
+              </a:ext>
+            </a:extLst>
+          </p:cNvPr>
+          <p:cNvCxnSpPr>
+            <a:cxnSpLocks/>
+            <a:endCxn id="453" idx="0"/>
+          </p:cNvCxnSpPr>
+          <p:nvPr/>
+        </p:nvCxnSpPr>
+        <p:spPr>
+          <a:xfrm>
+            <a:off x="1626536" y="7343775"/>
+            <a:ext cx="0" cy="230763"/>
+          </a:xfrm>
+          <a:prstGeom prst="straightConnector1">
+            <a:avLst/>
+          </a:prstGeom>
+          <a:ln>
+            <a:solidFill>
+              <a:schemeClr val="bg1">
+                <a:lumMod val="50000"/>
+              </a:schemeClr>
+            </a:solidFill>
+            <a:tailEnd type="triangle"/>
+          </a:ln>
+        </p:spPr>
+        <p:style>
+          <a:lnRef idx="1">
+            <a:schemeClr val="accent2"/>
+          </a:lnRef>
+          <a:fillRef idx="0">
+            <a:schemeClr val="accent2"/>
+          </a:fillRef>
+          <a:effectRef idx="0">
+            <a:schemeClr val="accent2"/>
+          </a:effectRef>
+          <a:fontRef idx="minor">
+            <a:schemeClr val="tx1"/>
+          </a:fontRef>
+        </p:style>
+      </p:cxnSp>
+      <p:cxnSp>
+        <p:nvCxnSpPr>
+          <p:cNvPr id="475" name="Gerade Verbindung mit Pfeil 63">
+            <a:extLst>
+              <a:ext uri="{FF2B5EF4-FFF2-40B4-BE49-F238E27FC236}">
+                <a16:creationId xmlns:a16="http://schemas.microsoft.com/office/drawing/2014/main" id="{9FCE05A6-AECC-4FF2-8D49-C190C593119E}"/>
+              </a:ext>
+            </a:extLst>
+          </p:cNvPr>
+          <p:cNvCxnSpPr>
+            <a:cxnSpLocks/>
+            <a:stCxn id="464" idx="1"/>
+            <a:endCxn id="434" idx="3"/>
+          </p:cNvCxnSpPr>
+          <p:nvPr/>
+        </p:nvCxnSpPr>
+        <p:spPr>
+          <a:xfrm flipH="1" flipV="1">
+            <a:off x="1449287" y="4653726"/>
+            <a:ext cx="880956" cy="5165"/>
+          </a:xfrm>
+          <a:prstGeom prst="straightConnector1">
+            <a:avLst/>
+          </a:prstGeom>
+          <a:ln>
+            <a:solidFill>
+              <a:schemeClr val="bg1">
+                <a:lumMod val="50000"/>
+              </a:schemeClr>
+            </a:solidFill>
+            <a:tailEnd type="triangle"/>
+          </a:ln>
+        </p:spPr>
+        <p:style>
+          <a:lnRef idx="1">
+            <a:schemeClr val="accent1"/>
+          </a:lnRef>
+          <a:fillRef idx="0">
+            <a:schemeClr val="accent1"/>
+          </a:fillRef>
+          <a:effectRef idx="0">
+            <a:schemeClr val="accent1"/>
+          </a:effectRef>
+          <a:fontRef idx="minor">
+            <a:schemeClr val="tx1"/>
+          </a:fontRef>
+        </p:style>
+      </p:cxnSp>
+      <p:sp>
+        <p:nvSpPr>
+          <p:cNvPr id="476" name="Rectangle 475">
+            <a:extLst>
+              <a:ext uri="{FF2B5EF4-FFF2-40B4-BE49-F238E27FC236}">
+                <a16:creationId xmlns:a16="http://schemas.microsoft.com/office/drawing/2014/main" id="{BB58E245-48F3-4377-9585-7481998A0341}"/>
+              </a:ext>
+            </a:extLst>
+          </p:cNvPr>
+          <p:cNvSpPr/>
+          <p:nvPr/>
+        </p:nvSpPr>
+        <p:spPr>
+          <a:xfrm>
+            <a:off x="3453675" y="5893354"/>
+            <a:ext cx="274434" cy="369332"/>
+          </a:xfrm>
+          <a:prstGeom prst="rect">
+            <a:avLst/>
+          </a:prstGeom>
+        </p:spPr>
+        <p:txBody>
+          <a:bodyPr wrap="none">
+            <a:spAutoFit/>
+          </a:bodyPr>
+          <a:lstStyle/>
+          <a:p>
+            <a:r>
+              <a:rPr lang="de-DE"/>
+              <a:t>/</a:t>
+            </a:r>
+          </a:p>
+        </p:txBody>
+      </p:sp>
+      <p:sp>
+        <p:nvSpPr>
+          <p:cNvPr id="480" name="Abgerundetes Rechteck 229">
+            <a:extLst>
+              <a:ext uri="{FF2B5EF4-FFF2-40B4-BE49-F238E27FC236}">
+                <a16:creationId xmlns:a16="http://schemas.microsoft.com/office/drawing/2014/main" id="{58F5ABDF-3407-464E-B113-28BC49DE75DE}"/>
+              </a:ext>
+            </a:extLst>
+          </p:cNvPr>
+          <p:cNvSpPr/>
+          <p:nvPr/>
+        </p:nvSpPr>
+        <p:spPr>
+          <a:xfrm>
+            <a:off x="8308660" y="7209182"/>
+            <a:ext cx="1468735" cy="1325938"/>
+          </a:xfrm>
+          <a:prstGeom prst="roundRect">
+            <a:avLst/>
+          </a:prstGeom>
+          <a:solidFill>
+            <a:schemeClr val="bg2">
+              <a:alpha val="91000"/>
+            </a:schemeClr>
+          </a:solidFill>
+          <a:ln>
+            <a:noFill/>
+          </a:ln>
+        </p:spPr>
+        <p:style>
+          <a:lnRef idx="2">
+            <a:schemeClr val="accent1">
+              <a:shade val="50000"/>
+            </a:schemeClr>
+          </a:lnRef>
+          <a:fillRef idx="1">
+            <a:schemeClr val="accent1"/>
+          </a:fillRef>
+          <a:effectRef idx="0">
+            <a:schemeClr val="accent1"/>
+          </a:effectRef>
+          <a:fontRef idx="minor">
+            <a:schemeClr val="lt1"/>
+          </a:fontRef>
+        </p:style>
+        <p:txBody>
+          <a:bodyPr lIns="36000" tIns="36000" rIns="36000" bIns="36000" rtlCol="0" anchor="ctr"/>
+          <a:lstStyle/>
+          <a:p>
+            <a:pPr algn="ctr"/>
+            <a:r>
+              <a:rPr lang="de-DE">
+                <a:solidFill>
+                  <a:schemeClr val="accent2"/>
+                </a:solidFill>
+              </a:rPr>
+              <a:t>rdwdquiet</a:t>
+            </a:r>
+          </a:p>
+          <a:p>
+            <a:pPr algn="ctr"/>
+            <a:r>
+              <a:rPr lang="de-DE">
+                <a:solidFill>
+                  <a:schemeClr val="accent2"/>
+                </a:solidFill>
+              </a:rPr>
+              <a:t>localtestdir</a:t>
+            </a:r>
+          </a:p>
+          <a:p>
+            <a:pPr algn="ctr"/>
+            <a:r>
+              <a:rPr lang="de-DE">
+                <a:solidFill>
+                  <a:schemeClr val="accent2"/>
+                </a:solidFill>
+              </a:rPr>
+              <a:t>runLocalTests</a:t>
+            </a:r>
+          </a:p>
+          <a:p>
+            <a:pPr algn="ctr"/>
+            <a:r>
+              <a:rPr lang="de-DE">
+                <a:solidFill>
+                  <a:schemeClr val="accent2"/>
+                </a:solidFill>
+              </a:rPr>
+              <a:t>updateRdwd</a:t>
+            </a:r>
+          </a:p>
+        </p:txBody>
+      </p:sp>
     </p:spTree>
     <p:extLst>
       <p:ext uri="{BB962C8B-B14F-4D97-AF65-F5344CB8AC3E}">

--- a/misc/vign/PackageSchematic.pptx
+++ b/misc/vign/PackageSchematic.pptx
@@ -264,7 +264,7 @@
           <a:p>
             <a:fld id="{300DB245-849F-4AAA-AD3E-676A6FA9CB3B}" type="datetimeFigureOut">
               <a:rPr lang="de-DE" smtClean="0"/>
-              <a:t>30.07.2020</a:t>
+              <a:t>09.06.2021</a:t>
             </a:fld>
             <a:endParaRPr lang="de-DE"/>
           </a:p>
@@ -434,7 +434,7 @@
           <a:p>
             <a:fld id="{300DB245-849F-4AAA-AD3E-676A6FA9CB3B}" type="datetimeFigureOut">
               <a:rPr lang="de-DE" smtClean="0"/>
-              <a:t>30.07.2020</a:t>
+              <a:t>09.06.2021</a:t>
             </a:fld>
             <a:endParaRPr lang="de-DE"/>
           </a:p>
@@ -614,7 +614,7 @@
           <a:p>
             <a:fld id="{300DB245-849F-4AAA-AD3E-676A6FA9CB3B}" type="datetimeFigureOut">
               <a:rPr lang="de-DE" smtClean="0"/>
-              <a:t>30.07.2020</a:t>
+              <a:t>09.06.2021</a:t>
             </a:fld>
             <a:endParaRPr lang="de-DE"/>
           </a:p>
@@ -784,7 +784,7 @@
           <a:p>
             <a:fld id="{300DB245-849F-4AAA-AD3E-676A6FA9CB3B}" type="datetimeFigureOut">
               <a:rPr lang="de-DE" smtClean="0"/>
-              <a:t>30.07.2020</a:t>
+              <a:t>09.06.2021</a:t>
             </a:fld>
             <a:endParaRPr lang="de-DE"/>
           </a:p>
@@ -1028,7 +1028,7 @@
           <a:p>
             <a:fld id="{300DB245-849F-4AAA-AD3E-676A6FA9CB3B}" type="datetimeFigureOut">
               <a:rPr lang="de-DE" smtClean="0"/>
-              <a:t>30.07.2020</a:t>
+              <a:t>09.06.2021</a:t>
             </a:fld>
             <a:endParaRPr lang="de-DE"/>
           </a:p>
@@ -1260,7 +1260,7 @@
           <a:p>
             <a:fld id="{300DB245-849F-4AAA-AD3E-676A6FA9CB3B}" type="datetimeFigureOut">
               <a:rPr lang="de-DE" smtClean="0"/>
-              <a:t>30.07.2020</a:t>
+              <a:t>09.06.2021</a:t>
             </a:fld>
             <a:endParaRPr lang="de-DE"/>
           </a:p>
@@ -1627,7 +1627,7 @@
           <a:p>
             <a:fld id="{300DB245-849F-4AAA-AD3E-676A6FA9CB3B}" type="datetimeFigureOut">
               <a:rPr lang="de-DE" smtClean="0"/>
-              <a:t>30.07.2020</a:t>
+              <a:t>09.06.2021</a:t>
             </a:fld>
             <a:endParaRPr lang="de-DE"/>
           </a:p>
@@ -1745,7 +1745,7 @@
           <a:p>
             <a:fld id="{300DB245-849F-4AAA-AD3E-676A6FA9CB3B}" type="datetimeFigureOut">
               <a:rPr lang="de-DE" smtClean="0"/>
-              <a:t>30.07.2020</a:t>
+              <a:t>09.06.2021</a:t>
             </a:fld>
             <a:endParaRPr lang="de-DE"/>
           </a:p>
@@ -1840,7 +1840,7 @@
           <a:p>
             <a:fld id="{300DB245-849F-4AAA-AD3E-676A6FA9CB3B}" type="datetimeFigureOut">
               <a:rPr lang="de-DE" smtClean="0"/>
-              <a:t>30.07.2020</a:t>
+              <a:t>09.06.2021</a:t>
             </a:fld>
             <a:endParaRPr lang="de-DE"/>
           </a:p>
@@ -2117,7 +2117,7 @@
           <a:p>
             <a:fld id="{300DB245-849F-4AAA-AD3E-676A6FA9CB3B}" type="datetimeFigureOut">
               <a:rPr lang="de-DE" smtClean="0"/>
-              <a:t>30.07.2020</a:t>
+              <a:t>09.06.2021</a:t>
             </a:fld>
             <a:endParaRPr lang="de-DE"/>
           </a:p>
@@ -2374,7 +2374,7 @@
           <a:p>
             <a:fld id="{300DB245-849F-4AAA-AD3E-676A6FA9CB3B}" type="datetimeFigureOut">
               <a:rPr lang="de-DE" smtClean="0"/>
-              <a:t>30.07.2020</a:t>
+              <a:t>09.06.2021</a:t>
             </a:fld>
             <a:endParaRPr lang="de-DE"/>
           </a:p>
@@ -2587,7 +2587,7 @@
           <a:p>
             <a:fld id="{300DB245-849F-4AAA-AD3E-676A6FA9CB3B}" type="datetimeFigureOut">
               <a:rPr lang="de-DE" smtClean="0"/>
-              <a:t>30.07.2020</a:t>
+              <a:t>09.06.2021</a:t>
             </a:fld>
             <a:endParaRPr lang="de-DE"/>
           </a:p>
@@ -5960,7 +5960,7 @@
                   <a:schemeClr val="tx1"/>
                 </a:solidFill>
               </a:rPr>
-              <a:t>localtestdir</a:t>
+              <a:t>locdir</a:t>
             </a:r>
           </a:p>
           <a:p>

--- a/misc/vign/PackageSchematic.pptx
+++ b/misc/vign/PackageSchematic.pptx
@@ -264,7 +264,7 @@
           <a:p>
             <a:fld id="{300DB245-849F-4AAA-AD3E-676A6FA9CB3B}" type="datetimeFigureOut">
               <a:rPr lang="de-DE" smtClean="0"/>
-              <a:t>09.06.2021</a:t>
+              <a:t>27.09.2021</a:t>
             </a:fld>
             <a:endParaRPr lang="de-DE"/>
           </a:p>
@@ -434,7 +434,7 @@
           <a:p>
             <a:fld id="{300DB245-849F-4AAA-AD3E-676A6FA9CB3B}" type="datetimeFigureOut">
               <a:rPr lang="de-DE" smtClean="0"/>
-              <a:t>09.06.2021</a:t>
+              <a:t>27.09.2021</a:t>
             </a:fld>
             <a:endParaRPr lang="de-DE"/>
           </a:p>
@@ -614,7 +614,7 @@
           <a:p>
             <a:fld id="{300DB245-849F-4AAA-AD3E-676A6FA9CB3B}" type="datetimeFigureOut">
               <a:rPr lang="de-DE" smtClean="0"/>
-              <a:t>09.06.2021</a:t>
+              <a:t>27.09.2021</a:t>
             </a:fld>
             <a:endParaRPr lang="de-DE"/>
           </a:p>
@@ -784,7 +784,7 @@
           <a:p>
             <a:fld id="{300DB245-849F-4AAA-AD3E-676A6FA9CB3B}" type="datetimeFigureOut">
               <a:rPr lang="de-DE" smtClean="0"/>
-              <a:t>09.06.2021</a:t>
+              <a:t>27.09.2021</a:t>
             </a:fld>
             <a:endParaRPr lang="de-DE"/>
           </a:p>
@@ -1028,7 +1028,7 @@
           <a:p>
             <a:fld id="{300DB245-849F-4AAA-AD3E-676A6FA9CB3B}" type="datetimeFigureOut">
               <a:rPr lang="de-DE" smtClean="0"/>
-              <a:t>09.06.2021</a:t>
+              <a:t>27.09.2021</a:t>
             </a:fld>
             <a:endParaRPr lang="de-DE"/>
           </a:p>
@@ -1260,7 +1260,7 @@
           <a:p>
             <a:fld id="{300DB245-849F-4AAA-AD3E-676A6FA9CB3B}" type="datetimeFigureOut">
               <a:rPr lang="de-DE" smtClean="0"/>
-              <a:t>09.06.2021</a:t>
+              <a:t>27.09.2021</a:t>
             </a:fld>
             <a:endParaRPr lang="de-DE"/>
           </a:p>
@@ -1627,7 +1627,7 @@
           <a:p>
             <a:fld id="{300DB245-849F-4AAA-AD3E-676A6FA9CB3B}" type="datetimeFigureOut">
               <a:rPr lang="de-DE" smtClean="0"/>
-              <a:t>09.06.2021</a:t>
+              <a:t>27.09.2021</a:t>
             </a:fld>
             <a:endParaRPr lang="de-DE"/>
           </a:p>
@@ -1745,7 +1745,7 @@
           <a:p>
             <a:fld id="{300DB245-849F-4AAA-AD3E-676A6FA9CB3B}" type="datetimeFigureOut">
               <a:rPr lang="de-DE" smtClean="0"/>
-              <a:t>09.06.2021</a:t>
+              <a:t>27.09.2021</a:t>
             </a:fld>
             <a:endParaRPr lang="de-DE"/>
           </a:p>
@@ -1840,7 +1840,7 @@
           <a:p>
             <a:fld id="{300DB245-849F-4AAA-AD3E-676A6FA9CB3B}" type="datetimeFigureOut">
               <a:rPr lang="de-DE" smtClean="0"/>
-              <a:t>09.06.2021</a:t>
+              <a:t>27.09.2021</a:t>
             </a:fld>
             <a:endParaRPr lang="de-DE"/>
           </a:p>
@@ -2117,7 +2117,7 @@
           <a:p>
             <a:fld id="{300DB245-849F-4AAA-AD3E-676A6FA9CB3B}" type="datetimeFigureOut">
               <a:rPr lang="de-DE" smtClean="0"/>
-              <a:t>09.06.2021</a:t>
+              <a:t>27.09.2021</a:t>
             </a:fld>
             <a:endParaRPr lang="de-DE"/>
           </a:p>
@@ -2374,7 +2374,7 @@
           <a:p>
             <a:fld id="{300DB245-849F-4AAA-AD3E-676A6FA9CB3B}" type="datetimeFigureOut">
               <a:rPr lang="de-DE" smtClean="0"/>
-              <a:t>09.06.2021</a:t>
+              <a:t>27.09.2021</a:t>
             </a:fld>
             <a:endParaRPr lang="de-DE"/>
           </a:p>
@@ -2587,7 +2587,7 @@
           <a:p>
             <a:fld id="{300DB245-849F-4AAA-AD3E-676A6FA9CB3B}" type="datetimeFigureOut">
               <a:rPr lang="de-DE" smtClean="0"/>
-              <a:t>09.06.2021</a:t>
+              <a:t>27.09.2021</a:t>
             </a:fld>
             <a:endParaRPr lang="de-DE"/>
           </a:p>
@@ -5372,7 +5372,7 @@
         </p:nvGrpSpPr>
         <p:grpSpPr>
           <a:xfrm>
-            <a:off x="4710689" y="5606516"/>
+            <a:off x="4710689" y="5301716"/>
             <a:ext cx="1620000" cy="575444"/>
             <a:chOff x="3011354" y="3035832"/>
             <a:chExt cx="1620000" cy="575444"/>
@@ -5523,7 +5523,7 @@
         </p:nvGrpSpPr>
         <p:grpSpPr>
           <a:xfrm>
-            <a:off x="172263" y="7443020"/>
+            <a:off x="2305863" y="7443020"/>
             <a:ext cx="1620000" cy="1221774"/>
             <a:chOff x="3011354" y="3035832"/>
             <a:chExt cx="1620000" cy="1221774"/>
@@ -5707,7 +5707,7 @@
         </p:nvGrpSpPr>
         <p:grpSpPr>
           <a:xfrm>
-            <a:off x="2300774" y="7990510"/>
+            <a:off x="4434374" y="7990510"/>
             <a:ext cx="1972277" cy="790887"/>
             <a:chOff x="3011353" y="3035832"/>
             <a:chExt cx="1972277" cy="790887"/>
@@ -6152,7 +6152,7 @@
         </p:nvGrpSpPr>
         <p:grpSpPr>
           <a:xfrm>
-            <a:off x="4710689" y="6355976"/>
+            <a:off x="4710689" y="6051176"/>
             <a:ext cx="1620000" cy="790887"/>
             <a:chOff x="3011354" y="3035832"/>
             <a:chExt cx="1620000" cy="790887"/>
@@ -6314,7 +6314,7 @@
         </p:nvGrpSpPr>
         <p:grpSpPr>
           <a:xfrm>
-            <a:off x="2300776" y="6803094"/>
+            <a:off x="2300776" y="6498294"/>
             <a:ext cx="1972275" cy="790887"/>
             <a:chOff x="3011353" y="3035832"/>
             <a:chExt cx="1972275" cy="790887"/>
@@ -6476,7 +6476,7 @@
         </p:nvSpPr>
         <p:spPr>
           <a:xfrm>
-            <a:off x="4708804" y="7326863"/>
+            <a:off x="4708804" y="7022063"/>
             <a:ext cx="1620000" cy="360000"/>
           </a:xfrm>
           <a:prstGeom prst="roundRect">
@@ -6543,7 +6543,7 @@
         </p:nvCxnSpPr>
         <p:spPr>
           <a:xfrm flipH="1">
-            <a:off x="3690651" y="7506863"/>
+            <a:off x="3690651" y="7202063"/>
             <a:ext cx="1018153" cy="0"/>
           </a:xfrm>
           <a:prstGeom prst="straightConnector1">
@@ -6587,7 +6587,7 @@
         </p:nvCxnSpPr>
         <p:spPr>
           <a:xfrm flipH="1">
-            <a:off x="5820535" y="7047000"/>
+            <a:off x="5820535" y="6742200"/>
             <a:ext cx="665990" cy="0"/>
           </a:xfrm>
           <a:prstGeom prst="straightConnector1">
@@ -6632,7 +6632,7 @@
         </p:nvCxnSpPr>
         <p:spPr>
           <a:xfrm flipH="1" flipV="1">
-            <a:off x="1303875" y="8565953"/>
+            <a:off x="3437475" y="8565953"/>
             <a:ext cx="996899" cy="1"/>
           </a:xfrm>
           <a:prstGeom prst="straightConnector1">
@@ -6721,7 +6721,7 @@
         </p:nvCxnSpPr>
         <p:spPr>
           <a:xfrm flipV="1">
-            <a:off x="4537982" y="6061182"/>
+            <a:off x="4537982" y="5756382"/>
             <a:ext cx="835518" cy="0"/>
           </a:xfrm>
           <a:prstGeom prst="straightConnector1">
@@ -7556,7 +7556,7 @@
         </p:nvCxnSpPr>
         <p:spPr>
           <a:xfrm>
-            <a:off x="4538242" y="6822242"/>
+            <a:off x="4538242" y="6517442"/>
             <a:ext cx="828908" cy="0"/>
           </a:xfrm>
           <a:prstGeom prst="straightConnector1">
@@ -7860,47 +7860,6 @@
       </p:cxnSp>
       <p:cxnSp>
         <p:nvCxnSpPr>
-          <p:cNvPr id="153" name="Straight Arrow Connector 152">
-            <a:extLst>
-              <a:ext uri="{FF2B5EF4-FFF2-40B4-BE49-F238E27FC236}">
-                <a16:creationId xmlns:a16="http://schemas.microsoft.com/office/drawing/2014/main" id="{CB8C610B-04D4-4C1F-B1B7-FAAF43BA17E8}"/>
-              </a:ext>
-            </a:extLst>
-          </p:cNvPr>
-          <p:cNvCxnSpPr>
-            <a:cxnSpLocks/>
-          </p:cNvCxnSpPr>
-          <p:nvPr/>
-        </p:nvCxnSpPr>
-        <p:spPr>
-          <a:xfrm flipH="1">
-            <a:off x="1136236" y="7930402"/>
-            <a:ext cx="824765" cy="0"/>
-          </a:xfrm>
-          <a:prstGeom prst="straightConnector1">
-            <a:avLst/>
-          </a:prstGeom>
-          <a:ln w="19050">
-            <a:tailEnd type="triangle"/>
-          </a:ln>
-        </p:spPr>
-        <p:style>
-          <a:lnRef idx="1">
-            <a:schemeClr val="accent1"/>
-          </a:lnRef>
-          <a:fillRef idx="0">
-            <a:schemeClr val="accent1"/>
-          </a:fillRef>
-          <a:effectRef idx="0">
-            <a:schemeClr val="accent1"/>
-          </a:effectRef>
-          <a:fontRef idx="minor">
-            <a:schemeClr val="tx1"/>
-          </a:fontRef>
-        </p:style>
-      </p:cxnSp>
-      <p:cxnSp>
-        <p:nvCxnSpPr>
           <p:cNvPr id="154" name="Straight Connector 153">
             <a:extLst>
               <a:ext uri="{FF2B5EF4-FFF2-40B4-BE49-F238E27FC236}">
@@ -8033,7 +7992,7 @@
         <p:spPr>
           <a:xfrm>
             <a:off x="4547767" y="5375865"/>
-            <a:ext cx="0" cy="1440000"/>
+            <a:ext cx="0" cy="1135200"/>
           </a:xfrm>
           <a:prstGeom prst="line">
             <a:avLst/>
@@ -8112,7 +8071,7 @@
         </p:nvCxnSpPr>
         <p:spPr>
           <a:xfrm>
-            <a:off x="2065510" y="7378538"/>
+            <a:off x="2065510" y="7073738"/>
             <a:ext cx="235267" cy="0"/>
           </a:xfrm>
           <a:prstGeom prst="line">
@@ -8156,7 +8115,7 @@
         <p:spPr>
           <a:xfrm flipV="1">
             <a:off x="2056973" y="6468823"/>
-            <a:ext cx="0" cy="918000"/>
+            <a:ext cx="0" cy="615600"/>
           </a:xfrm>
           <a:prstGeom prst="line">
             <a:avLst/>
@@ -8242,7 +8201,7 @@
         </p:nvCxnSpPr>
         <p:spPr>
           <a:xfrm>
-            <a:off x="6328804" y="7506863"/>
+            <a:off x="6328804" y="7202063"/>
             <a:ext cx="154800" cy="0"/>
           </a:xfrm>
           <a:prstGeom prst="line">
@@ -8285,7 +8244,7 @@
         </p:nvCxnSpPr>
         <p:spPr>
           <a:xfrm flipV="1">
-            <a:off x="6476351" y="7047001"/>
+            <a:off x="6476351" y="6742201"/>
             <a:ext cx="0" cy="468000"/>
           </a:xfrm>
           <a:prstGeom prst="line">
@@ -8400,49 +8359,6 @@
       </p:sp>
       <p:sp>
         <p:nvSpPr>
-          <p:cNvPr id="122" name="Rectangle 121">
-            <a:extLst>
-              <a:ext uri="{FF2B5EF4-FFF2-40B4-BE49-F238E27FC236}">
-                <a16:creationId xmlns:a16="http://schemas.microsoft.com/office/drawing/2014/main" id="{9536EAA3-53A0-46B2-90EE-D40D372FF2F8}"/>
-              </a:ext>
-            </a:extLst>
-          </p:cNvPr>
-          <p:cNvSpPr/>
-          <p:nvPr/>
-        </p:nvSpPr>
-        <p:spPr>
-          <a:xfrm>
-            <a:off x="944061" y="6961912"/>
-            <a:ext cx="1108445" cy="307777"/>
-          </a:xfrm>
-          <a:prstGeom prst="rect">
-            <a:avLst/>
-          </a:prstGeom>
-        </p:spPr>
-        <p:txBody>
-          <a:bodyPr wrap="none">
-            <a:spAutoFit/>
-          </a:bodyPr>
-          <a:lstStyle/>
-          <a:p>
-            <a:r>
-              <a:rPr lang="de-DE" sz="1400">
-                <a:solidFill>
-                  <a:schemeClr val="accent1"/>
-                </a:solidFill>
-              </a:rPr>
-              <a:t>raster object</a:t>
-            </a:r>
-            <a:endParaRPr lang="de-DE">
-              <a:solidFill>
-                <a:schemeClr val="accent1"/>
-              </a:solidFill>
-            </a:endParaRPr>
-          </a:p>
-        </p:txBody>
-      </p:sp>
-      <p:sp>
-        <p:nvSpPr>
           <p:cNvPr id="332" name="Rectangle 331">
             <a:extLst>
               <a:ext uri="{FF2B5EF4-FFF2-40B4-BE49-F238E27FC236}">
@@ -8518,6 +8434,275 @@
                 </a:solidFill>
               </a:rPr>
               <a:t>manually selected urls</a:t>
+            </a:r>
+            <a:endParaRPr lang="de-DE">
+              <a:solidFill>
+                <a:schemeClr val="accent1"/>
+              </a:solidFill>
+            </a:endParaRPr>
+          </a:p>
+        </p:txBody>
+      </p:sp>
+      <p:grpSp>
+        <p:nvGrpSpPr>
+          <p:cNvPr id="123" name="Group 122">
+            <a:extLst>
+              <a:ext uri="{FF2B5EF4-FFF2-40B4-BE49-F238E27FC236}">
+                <a16:creationId xmlns:a16="http://schemas.microsoft.com/office/drawing/2014/main" id="{92EC3409-C103-433E-8140-1CF5F01AFAA7}"/>
+              </a:ext>
+            </a:extLst>
+          </p:cNvPr>
+          <p:cNvGrpSpPr/>
+          <p:nvPr/>
+        </p:nvGrpSpPr>
+        <p:grpSpPr>
+          <a:xfrm>
+            <a:off x="172263" y="7443020"/>
+            <a:ext cx="1620000" cy="1221774"/>
+            <a:chOff x="3011354" y="3035832"/>
+            <a:chExt cx="1620000" cy="1221774"/>
+          </a:xfrm>
+        </p:grpSpPr>
+        <p:sp>
+          <p:nvSpPr>
+            <p:cNvPr id="124" name="Rectangle: Rounded Corners 123">
+              <a:extLst>
+                <a:ext uri="{FF2B5EF4-FFF2-40B4-BE49-F238E27FC236}">
+                  <a16:creationId xmlns:a16="http://schemas.microsoft.com/office/drawing/2014/main" id="{6124B6DC-1669-4E05-A290-C1329DFDEBAF}"/>
+                </a:ext>
+              </a:extLst>
+            </p:cNvPr>
+            <p:cNvSpPr/>
+            <p:nvPr/>
+          </p:nvSpPr>
+          <p:spPr>
+            <a:xfrm>
+              <a:off x="3011354" y="3035832"/>
+              <a:ext cx="1620000" cy="360000"/>
+            </a:xfrm>
+            <a:prstGeom prst="roundRect">
+              <a:avLst>
+                <a:gd name="adj" fmla="val 0"/>
+              </a:avLst>
+            </a:prstGeom>
+            <a:solidFill>
+              <a:schemeClr val="accent5">
+                <a:lumMod val="60000"/>
+                <a:lumOff val="40000"/>
+              </a:schemeClr>
+            </a:solidFill>
+            <a:ln>
+              <a:noFill/>
+            </a:ln>
+          </p:spPr>
+          <p:style>
+            <a:lnRef idx="2">
+              <a:schemeClr val="accent1">
+                <a:shade val="50000"/>
+              </a:schemeClr>
+            </a:lnRef>
+            <a:fillRef idx="1">
+              <a:schemeClr val="accent1"/>
+            </a:fillRef>
+            <a:effectRef idx="0">
+              <a:schemeClr val="accent1"/>
+            </a:effectRef>
+            <a:fontRef idx="minor">
+              <a:schemeClr val="lt1"/>
+            </a:fontRef>
+          </p:style>
+          <p:txBody>
+            <a:bodyPr rtlCol="0" anchor="ctr"/>
+            <a:lstStyle/>
+            <a:p>
+              <a:pPr algn="ctr"/>
+              <a:r>
+                <a:rPr lang="de-DE" b="1">
+                  <a:solidFill>
+                    <a:schemeClr val="tx1"/>
+                  </a:solidFill>
+                </a:rPr>
+                <a:t>plotDWD</a:t>
+              </a:r>
+            </a:p>
+          </p:txBody>
+        </p:sp>
+        <p:sp>
+          <p:nvSpPr>
+            <p:cNvPr id="125" name="Rectangle: Rounded Corners 124">
+              <a:extLst>
+                <a:ext uri="{FF2B5EF4-FFF2-40B4-BE49-F238E27FC236}">
+                  <a16:creationId xmlns:a16="http://schemas.microsoft.com/office/drawing/2014/main" id="{44E4633C-8642-4B9F-AAA2-1F1E50847A68}"/>
+                </a:ext>
+              </a:extLst>
+            </p:cNvPr>
+            <p:cNvSpPr/>
+            <p:nvPr/>
+          </p:nvSpPr>
+          <p:spPr>
+            <a:xfrm>
+              <a:off x="3011354" y="3395832"/>
+              <a:ext cx="1620000" cy="861774"/>
+            </a:xfrm>
+            <a:prstGeom prst="roundRect">
+              <a:avLst>
+                <a:gd name="adj" fmla="val 0"/>
+              </a:avLst>
+            </a:prstGeom>
+            <a:solidFill>
+              <a:schemeClr val="accent5">
+                <a:lumMod val="20000"/>
+                <a:lumOff val="80000"/>
+              </a:schemeClr>
+            </a:solidFill>
+            <a:ln>
+              <a:noFill/>
+            </a:ln>
+          </p:spPr>
+          <p:style>
+            <a:lnRef idx="2">
+              <a:schemeClr val="accent1">
+                <a:shade val="50000"/>
+              </a:schemeClr>
+            </a:lnRef>
+            <a:fillRef idx="1">
+              <a:schemeClr val="accent1"/>
+            </a:fillRef>
+            <a:effectRef idx="0">
+              <a:schemeClr val="accent1"/>
+            </a:effectRef>
+            <a:fontRef idx="minor">
+              <a:schemeClr val="lt1"/>
+            </a:fontRef>
+          </p:style>
+          <p:txBody>
+            <a:bodyPr tIns="0" bIns="0" rtlCol="0" anchor="t">
+              <a:spAutoFit/>
+            </a:bodyPr>
+            <a:lstStyle/>
+            <a:p>
+              <a:pPr algn="ctr"/>
+              <a:r>
+                <a:rPr lang="de-DE" sz="1400">
+                  <a:solidFill>
+                    <a:schemeClr val="tx1"/>
+                  </a:solidFill>
+                </a:rPr>
+                <a:t>x</a:t>
+              </a:r>
+            </a:p>
+            <a:p>
+              <a:pPr algn="ctr"/>
+              <a:r>
+                <a:rPr lang="de-DE" sz="1400">
+                  <a:solidFill>
+                    <a:schemeClr val="tx1"/>
+                  </a:solidFill>
+                </a:rPr>
+                <a:t>cn</a:t>
+              </a:r>
+            </a:p>
+            <a:p>
+              <a:pPr algn="ctr"/>
+              <a:r>
+                <a:rPr lang="de-DE" sz="1400">
+                  <a:solidFill>
+                    <a:schemeClr val="tx1"/>
+                  </a:solidFill>
+                </a:rPr>
+                <a:t>monthaxis</a:t>
+              </a:r>
+            </a:p>
+            <a:p>
+              <a:pPr algn="ctr"/>
+              <a:r>
+                <a:rPr lang="de-DE" sz="1400">
+                  <a:solidFill>
+                    <a:schemeClr val="tx1"/>
+                  </a:solidFill>
+                </a:rPr>
+                <a:t>line0</a:t>
+              </a:r>
+            </a:p>
+          </p:txBody>
+        </p:sp>
+      </p:grpSp>
+      <p:cxnSp>
+        <p:nvCxnSpPr>
+          <p:cNvPr id="19" name="Straight Arrow Connector 18">
+            <a:extLst>
+              <a:ext uri="{FF2B5EF4-FFF2-40B4-BE49-F238E27FC236}">
+                <a16:creationId xmlns:a16="http://schemas.microsoft.com/office/drawing/2014/main" id="{969C9059-6B7F-4051-8FCC-46348AB03FCF}"/>
+              </a:ext>
+            </a:extLst>
+          </p:cNvPr>
+          <p:cNvCxnSpPr>
+            <a:cxnSpLocks/>
+          </p:cNvCxnSpPr>
+          <p:nvPr/>
+        </p:nvCxnSpPr>
+        <p:spPr>
+          <a:xfrm>
+            <a:off x="1143381" y="7937594"/>
+            <a:ext cx="1712542" cy="0"/>
+          </a:xfrm>
+          <a:prstGeom prst="straightConnector1">
+            <a:avLst/>
+          </a:prstGeom>
+          <a:ln w="19050">
+            <a:headEnd type="triangle"/>
+            <a:tailEnd type="triangle"/>
+          </a:ln>
+        </p:spPr>
+        <p:style>
+          <a:lnRef idx="1">
+            <a:schemeClr val="accent1"/>
+          </a:lnRef>
+          <a:fillRef idx="0">
+            <a:schemeClr val="accent1"/>
+          </a:fillRef>
+          <a:effectRef idx="0">
+            <a:schemeClr val="accent1"/>
+          </a:effectRef>
+          <a:fontRef idx="minor">
+            <a:schemeClr val="tx1"/>
+          </a:fontRef>
+        </p:style>
+      </p:cxnSp>
+      <p:sp>
+        <p:nvSpPr>
+          <p:cNvPr id="122" name="Rectangle 121">
+            <a:extLst>
+              <a:ext uri="{FF2B5EF4-FFF2-40B4-BE49-F238E27FC236}">
+                <a16:creationId xmlns:a16="http://schemas.microsoft.com/office/drawing/2014/main" id="{9536EAA3-53A0-46B2-90EE-D40D372FF2F8}"/>
+              </a:ext>
+            </a:extLst>
+          </p:cNvPr>
+          <p:cNvSpPr/>
+          <p:nvPr/>
+        </p:nvSpPr>
+        <p:spPr>
+          <a:xfrm>
+            <a:off x="1250398" y="7873142"/>
+            <a:ext cx="1515095" cy="307777"/>
+          </a:xfrm>
+          <a:prstGeom prst="rect">
+            <a:avLst/>
+          </a:prstGeom>
+        </p:spPr>
+        <p:txBody>
+          <a:bodyPr wrap="none">
+            <a:spAutoFit/>
+          </a:bodyPr>
+          <a:lstStyle/>
+          <a:p>
+            <a:r>
+              <a:rPr lang="de-DE" sz="1400">
+                <a:solidFill>
+                  <a:schemeClr val="accent1"/>
+                </a:solidFill>
+              </a:rPr>
+              <a:t>dataframe / raster</a:t>
             </a:r>
             <a:endParaRPr lang="de-DE">
               <a:solidFill>
